--- a/BRITANNIA_PPT[2] susa sharfraj 1.pptx
+++ b/BRITANNIA_PPT[2] susa sharfraj 1.pptx
@@ -2,7 +2,7 @@
 <file path=ppt/presentation.xml><?xml version="1.0" encoding="utf-8"?>
 <p:presentation xmlns:a="http://schemas.openxmlformats.org/drawingml/2006/main" xmlns:r="http://schemas.openxmlformats.org/officeDocument/2006/relationships" xmlns:p="http://schemas.openxmlformats.org/presentationml/2006/main" autoCompressPictures="0">
   <p:sldMasterIdLst>
-    <p:sldMasterId id="2147483696" r:id="rId1"/>
+    <p:sldMasterId id="2147483720" r:id="rId1"/>
   </p:sldMasterIdLst>
   <p:sldIdLst>
     <p:sldId id="276" r:id="rId2"/>
@@ -20,7 +20,8 @@
     <p:sldId id="265" r:id="rId14"/>
     <p:sldId id="267" r:id="rId15"/>
     <p:sldId id="269" r:id="rId16"/>
-    <p:sldId id="268" r:id="rId17"/>
+    <p:sldId id="277" r:id="rId17"/>
+    <p:sldId id="268" r:id="rId18"/>
   </p:sldIdLst>
   <p:sldSz cx="12192000" cy="6858000"/>
   <p:notesSz cx="6858000" cy="9144000"/>
@@ -130,14 +131,6 @@
 <file path=ppt/slideLayouts/slideLayout1.xml><?xml version="1.0" encoding="utf-8"?>
 <p:sldLayout xmlns:a="http://schemas.openxmlformats.org/drawingml/2006/main" xmlns:r="http://schemas.openxmlformats.org/officeDocument/2006/relationships" xmlns:p="http://schemas.openxmlformats.org/presentationml/2006/main" type="title" preserve="1">
   <p:cSld name="Title Slide">
-    <p:bg>
-      <p:bgPr>
-        <a:solidFill>
-          <a:schemeClr val="accent2"/>
-        </a:solidFill>
-        <a:effectLst/>
-      </p:bgPr>
-    </p:bg>
     <p:spTree>
       <p:nvGrpSpPr>
         <p:cNvPr id="1" name=""/>
@@ -162,31 +155,19 @@
             <p:ph type="ctrTitle"/>
           </p:nvPr>
         </p:nvSpPr>
-        <p:spPr bwMode="blackWhite">
-          <a:xfrm>
-            <a:off x="1600200" y="2386744"/>
-            <a:ext cx="8991600" cy="1645920"/>
-          </a:xfrm>
-          <a:solidFill>
-            <a:srgbClr val="FFFFFF"/>
-          </a:solidFill>
-          <a:ln w="38100">
-            <a:solidFill>
-              <a:srgbClr val="404040"/>
-            </a:solidFill>
-          </a:ln>
-        </p:spPr>
-        <p:txBody>
-          <a:bodyPr lIns="274320" rIns="274320" anchor="ctr" anchorCtr="1">
+        <p:spPr>
+          <a:xfrm>
+            <a:off x="1595269" y="1122363"/>
+            <a:ext cx="9001462" cy="2387600"/>
+          </a:xfrm>
+        </p:spPr>
+        <p:txBody>
+          <a:bodyPr anchor="b">
             <a:normAutofit/>
           </a:bodyPr>
           <a:lstStyle>
             <a:lvl1pPr algn="ctr">
-              <a:defRPr sz="3800">
-                <a:solidFill>
-                  <a:srgbClr val="262626"/>
-                </a:solidFill>
-              </a:defRPr>
+              <a:defRPr sz="4800"/>
             </a:lvl1pPr>
           </a:lstStyle>
           <a:p>
@@ -210,10 +191,295 @@
         </p:nvSpPr>
         <p:spPr>
           <a:xfrm>
-            <a:off x="2695194" y="4352544"/>
-            <a:ext cx="6801612" cy="1239894"/>
+            <a:off x="1595269" y="3602038"/>
+            <a:ext cx="9001462" cy="1655762"/>
+          </a:xfrm>
+        </p:spPr>
+        <p:txBody>
+          <a:bodyPr/>
+          <a:lstStyle>
+            <a:lvl1pPr marL="0" indent="0" algn="ctr">
+              <a:buNone/>
+              <a:defRPr sz="2400"/>
+            </a:lvl1pPr>
+            <a:lvl2pPr marL="457200" indent="0" algn="ctr">
+              <a:buNone/>
+              <a:defRPr sz="2000"/>
+            </a:lvl2pPr>
+            <a:lvl3pPr marL="914400" indent="0" algn="ctr">
+              <a:buNone/>
+              <a:defRPr sz="1800"/>
+            </a:lvl3pPr>
+            <a:lvl4pPr marL="1371600" indent="0" algn="ctr">
+              <a:buNone/>
+              <a:defRPr sz="1600"/>
+            </a:lvl4pPr>
+            <a:lvl5pPr marL="1828800" indent="0" algn="ctr">
+              <a:buNone/>
+              <a:defRPr sz="1600"/>
+            </a:lvl5pPr>
+            <a:lvl6pPr marL="2286000" indent="0" algn="ctr">
+              <a:buNone/>
+              <a:defRPr sz="1600"/>
+            </a:lvl6pPr>
+            <a:lvl7pPr marL="2743200" indent="0" algn="ctr">
+              <a:buNone/>
+              <a:defRPr sz="1600"/>
+            </a:lvl7pPr>
+            <a:lvl8pPr marL="3200400" indent="0" algn="ctr">
+              <a:buNone/>
+              <a:defRPr sz="1600"/>
+            </a:lvl8pPr>
+            <a:lvl9pPr marL="3657600" indent="0" algn="ctr">
+              <a:buNone/>
+              <a:defRPr sz="1600"/>
+            </a:lvl9pPr>
+          </a:lstStyle>
+          <a:p>
+            <a:r>
+              <a:rPr lang="en-US"/>
+              <a:t>Click to edit Master subtitle style</a:t>
+            </a:r>
+            <a:endParaRPr lang="en-US" dirty="0"/>
+          </a:p>
+        </p:txBody>
+      </p:sp>
+      <p:sp>
+        <p:nvSpPr>
+          <p:cNvPr id="4" name="Date Placeholder 3"/>
+          <p:cNvSpPr>
+            <a:spLocks noGrp="1"/>
+          </p:cNvSpPr>
+          <p:nvPr>
+            <p:ph type="dt" sz="half" idx="10"/>
+          </p:nvPr>
+        </p:nvSpPr>
+        <p:spPr/>
+        <p:txBody>
+          <a:bodyPr/>
+          <a:lstStyle/>
+          <a:p>
+            <a:fld id="{1160EA64-D806-43AC-9DF2-F8C432F32B4C}" type="datetimeFigureOut">
+              <a:rPr lang="en-US" smtClean="0"/>
+              <a:t>10/16/2023</a:t>
+            </a:fld>
+            <a:endParaRPr lang="en-US" dirty="0"/>
+          </a:p>
+        </p:txBody>
+      </p:sp>
+      <p:sp>
+        <p:nvSpPr>
+          <p:cNvPr id="5" name="Footer Placeholder 4"/>
+          <p:cNvSpPr>
+            <a:spLocks noGrp="1"/>
+          </p:cNvSpPr>
+          <p:nvPr>
+            <p:ph type="ftr" sz="quarter" idx="11"/>
+          </p:nvPr>
+        </p:nvSpPr>
+        <p:spPr/>
+        <p:txBody>
+          <a:bodyPr/>
+          <a:lstStyle/>
+          <a:p>
+            <a:endParaRPr lang="en-US" dirty="0"/>
+          </a:p>
+        </p:txBody>
+      </p:sp>
+      <p:sp>
+        <p:nvSpPr>
+          <p:cNvPr id="6" name="Slide Number Placeholder 5"/>
+          <p:cNvSpPr>
+            <a:spLocks noGrp="1"/>
+          </p:cNvSpPr>
+          <p:nvPr>
+            <p:ph type="sldNum" sz="quarter" idx="12"/>
+          </p:nvPr>
+        </p:nvSpPr>
+        <p:spPr/>
+        <p:txBody>
+          <a:bodyPr/>
+          <a:lstStyle/>
+          <a:p>
+            <a:fld id="{8A7A6979-0714-4377-B894-6BE4C2D6E202}" type="slidenum">
+              <a:rPr lang="en-US" smtClean="0"/>
+              <a:pPr/>
+              <a:t>‹#›</a:t>
+            </a:fld>
+            <a:endParaRPr lang="en-US" dirty="0"/>
+          </a:p>
+        </p:txBody>
+      </p:sp>
+    </p:spTree>
+    <p:extLst>
+      <p:ext uri="{BB962C8B-B14F-4D97-AF65-F5344CB8AC3E}">
+        <p14:creationId xmlns:p14="http://schemas.microsoft.com/office/powerpoint/2010/main" val="2510185605"/>
+      </p:ext>
+    </p:extLst>
+  </p:cSld>
+  <p:clrMapOvr>
+    <a:masterClrMapping/>
+  </p:clrMapOvr>
+</p:sldLayout>
+</file>
+
+<file path=ppt/slideLayouts/slideLayout10.xml><?xml version="1.0" encoding="utf-8"?>
+<p:sldLayout xmlns:a="http://schemas.openxmlformats.org/drawingml/2006/main" xmlns:r="http://schemas.openxmlformats.org/officeDocument/2006/relationships" xmlns:p="http://schemas.openxmlformats.org/presentationml/2006/main" preserve="1">
+  <p:cSld name="Panoramic Picture with Caption">
+    <p:spTree>
+      <p:nvGrpSpPr>
+        <p:cNvPr id="1" name=""/>
+        <p:cNvGrpSpPr/>
+        <p:nvPr/>
+      </p:nvGrpSpPr>
+      <p:grpSpPr>
+        <a:xfrm>
+          <a:off x="0" y="0"/>
+          <a:ext cx="0" cy="0"/>
+          <a:chOff x="0" y="0"/>
+          <a:chExt cx="0" cy="0"/>
+        </a:xfrm>
+      </p:grpSpPr>
+      <p:sp>
+        <p:nvSpPr>
+          <p:cNvPr id="2" name="Title 1"/>
+          <p:cNvSpPr>
+            <a:spLocks noGrp="1"/>
+          </p:cNvSpPr>
+          <p:nvPr>
+            <p:ph type="title"/>
+          </p:nvPr>
+        </p:nvSpPr>
+        <p:spPr>
+          <a:xfrm>
+            <a:off x="913806" y="4289372"/>
+            <a:ext cx="10367564" cy="819355"/>
+          </a:xfrm>
+        </p:spPr>
+        <p:txBody>
+          <a:bodyPr anchor="b">
+            <a:normAutofit/>
+          </a:bodyPr>
+          <a:lstStyle>
+            <a:lvl1pPr>
+              <a:defRPr sz="2800"/>
+            </a:lvl1pPr>
+          </a:lstStyle>
+          <a:p>
+            <a:r>
+              <a:rPr lang="en-US"/>
+              <a:t>Click to edit Master title style</a:t>
+            </a:r>
+            <a:endParaRPr lang="en-US" dirty="0"/>
+          </a:p>
+        </p:txBody>
+      </p:sp>
+      <p:sp>
+        <p:nvSpPr>
+          <p:cNvPr id="3" name="Picture Placeholder 2"/>
+          <p:cNvSpPr>
+            <a:spLocks noGrp="1" noChangeAspect="1"/>
+          </p:cNvSpPr>
+          <p:nvPr>
+            <p:ph type="pic" idx="1"/>
+          </p:nvPr>
+        </p:nvSpPr>
+        <p:spPr>
+          <a:xfrm>
+            <a:off x="913806" y="621321"/>
+            <a:ext cx="10367564" cy="3379735"/>
           </a:xfrm>
           <a:noFill/>
+          <a:ln w="190500" cap="sq">
+            <a:solidFill>
+              <a:srgbClr val="FFFFFF"/>
+            </a:solidFill>
+            <a:miter lim="800000"/>
+          </a:ln>
+          <a:effectLst>
+            <a:outerShdw blurRad="55000" dist="18000" dir="5400000" algn="tl" rotWithShape="0">
+              <a:srgbClr val="000000">
+                <a:alpha val="40000"/>
+              </a:srgbClr>
+            </a:outerShdw>
+          </a:effectLst>
+          <a:scene3d>
+            <a:camera prst="orthographicFront"/>
+            <a:lightRig rig="twoPt" dir="t">
+              <a:rot lat="0" lon="0" rev="7200000"/>
+            </a:lightRig>
+          </a:scene3d>
+          <a:sp3d>
+            <a:bevelT w="25400" h="19050"/>
+            <a:contourClr>
+              <a:srgbClr val="FFFFFF"/>
+            </a:contourClr>
+          </a:sp3d>
+        </p:spPr>
+        <p:txBody>
+          <a:bodyPr anchor="t"/>
+          <a:lstStyle>
+            <a:lvl1pPr marL="0" indent="0" algn="ctr">
+              <a:buNone/>
+              <a:defRPr sz="3200"/>
+            </a:lvl1pPr>
+            <a:lvl2pPr marL="457200" indent="0">
+              <a:buNone/>
+              <a:defRPr sz="2800"/>
+            </a:lvl2pPr>
+            <a:lvl3pPr marL="914400" indent="0">
+              <a:buNone/>
+              <a:defRPr sz="2400"/>
+            </a:lvl3pPr>
+            <a:lvl4pPr marL="1371600" indent="0">
+              <a:buNone/>
+              <a:defRPr sz="2000"/>
+            </a:lvl4pPr>
+            <a:lvl5pPr marL="1828800" indent="0">
+              <a:buNone/>
+              <a:defRPr sz="2000"/>
+            </a:lvl5pPr>
+            <a:lvl6pPr marL="2286000" indent="0">
+              <a:buNone/>
+              <a:defRPr sz="2000"/>
+            </a:lvl6pPr>
+            <a:lvl7pPr marL="2743200" indent="0">
+              <a:buNone/>
+              <a:defRPr sz="2000"/>
+            </a:lvl7pPr>
+            <a:lvl8pPr marL="3200400" indent="0">
+              <a:buNone/>
+              <a:defRPr sz="2000"/>
+            </a:lvl8pPr>
+            <a:lvl9pPr marL="3657600" indent="0">
+              <a:buNone/>
+              <a:defRPr sz="2000"/>
+            </a:lvl9pPr>
+          </a:lstStyle>
+          <a:p>
+            <a:r>
+              <a:rPr lang="en-US"/>
+              <a:t>Click icon to add picture</a:t>
+            </a:r>
+            <a:endParaRPr lang="en-US" dirty="0"/>
+          </a:p>
+        </p:txBody>
+      </p:sp>
+      <p:sp>
+        <p:nvSpPr>
+          <p:cNvPr id="4" name="Text Placeholder 3"/>
+          <p:cNvSpPr>
+            <a:spLocks noGrp="1"/>
+          </p:cNvSpPr>
+          <p:nvPr>
+            <p:ph type="body" sz="half" idx="2"/>
+          </p:nvPr>
+        </p:nvSpPr>
+        <p:spPr>
+          <a:xfrm>
+            <a:off x="913795" y="5108728"/>
+            <a:ext cx="10365998" cy="682472"/>
+          </a:xfrm>
         </p:spPr>
         <p:txBody>
           <a:bodyPr>
@@ -222,44 +488,1765 @@
           <a:lstStyle>
             <a:lvl1pPr marL="0" indent="0" algn="ctr">
               <a:buNone/>
-              <a:defRPr sz="2000">
+              <a:defRPr sz="1800"/>
+            </a:lvl1pPr>
+            <a:lvl2pPr marL="457200" indent="0">
+              <a:buNone/>
+              <a:defRPr sz="1400"/>
+            </a:lvl2pPr>
+            <a:lvl3pPr marL="914400" indent="0">
+              <a:buNone/>
+              <a:defRPr sz="1200"/>
+            </a:lvl3pPr>
+            <a:lvl4pPr marL="1371600" indent="0">
+              <a:buNone/>
+              <a:defRPr sz="1000"/>
+            </a:lvl4pPr>
+            <a:lvl5pPr marL="1828800" indent="0">
+              <a:buNone/>
+              <a:defRPr sz="1000"/>
+            </a:lvl5pPr>
+            <a:lvl6pPr marL="2286000" indent="0">
+              <a:buNone/>
+              <a:defRPr sz="1000"/>
+            </a:lvl6pPr>
+            <a:lvl7pPr marL="2743200" indent="0">
+              <a:buNone/>
+              <a:defRPr sz="1000"/>
+            </a:lvl7pPr>
+            <a:lvl8pPr marL="3200400" indent="0">
+              <a:buNone/>
+              <a:defRPr sz="1000"/>
+            </a:lvl8pPr>
+            <a:lvl9pPr marL="3657600" indent="0">
+              <a:buNone/>
+              <a:defRPr sz="1000"/>
+            </a:lvl9pPr>
+          </a:lstStyle>
+          <a:p>
+            <a:pPr lvl="0"/>
+            <a:r>
+              <a:rPr lang="en-US"/>
+              <a:t>Click to edit Master text styles</a:t>
+            </a:r>
+          </a:p>
+        </p:txBody>
+      </p:sp>
+      <p:sp>
+        <p:nvSpPr>
+          <p:cNvPr id="5" name="Date Placeholder 4"/>
+          <p:cNvSpPr>
+            <a:spLocks noGrp="1"/>
+          </p:cNvSpPr>
+          <p:nvPr>
+            <p:ph type="dt" sz="half" idx="10"/>
+          </p:nvPr>
+        </p:nvSpPr>
+        <p:spPr/>
+        <p:txBody>
+          <a:bodyPr/>
+          <a:lstStyle/>
+          <a:p>
+            <a:fld id="{1160EA64-D806-43AC-9DF2-F8C432F32B4C}" type="datetimeFigureOut">
+              <a:rPr lang="en-US" smtClean="0"/>
+              <a:t>10/16/2023</a:t>
+            </a:fld>
+            <a:endParaRPr lang="en-US" dirty="0"/>
+          </a:p>
+        </p:txBody>
+      </p:sp>
+      <p:sp>
+        <p:nvSpPr>
+          <p:cNvPr id="6" name="Footer Placeholder 5"/>
+          <p:cNvSpPr>
+            <a:spLocks noGrp="1"/>
+          </p:cNvSpPr>
+          <p:nvPr>
+            <p:ph type="ftr" sz="quarter" idx="11"/>
+          </p:nvPr>
+        </p:nvSpPr>
+        <p:spPr/>
+        <p:txBody>
+          <a:bodyPr/>
+          <a:lstStyle/>
+          <a:p>
+            <a:endParaRPr lang="en-US" dirty="0"/>
+          </a:p>
+        </p:txBody>
+      </p:sp>
+      <p:sp>
+        <p:nvSpPr>
+          <p:cNvPr id="7" name="Slide Number Placeholder 6"/>
+          <p:cNvSpPr>
+            <a:spLocks noGrp="1"/>
+          </p:cNvSpPr>
+          <p:nvPr>
+            <p:ph type="sldNum" sz="quarter" idx="12"/>
+          </p:nvPr>
+        </p:nvSpPr>
+        <p:spPr/>
+        <p:txBody>
+          <a:bodyPr/>
+          <a:lstStyle/>
+          <a:p>
+            <a:fld id="{8A7A6979-0714-4377-B894-6BE4C2D6E202}" type="slidenum">
+              <a:rPr lang="en-US" smtClean="0"/>
+              <a:pPr/>
+              <a:t>‹#›</a:t>
+            </a:fld>
+            <a:endParaRPr lang="en-US" dirty="0"/>
+          </a:p>
+        </p:txBody>
+      </p:sp>
+    </p:spTree>
+    <p:extLst>
+      <p:ext uri="{BB962C8B-B14F-4D97-AF65-F5344CB8AC3E}">
+        <p14:creationId xmlns:p14="http://schemas.microsoft.com/office/powerpoint/2010/main" val="3904925634"/>
+      </p:ext>
+    </p:extLst>
+  </p:cSld>
+  <p:clrMapOvr>
+    <a:masterClrMapping/>
+  </p:clrMapOvr>
+  <p:hf sldNum="0" hdr="0" ftr="0" dt="0"/>
+</p:sldLayout>
+</file>
+
+<file path=ppt/slideLayouts/slideLayout11.xml><?xml version="1.0" encoding="utf-8"?>
+<p:sldLayout xmlns:a="http://schemas.openxmlformats.org/drawingml/2006/main" xmlns:r="http://schemas.openxmlformats.org/officeDocument/2006/relationships" xmlns:p="http://schemas.openxmlformats.org/presentationml/2006/main" preserve="1">
+  <p:cSld name="Title and Caption">
+    <p:spTree>
+      <p:nvGrpSpPr>
+        <p:cNvPr id="1" name=""/>
+        <p:cNvGrpSpPr/>
+        <p:nvPr/>
+      </p:nvGrpSpPr>
+      <p:grpSpPr>
+        <a:xfrm>
+          <a:off x="0" y="0"/>
+          <a:ext cx="0" cy="0"/>
+          <a:chOff x="0" y="0"/>
+          <a:chExt cx="0" cy="0"/>
+        </a:xfrm>
+      </p:grpSpPr>
+      <p:sp>
+        <p:nvSpPr>
+          <p:cNvPr id="2" name="Title 1"/>
+          <p:cNvSpPr>
+            <a:spLocks noGrp="1"/>
+          </p:cNvSpPr>
+          <p:nvPr>
+            <p:ph type="title"/>
+          </p:nvPr>
+        </p:nvSpPr>
+        <p:spPr>
+          <a:xfrm>
+            <a:off x="913795" y="609600"/>
+            <a:ext cx="10353762" cy="3424859"/>
+          </a:xfrm>
+        </p:spPr>
+        <p:txBody>
+          <a:bodyPr anchor="ctr"/>
+          <a:lstStyle>
+            <a:lvl1pPr>
+              <a:defRPr sz="3200"/>
+            </a:lvl1pPr>
+          </a:lstStyle>
+          <a:p>
+            <a:r>
+              <a:rPr lang="en-US"/>
+              <a:t>Click to edit Master title style</a:t>
+            </a:r>
+            <a:endParaRPr lang="en-US" dirty="0"/>
+          </a:p>
+        </p:txBody>
+      </p:sp>
+      <p:sp>
+        <p:nvSpPr>
+          <p:cNvPr id="4" name="Text Placeholder 3"/>
+          <p:cNvSpPr>
+            <a:spLocks noGrp="1"/>
+          </p:cNvSpPr>
+          <p:nvPr>
+            <p:ph type="body" sz="half" idx="2"/>
+          </p:nvPr>
+        </p:nvSpPr>
+        <p:spPr>
+          <a:xfrm>
+            <a:off x="913795" y="4204820"/>
+            <a:ext cx="10353761" cy="1592186"/>
+          </a:xfrm>
+        </p:spPr>
+        <p:txBody>
+          <a:bodyPr anchor="ctr"/>
+          <a:lstStyle>
+            <a:lvl1pPr marL="0" indent="0" algn="ctr">
+              <a:buNone/>
+              <a:defRPr sz="1600"/>
+            </a:lvl1pPr>
+            <a:lvl2pPr marL="457200" indent="0">
+              <a:buNone/>
+              <a:defRPr sz="1400"/>
+            </a:lvl2pPr>
+            <a:lvl3pPr marL="914400" indent="0">
+              <a:buNone/>
+              <a:defRPr sz="1200"/>
+            </a:lvl3pPr>
+            <a:lvl4pPr marL="1371600" indent="0">
+              <a:buNone/>
+              <a:defRPr sz="1000"/>
+            </a:lvl4pPr>
+            <a:lvl5pPr marL="1828800" indent="0">
+              <a:buNone/>
+              <a:defRPr sz="1000"/>
+            </a:lvl5pPr>
+            <a:lvl6pPr marL="2286000" indent="0">
+              <a:buNone/>
+              <a:defRPr sz="1000"/>
+            </a:lvl6pPr>
+            <a:lvl7pPr marL="2743200" indent="0">
+              <a:buNone/>
+              <a:defRPr sz="1000"/>
+            </a:lvl7pPr>
+            <a:lvl8pPr marL="3200400" indent="0">
+              <a:buNone/>
+              <a:defRPr sz="1000"/>
+            </a:lvl8pPr>
+            <a:lvl9pPr marL="3657600" indent="0">
+              <a:buNone/>
+              <a:defRPr sz="1000"/>
+            </a:lvl9pPr>
+          </a:lstStyle>
+          <a:p>
+            <a:pPr lvl="0"/>
+            <a:r>
+              <a:rPr lang="en-US"/>
+              <a:t>Click to edit Master text styles</a:t>
+            </a:r>
+          </a:p>
+        </p:txBody>
+      </p:sp>
+      <p:sp>
+        <p:nvSpPr>
+          <p:cNvPr id="5" name="Date Placeholder 4"/>
+          <p:cNvSpPr>
+            <a:spLocks noGrp="1"/>
+          </p:cNvSpPr>
+          <p:nvPr>
+            <p:ph type="dt" sz="half" idx="10"/>
+          </p:nvPr>
+        </p:nvSpPr>
+        <p:spPr/>
+        <p:txBody>
+          <a:bodyPr/>
+          <a:lstStyle/>
+          <a:p>
+            <a:fld id="{1160EA64-D806-43AC-9DF2-F8C432F32B4C}" type="datetimeFigureOut">
+              <a:rPr lang="en-US" smtClean="0"/>
+              <a:t>10/16/2023</a:t>
+            </a:fld>
+            <a:endParaRPr lang="en-US" dirty="0"/>
+          </a:p>
+        </p:txBody>
+      </p:sp>
+      <p:sp>
+        <p:nvSpPr>
+          <p:cNvPr id="6" name="Footer Placeholder 5"/>
+          <p:cNvSpPr>
+            <a:spLocks noGrp="1"/>
+          </p:cNvSpPr>
+          <p:nvPr>
+            <p:ph type="ftr" sz="quarter" idx="11"/>
+          </p:nvPr>
+        </p:nvSpPr>
+        <p:spPr/>
+        <p:txBody>
+          <a:bodyPr/>
+          <a:lstStyle/>
+          <a:p>
+            <a:endParaRPr lang="en-US" dirty="0"/>
+          </a:p>
+        </p:txBody>
+      </p:sp>
+      <p:sp>
+        <p:nvSpPr>
+          <p:cNvPr id="7" name="Slide Number Placeholder 6"/>
+          <p:cNvSpPr>
+            <a:spLocks noGrp="1"/>
+          </p:cNvSpPr>
+          <p:nvPr>
+            <p:ph type="sldNum" sz="quarter" idx="12"/>
+          </p:nvPr>
+        </p:nvSpPr>
+        <p:spPr/>
+        <p:txBody>
+          <a:bodyPr/>
+          <a:lstStyle/>
+          <a:p>
+            <a:fld id="{8A7A6979-0714-4377-B894-6BE4C2D6E202}" type="slidenum">
+              <a:rPr lang="en-US" smtClean="0"/>
+              <a:pPr/>
+              <a:t>‹#›</a:t>
+            </a:fld>
+            <a:endParaRPr lang="en-US" dirty="0"/>
+          </a:p>
+        </p:txBody>
+      </p:sp>
+    </p:spTree>
+    <p:extLst>
+      <p:ext uri="{BB962C8B-B14F-4D97-AF65-F5344CB8AC3E}">
+        <p14:creationId xmlns:p14="http://schemas.microsoft.com/office/powerpoint/2010/main" val="1055126649"/>
+      </p:ext>
+    </p:extLst>
+  </p:cSld>
+  <p:clrMapOvr>
+    <a:masterClrMapping/>
+  </p:clrMapOvr>
+  <p:hf sldNum="0" hdr="0" ftr="0" dt="0"/>
+</p:sldLayout>
+</file>
+
+<file path=ppt/slideLayouts/slideLayout12.xml><?xml version="1.0" encoding="utf-8"?>
+<p:sldLayout xmlns:a="http://schemas.openxmlformats.org/drawingml/2006/main" xmlns:r="http://schemas.openxmlformats.org/officeDocument/2006/relationships" xmlns:p="http://schemas.openxmlformats.org/presentationml/2006/main" preserve="1">
+  <p:cSld name="Quote with Caption">
+    <p:spTree>
+      <p:nvGrpSpPr>
+        <p:cNvPr id="1" name=""/>
+        <p:cNvGrpSpPr/>
+        <p:nvPr/>
+      </p:nvGrpSpPr>
+      <p:grpSpPr>
+        <a:xfrm>
+          <a:off x="0" y="0"/>
+          <a:ext cx="0" cy="0"/>
+          <a:chOff x="0" y="0"/>
+          <a:chExt cx="0" cy="0"/>
+        </a:xfrm>
+      </p:grpSpPr>
+      <p:sp>
+        <p:nvSpPr>
+          <p:cNvPr id="2" name="Title 1"/>
+          <p:cNvSpPr>
+            <a:spLocks noGrp="1"/>
+          </p:cNvSpPr>
+          <p:nvPr>
+            <p:ph type="title"/>
+          </p:nvPr>
+        </p:nvSpPr>
+        <p:spPr>
+          <a:xfrm>
+            <a:off x="1446212" y="609600"/>
+            <a:ext cx="9302752" cy="2992904"/>
+          </a:xfrm>
+        </p:spPr>
+        <p:txBody>
+          <a:bodyPr anchor="ctr"/>
+          <a:lstStyle>
+            <a:lvl1pPr>
+              <a:defRPr sz="3200"/>
+            </a:lvl1pPr>
+          </a:lstStyle>
+          <a:p>
+            <a:r>
+              <a:rPr lang="en-US"/>
+              <a:t>Click to edit Master title style</a:t>
+            </a:r>
+            <a:endParaRPr lang="en-US" dirty="0"/>
+          </a:p>
+        </p:txBody>
+      </p:sp>
+      <p:sp>
+        <p:nvSpPr>
+          <p:cNvPr id="12" name="Text Placeholder 3"/>
+          <p:cNvSpPr>
+            <a:spLocks noGrp="1"/>
+          </p:cNvSpPr>
+          <p:nvPr>
+            <p:ph type="body" sz="half" idx="13"/>
+          </p:nvPr>
+        </p:nvSpPr>
+        <p:spPr>
+          <a:xfrm>
+            <a:off x="1720644" y="3610032"/>
+            <a:ext cx="8752299" cy="426812"/>
+          </a:xfrm>
+        </p:spPr>
+        <p:txBody>
+          <a:bodyPr anchor="t">
+            <a:normAutofit/>
+          </a:bodyPr>
+          <a:lstStyle>
+            <a:lvl1pPr marL="0" indent="0" algn="r">
+              <a:buNone/>
+              <a:defRPr sz="1400"/>
+            </a:lvl1pPr>
+            <a:lvl2pPr marL="457200" indent="0">
+              <a:buNone/>
+              <a:defRPr sz="1400"/>
+            </a:lvl2pPr>
+            <a:lvl3pPr marL="914400" indent="0">
+              <a:buNone/>
+              <a:defRPr sz="1200"/>
+            </a:lvl3pPr>
+            <a:lvl4pPr marL="1371600" indent="0">
+              <a:buNone/>
+              <a:defRPr sz="1000"/>
+            </a:lvl4pPr>
+            <a:lvl5pPr marL="1828800" indent="0">
+              <a:buNone/>
+              <a:defRPr sz="1000"/>
+            </a:lvl5pPr>
+            <a:lvl6pPr marL="2286000" indent="0">
+              <a:buNone/>
+              <a:defRPr sz="1000"/>
+            </a:lvl6pPr>
+            <a:lvl7pPr marL="2743200" indent="0">
+              <a:buNone/>
+              <a:defRPr sz="1000"/>
+            </a:lvl7pPr>
+            <a:lvl8pPr marL="3200400" indent="0">
+              <a:buNone/>
+              <a:defRPr sz="1000"/>
+            </a:lvl8pPr>
+            <a:lvl9pPr marL="3657600" indent="0">
+              <a:buNone/>
+              <a:defRPr sz="1000"/>
+            </a:lvl9pPr>
+          </a:lstStyle>
+          <a:p>
+            <a:pPr lvl="0"/>
+            <a:r>
+              <a:rPr lang="en-US"/>
+              <a:t>Click to edit Master text styles</a:t>
+            </a:r>
+          </a:p>
+        </p:txBody>
+      </p:sp>
+      <p:sp>
+        <p:nvSpPr>
+          <p:cNvPr id="4" name="Text Placeholder 3"/>
+          <p:cNvSpPr>
+            <a:spLocks noGrp="1"/>
+          </p:cNvSpPr>
+          <p:nvPr>
+            <p:ph type="body" sz="half" idx="2"/>
+          </p:nvPr>
+        </p:nvSpPr>
+        <p:spPr>
+          <a:xfrm>
+            <a:off x="913794" y="4204821"/>
+            <a:ext cx="10353762" cy="1586380"/>
+          </a:xfrm>
+        </p:spPr>
+        <p:txBody>
+          <a:bodyPr anchor="ctr">
+            <a:normAutofit/>
+          </a:bodyPr>
+          <a:lstStyle>
+            <a:lvl1pPr marL="0" indent="0" algn="ctr">
+              <a:buNone/>
+              <a:defRPr sz="1600"/>
+            </a:lvl1pPr>
+            <a:lvl2pPr marL="457200" indent="0">
+              <a:buNone/>
+              <a:defRPr sz="1400"/>
+            </a:lvl2pPr>
+            <a:lvl3pPr marL="914400" indent="0">
+              <a:buNone/>
+              <a:defRPr sz="1200"/>
+            </a:lvl3pPr>
+            <a:lvl4pPr marL="1371600" indent="0">
+              <a:buNone/>
+              <a:defRPr sz="1000"/>
+            </a:lvl4pPr>
+            <a:lvl5pPr marL="1828800" indent="0">
+              <a:buNone/>
+              <a:defRPr sz="1000"/>
+            </a:lvl5pPr>
+            <a:lvl6pPr marL="2286000" indent="0">
+              <a:buNone/>
+              <a:defRPr sz="1000"/>
+            </a:lvl6pPr>
+            <a:lvl7pPr marL="2743200" indent="0">
+              <a:buNone/>
+              <a:defRPr sz="1000"/>
+            </a:lvl7pPr>
+            <a:lvl8pPr marL="3200400" indent="0">
+              <a:buNone/>
+              <a:defRPr sz="1000"/>
+            </a:lvl8pPr>
+            <a:lvl9pPr marL="3657600" indent="0">
+              <a:buNone/>
+              <a:defRPr sz="1000"/>
+            </a:lvl9pPr>
+          </a:lstStyle>
+          <a:p>
+            <a:pPr lvl="0"/>
+            <a:r>
+              <a:rPr lang="en-US"/>
+              <a:t>Click to edit Master text styles</a:t>
+            </a:r>
+          </a:p>
+        </p:txBody>
+      </p:sp>
+      <p:sp>
+        <p:nvSpPr>
+          <p:cNvPr id="5" name="Date Placeholder 4"/>
+          <p:cNvSpPr>
+            <a:spLocks noGrp="1"/>
+          </p:cNvSpPr>
+          <p:nvPr>
+            <p:ph type="dt" sz="half" idx="10"/>
+          </p:nvPr>
+        </p:nvSpPr>
+        <p:spPr/>
+        <p:txBody>
+          <a:bodyPr/>
+          <a:lstStyle/>
+          <a:p>
+            <a:fld id="{1160EA64-D806-43AC-9DF2-F8C432F32B4C}" type="datetimeFigureOut">
+              <a:rPr lang="en-US" smtClean="0"/>
+              <a:t>10/16/2023</a:t>
+            </a:fld>
+            <a:endParaRPr lang="en-US" dirty="0"/>
+          </a:p>
+        </p:txBody>
+      </p:sp>
+      <p:sp>
+        <p:nvSpPr>
+          <p:cNvPr id="6" name="Footer Placeholder 5"/>
+          <p:cNvSpPr>
+            <a:spLocks noGrp="1"/>
+          </p:cNvSpPr>
+          <p:nvPr>
+            <p:ph type="ftr" sz="quarter" idx="11"/>
+          </p:nvPr>
+        </p:nvSpPr>
+        <p:spPr/>
+        <p:txBody>
+          <a:bodyPr/>
+          <a:lstStyle/>
+          <a:p>
+            <a:endParaRPr lang="en-US" dirty="0"/>
+          </a:p>
+        </p:txBody>
+      </p:sp>
+      <p:sp>
+        <p:nvSpPr>
+          <p:cNvPr id="7" name="Slide Number Placeholder 6"/>
+          <p:cNvSpPr>
+            <a:spLocks noGrp="1"/>
+          </p:cNvSpPr>
+          <p:nvPr>
+            <p:ph type="sldNum" sz="quarter" idx="12"/>
+          </p:nvPr>
+        </p:nvSpPr>
+        <p:spPr/>
+        <p:txBody>
+          <a:bodyPr/>
+          <a:lstStyle/>
+          <a:p>
+            <a:fld id="{8A7A6979-0714-4377-B894-6BE4C2D6E202}" type="slidenum">
+              <a:rPr lang="en-US" smtClean="0"/>
+              <a:pPr/>
+              <a:t>‹#›</a:t>
+            </a:fld>
+            <a:endParaRPr lang="en-US" dirty="0"/>
+          </a:p>
+        </p:txBody>
+      </p:sp>
+      <p:sp>
+        <p:nvSpPr>
+          <p:cNvPr id="11" name="TextBox 10"/>
+          <p:cNvSpPr txBox="1"/>
+          <p:nvPr/>
+        </p:nvSpPr>
+        <p:spPr>
+          <a:xfrm>
+            <a:off x="836612" y="735241"/>
+            <a:ext cx="609600" cy="584776"/>
+          </a:xfrm>
+          <a:prstGeom prst="rect">
+            <a:avLst/>
+          </a:prstGeom>
+        </p:spPr>
+        <p:txBody>
+          <a:bodyPr vert="horz" lIns="91440" tIns="45720" rIns="91440" bIns="45720" rtlCol="0" anchor="ctr">
+            <a:noAutofit/>
+          </a:bodyPr>
+          <a:lstStyle>
+            <a:lvl1pPr>
+              <a:spcBef>
+                <a:spcPct val="0"/>
+              </a:spcBef>
+              <a:buNone/>
+              <a:defRPr sz="3200" b="0" cap="all">
+                <a:ln w="3175" cmpd="sng">
+                  <a:noFill/>
+                </a:ln>
+                <a:effectLst>
+                  <a:glow rad="38100">
+                    <a:schemeClr val="bg1">
+                      <a:lumMod val="65000"/>
+                      <a:lumOff val="35000"/>
+                      <a:alpha val="40000"/>
+                    </a:schemeClr>
+                  </a:glow>
+                  <a:outerShdw blurRad="28575" dist="38100" dir="14040000" algn="tl" rotWithShape="0">
+                    <a:srgbClr val="000000">
+                      <a:alpha val="25000"/>
+                    </a:srgbClr>
+                  </a:outerShdw>
+                </a:effectLst>
+              </a:defRPr>
+            </a:lvl1pPr>
+            <a:lvl2pPr>
+              <a:defRPr>
                 <a:solidFill>
-                  <a:schemeClr val="tx1">
-                    <a:lumMod val="75000"/>
-                    <a:lumOff val="25000"/>
-                  </a:schemeClr>
+                  <a:schemeClr val="tx2"/>
+                </a:solidFill>
+              </a:defRPr>
+            </a:lvl2pPr>
+            <a:lvl3pPr>
+              <a:defRPr>
+                <a:solidFill>
+                  <a:schemeClr val="tx2"/>
+                </a:solidFill>
+              </a:defRPr>
+            </a:lvl3pPr>
+            <a:lvl4pPr>
+              <a:defRPr>
+                <a:solidFill>
+                  <a:schemeClr val="tx2"/>
+                </a:solidFill>
+              </a:defRPr>
+            </a:lvl4pPr>
+            <a:lvl5pPr>
+              <a:defRPr>
+                <a:solidFill>
+                  <a:schemeClr val="tx2"/>
+                </a:solidFill>
+              </a:defRPr>
+            </a:lvl5pPr>
+            <a:lvl6pPr>
+              <a:defRPr>
+                <a:solidFill>
+                  <a:schemeClr val="tx2"/>
+                </a:solidFill>
+              </a:defRPr>
+            </a:lvl6pPr>
+            <a:lvl7pPr>
+              <a:defRPr>
+                <a:solidFill>
+                  <a:schemeClr val="tx2"/>
+                </a:solidFill>
+              </a:defRPr>
+            </a:lvl7pPr>
+            <a:lvl8pPr>
+              <a:defRPr>
+                <a:solidFill>
+                  <a:schemeClr val="tx2"/>
+                </a:solidFill>
+              </a:defRPr>
+            </a:lvl8pPr>
+            <a:lvl9pPr>
+              <a:defRPr>
+                <a:solidFill>
+                  <a:schemeClr val="tx2"/>
+                </a:solidFill>
+              </a:defRPr>
+            </a:lvl9pPr>
+          </a:lstStyle>
+          <a:p>
+            <a:pPr lvl="0"/>
+            <a:r>
+              <a:rPr lang="en-US" sz="8000" dirty="0">
+                <a:solidFill>
+                  <a:schemeClr val="tx1"/>
+                </a:solidFill>
+                <a:effectLst/>
+              </a:rPr>
+              <a:t>“</a:t>
+            </a:r>
+          </a:p>
+        </p:txBody>
+      </p:sp>
+      <p:sp>
+        <p:nvSpPr>
+          <p:cNvPr id="13" name="TextBox 12"/>
+          <p:cNvSpPr txBox="1"/>
+          <p:nvPr/>
+        </p:nvSpPr>
+        <p:spPr>
+          <a:xfrm>
+            <a:off x="10657956" y="2972093"/>
+            <a:ext cx="609600" cy="584776"/>
+          </a:xfrm>
+          <a:prstGeom prst="rect">
+            <a:avLst/>
+          </a:prstGeom>
+        </p:spPr>
+        <p:txBody>
+          <a:bodyPr vert="horz" lIns="91440" tIns="45720" rIns="91440" bIns="45720" rtlCol="0" anchor="ctr">
+            <a:noAutofit/>
+          </a:bodyPr>
+          <a:lstStyle>
+            <a:lvl1pPr>
+              <a:spcBef>
+                <a:spcPct val="0"/>
+              </a:spcBef>
+              <a:buNone/>
+              <a:defRPr sz="3200" b="0" cap="all">
+                <a:ln w="3175" cmpd="sng">
+                  <a:noFill/>
+                </a:ln>
+                <a:effectLst>
+                  <a:glow rad="38100">
+                    <a:schemeClr val="bg1">
+                      <a:lumMod val="65000"/>
+                      <a:lumOff val="35000"/>
+                      <a:alpha val="40000"/>
+                    </a:schemeClr>
+                  </a:glow>
+                  <a:outerShdw blurRad="28575" dist="38100" dir="14040000" algn="tl" rotWithShape="0">
+                    <a:srgbClr val="000000">
+                      <a:alpha val="25000"/>
+                    </a:srgbClr>
+                  </a:outerShdw>
+                </a:effectLst>
+              </a:defRPr>
+            </a:lvl1pPr>
+            <a:lvl2pPr>
+              <a:defRPr>
+                <a:solidFill>
+                  <a:schemeClr val="tx2"/>
+                </a:solidFill>
+              </a:defRPr>
+            </a:lvl2pPr>
+            <a:lvl3pPr>
+              <a:defRPr>
+                <a:solidFill>
+                  <a:schemeClr val="tx2"/>
+                </a:solidFill>
+              </a:defRPr>
+            </a:lvl3pPr>
+            <a:lvl4pPr>
+              <a:defRPr>
+                <a:solidFill>
+                  <a:schemeClr val="tx2"/>
+                </a:solidFill>
+              </a:defRPr>
+            </a:lvl4pPr>
+            <a:lvl5pPr>
+              <a:defRPr>
+                <a:solidFill>
+                  <a:schemeClr val="tx2"/>
+                </a:solidFill>
+              </a:defRPr>
+            </a:lvl5pPr>
+            <a:lvl6pPr>
+              <a:defRPr>
+                <a:solidFill>
+                  <a:schemeClr val="tx2"/>
+                </a:solidFill>
+              </a:defRPr>
+            </a:lvl6pPr>
+            <a:lvl7pPr>
+              <a:defRPr>
+                <a:solidFill>
+                  <a:schemeClr val="tx2"/>
+                </a:solidFill>
+              </a:defRPr>
+            </a:lvl7pPr>
+            <a:lvl8pPr>
+              <a:defRPr>
+                <a:solidFill>
+                  <a:schemeClr val="tx2"/>
+                </a:solidFill>
+              </a:defRPr>
+            </a:lvl8pPr>
+            <a:lvl9pPr>
+              <a:defRPr>
+                <a:solidFill>
+                  <a:schemeClr val="tx2"/>
+                </a:solidFill>
+              </a:defRPr>
+            </a:lvl9pPr>
+          </a:lstStyle>
+          <a:p>
+            <a:pPr lvl="0" algn="r"/>
+            <a:r>
+              <a:rPr lang="en-US" sz="8000" dirty="0">
+                <a:solidFill>
+                  <a:schemeClr val="tx1"/>
+                </a:solidFill>
+                <a:effectLst/>
+              </a:rPr>
+              <a:t>”</a:t>
+            </a:r>
+          </a:p>
+        </p:txBody>
+      </p:sp>
+    </p:spTree>
+    <p:extLst>
+      <p:ext uri="{BB962C8B-B14F-4D97-AF65-F5344CB8AC3E}">
+        <p14:creationId xmlns:p14="http://schemas.microsoft.com/office/powerpoint/2010/main" val="200927852"/>
+      </p:ext>
+    </p:extLst>
+  </p:cSld>
+  <p:clrMapOvr>
+    <a:masterClrMapping/>
+  </p:clrMapOvr>
+  <p:hf sldNum="0" hdr="0" ftr="0" dt="0"/>
+</p:sldLayout>
+</file>
+
+<file path=ppt/slideLayouts/slideLayout13.xml><?xml version="1.0" encoding="utf-8"?>
+<p:sldLayout xmlns:a="http://schemas.openxmlformats.org/drawingml/2006/main" xmlns:r="http://schemas.openxmlformats.org/officeDocument/2006/relationships" xmlns:p="http://schemas.openxmlformats.org/presentationml/2006/main" preserve="1">
+  <p:cSld name="Name Card">
+    <p:spTree>
+      <p:nvGrpSpPr>
+        <p:cNvPr id="1" name=""/>
+        <p:cNvGrpSpPr/>
+        <p:nvPr/>
+      </p:nvGrpSpPr>
+      <p:grpSpPr>
+        <a:xfrm>
+          <a:off x="0" y="0"/>
+          <a:ext cx="0" cy="0"/>
+          <a:chOff x="0" y="0"/>
+          <a:chExt cx="0" cy="0"/>
+        </a:xfrm>
+      </p:grpSpPr>
+      <p:sp>
+        <p:nvSpPr>
+          <p:cNvPr id="2" name="Title 1"/>
+          <p:cNvSpPr>
+            <a:spLocks noGrp="1"/>
+          </p:cNvSpPr>
+          <p:nvPr>
+            <p:ph type="title"/>
+          </p:nvPr>
+        </p:nvSpPr>
+        <p:spPr>
+          <a:xfrm>
+            <a:off x="913806" y="2126942"/>
+            <a:ext cx="10355327" cy="2511835"/>
+          </a:xfrm>
+        </p:spPr>
+        <p:txBody>
+          <a:bodyPr anchor="b"/>
+          <a:lstStyle>
+            <a:lvl1pPr>
+              <a:defRPr sz="3200"/>
+            </a:lvl1pPr>
+          </a:lstStyle>
+          <a:p>
+            <a:r>
+              <a:rPr lang="en-US"/>
+              <a:t>Click to edit Master title style</a:t>
+            </a:r>
+            <a:endParaRPr lang="en-US" dirty="0"/>
+          </a:p>
+        </p:txBody>
+      </p:sp>
+      <p:sp>
+        <p:nvSpPr>
+          <p:cNvPr id="4" name="Text Placeholder 3"/>
+          <p:cNvSpPr>
+            <a:spLocks noGrp="1"/>
+          </p:cNvSpPr>
+          <p:nvPr>
+            <p:ph type="body" sz="half" idx="2"/>
+          </p:nvPr>
+        </p:nvSpPr>
+        <p:spPr>
+          <a:xfrm>
+            <a:off x="913794" y="4650556"/>
+            <a:ext cx="10353763" cy="1140644"/>
+          </a:xfrm>
+        </p:spPr>
+        <p:txBody>
+          <a:bodyPr anchor="t"/>
+          <a:lstStyle>
+            <a:lvl1pPr marL="0" indent="0" algn="ctr">
+              <a:buNone/>
+              <a:defRPr sz="1600"/>
+            </a:lvl1pPr>
+            <a:lvl2pPr marL="457200" indent="0">
+              <a:buNone/>
+              <a:defRPr sz="1400"/>
+            </a:lvl2pPr>
+            <a:lvl3pPr marL="914400" indent="0">
+              <a:buNone/>
+              <a:defRPr sz="1200"/>
+            </a:lvl3pPr>
+            <a:lvl4pPr marL="1371600" indent="0">
+              <a:buNone/>
+              <a:defRPr sz="1000"/>
+            </a:lvl4pPr>
+            <a:lvl5pPr marL="1828800" indent="0">
+              <a:buNone/>
+              <a:defRPr sz="1000"/>
+            </a:lvl5pPr>
+            <a:lvl6pPr marL="2286000" indent="0">
+              <a:buNone/>
+              <a:defRPr sz="1000"/>
+            </a:lvl6pPr>
+            <a:lvl7pPr marL="2743200" indent="0">
+              <a:buNone/>
+              <a:defRPr sz="1000"/>
+            </a:lvl7pPr>
+            <a:lvl8pPr marL="3200400" indent="0">
+              <a:buNone/>
+              <a:defRPr sz="1000"/>
+            </a:lvl8pPr>
+            <a:lvl9pPr marL="3657600" indent="0">
+              <a:buNone/>
+              <a:defRPr sz="1000"/>
+            </a:lvl9pPr>
+          </a:lstStyle>
+          <a:p>
+            <a:pPr lvl="0"/>
+            <a:r>
+              <a:rPr lang="en-US"/>
+              <a:t>Click to edit Master text styles</a:t>
+            </a:r>
+          </a:p>
+        </p:txBody>
+      </p:sp>
+      <p:sp>
+        <p:nvSpPr>
+          <p:cNvPr id="5" name="Date Placeholder 4"/>
+          <p:cNvSpPr>
+            <a:spLocks noGrp="1"/>
+          </p:cNvSpPr>
+          <p:nvPr>
+            <p:ph type="dt" sz="half" idx="10"/>
+          </p:nvPr>
+        </p:nvSpPr>
+        <p:spPr/>
+        <p:txBody>
+          <a:bodyPr/>
+          <a:lstStyle/>
+          <a:p>
+            <a:fld id="{1160EA64-D806-43AC-9DF2-F8C432F32B4C}" type="datetimeFigureOut">
+              <a:rPr lang="en-US" smtClean="0"/>
+              <a:t>10/16/2023</a:t>
+            </a:fld>
+            <a:endParaRPr lang="en-US" dirty="0"/>
+          </a:p>
+        </p:txBody>
+      </p:sp>
+      <p:sp>
+        <p:nvSpPr>
+          <p:cNvPr id="6" name="Footer Placeholder 5"/>
+          <p:cNvSpPr>
+            <a:spLocks noGrp="1"/>
+          </p:cNvSpPr>
+          <p:nvPr>
+            <p:ph type="ftr" sz="quarter" idx="11"/>
+          </p:nvPr>
+        </p:nvSpPr>
+        <p:spPr/>
+        <p:txBody>
+          <a:bodyPr/>
+          <a:lstStyle/>
+          <a:p>
+            <a:endParaRPr lang="en-US" dirty="0"/>
+          </a:p>
+        </p:txBody>
+      </p:sp>
+      <p:sp>
+        <p:nvSpPr>
+          <p:cNvPr id="7" name="Slide Number Placeholder 6"/>
+          <p:cNvSpPr>
+            <a:spLocks noGrp="1"/>
+          </p:cNvSpPr>
+          <p:nvPr>
+            <p:ph type="sldNum" sz="quarter" idx="12"/>
+          </p:nvPr>
+        </p:nvSpPr>
+        <p:spPr/>
+        <p:txBody>
+          <a:bodyPr/>
+          <a:lstStyle/>
+          <a:p>
+            <a:fld id="{8A7A6979-0714-4377-B894-6BE4C2D6E202}" type="slidenum">
+              <a:rPr lang="en-US" smtClean="0"/>
+              <a:pPr/>
+              <a:t>‹#›</a:t>
+            </a:fld>
+            <a:endParaRPr lang="en-US" dirty="0"/>
+          </a:p>
+        </p:txBody>
+      </p:sp>
+    </p:spTree>
+    <p:extLst>
+      <p:ext uri="{BB962C8B-B14F-4D97-AF65-F5344CB8AC3E}">
+        <p14:creationId xmlns:p14="http://schemas.microsoft.com/office/powerpoint/2010/main" val="1880705138"/>
+      </p:ext>
+    </p:extLst>
+  </p:cSld>
+  <p:clrMapOvr>
+    <a:masterClrMapping/>
+  </p:clrMapOvr>
+  <p:hf sldNum="0" hdr="0" ftr="0" dt="0"/>
+</p:sldLayout>
+</file>
+
+<file path=ppt/slideLayouts/slideLayout14.xml><?xml version="1.0" encoding="utf-8"?>
+<p:sldLayout xmlns:a="http://schemas.openxmlformats.org/drawingml/2006/main" xmlns:r="http://schemas.openxmlformats.org/officeDocument/2006/relationships" xmlns:p="http://schemas.openxmlformats.org/presentationml/2006/main" preserve="1">
+  <p:cSld name="3 Column">
+    <p:spTree>
+      <p:nvGrpSpPr>
+        <p:cNvPr id="1" name=""/>
+        <p:cNvGrpSpPr/>
+        <p:nvPr/>
+      </p:nvGrpSpPr>
+      <p:grpSpPr>
+        <a:xfrm>
+          <a:off x="0" y="0"/>
+          <a:ext cx="0" cy="0"/>
+          <a:chOff x="0" y="0"/>
+          <a:chExt cx="0" cy="0"/>
+        </a:xfrm>
+      </p:grpSpPr>
+      <p:sp>
+        <p:nvSpPr>
+          <p:cNvPr id="15" name="Title 1"/>
+          <p:cNvSpPr>
+            <a:spLocks noGrp="1"/>
+          </p:cNvSpPr>
+          <p:nvPr>
+            <p:ph type="title"/>
+          </p:nvPr>
+        </p:nvSpPr>
+        <p:spPr>
+          <a:xfrm>
+            <a:off x="913794" y="609600"/>
+            <a:ext cx="10353762" cy="1325563"/>
+          </a:xfrm>
+        </p:spPr>
+        <p:txBody>
+          <a:bodyPr/>
+          <a:lstStyle/>
+          <a:p>
+            <a:r>
+              <a:rPr lang="en-US"/>
+              <a:t>Click to edit Master title style</a:t>
+            </a:r>
+            <a:endParaRPr lang="en-US" dirty="0"/>
+          </a:p>
+        </p:txBody>
+      </p:sp>
+      <p:sp>
+        <p:nvSpPr>
+          <p:cNvPr id="7" name="Text Placeholder 2"/>
+          <p:cNvSpPr>
+            <a:spLocks noGrp="1"/>
+          </p:cNvSpPr>
+          <p:nvPr>
+            <p:ph type="body" idx="1"/>
+          </p:nvPr>
+        </p:nvSpPr>
+        <p:spPr>
+          <a:xfrm>
+            <a:off x="913794" y="2088319"/>
+            <a:ext cx="3298956" cy="823305"/>
+          </a:xfrm>
+        </p:spPr>
+        <p:txBody>
+          <a:bodyPr anchor="b">
+            <a:noAutofit/>
+          </a:bodyPr>
+          <a:lstStyle>
+            <a:lvl1pPr marL="0" indent="0" algn="ctr">
+              <a:lnSpc>
+                <a:spcPct val="100000"/>
+              </a:lnSpc>
+              <a:buNone/>
+              <a:defRPr sz="2400" b="0">
+                <a:solidFill>
+                  <a:schemeClr val="tx1"/>
                 </a:solidFill>
               </a:defRPr>
             </a:lvl1pPr>
-            <a:lvl2pPr marL="457200" indent="0" algn="ctr">
-              <a:buNone/>
-              <a:defRPr sz="2000"/>
+            <a:lvl2pPr marL="457200" indent="0">
+              <a:buNone/>
+              <a:defRPr sz="2000" b="1"/>
             </a:lvl2pPr>
-            <a:lvl3pPr marL="914400" indent="0" algn="ctr">
-              <a:buNone/>
-              <a:defRPr sz="1800"/>
+            <a:lvl3pPr marL="914400" indent="0">
+              <a:buNone/>
+              <a:defRPr sz="1800" b="1"/>
             </a:lvl3pPr>
-            <a:lvl4pPr marL="1371600" indent="0" algn="ctr">
+            <a:lvl4pPr marL="1371600" indent="0">
+              <a:buNone/>
+              <a:defRPr sz="1600" b="1"/>
+            </a:lvl4pPr>
+            <a:lvl5pPr marL="1828800" indent="0">
+              <a:buNone/>
+              <a:defRPr sz="1600" b="1"/>
+            </a:lvl5pPr>
+            <a:lvl6pPr marL="2286000" indent="0">
+              <a:buNone/>
+              <a:defRPr sz="1600" b="1"/>
+            </a:lvl6pPr>
+            <a:lvl7pPr marL="2743200" indent="0">
+              <a:buNone/>
+              <a:defRPr sz="1600" b="1"/>
+            </a:lvl7pPr>
+            <a:lvl8pPr marL="3200400" indent="0">
+              <a:buNone/>
+              <a:defRPr sz="1600" b="1"/>
+            </a:lvl8pPr>
+            <a:lvl9pPr marL="3657600" indent="0">
+              <a:buNone/>
+              <a:defRPr sz="1600" b="1"/>
+            </a:lvl9pPr>
+          </a:lstStyle>
+          <a:p>
+            <a:pPr lvl="0"/>
+            <a:r>
+              <a:rPr lang="en-US"/>
+              <a:t>Click to edit Master text styles</a:t>
+            </a:r>
+          </a:p>
+        </p:txBody>
+      </p:sp>
+      <p:sp>
+        <p:nvSpPr>
+          <p:cNvPr id="8" name="Text Placeholder 3"/>
+          <p:cNvSpPr>
+            <a:spLocks noGrp="1"/>
+          </p:cNvSpPr>
+          <p:nvPr>
+            <p:ph type="body" sz="half" idx="15"/>
+          </p:nvPr>
+        </p:nvSpPr>
+        <p:spPr>
+          <a:xfrm>
+            <a:off x="913794" y="2911624"/>
+            <a:ext cx="3298956" cy="2879576"/>
+          </a:xfrm>
+        </p:spPr>
+        <p:txBody>
+          <a:bodyPr anchor="t">
+            <a:normAutofit/>
+          </a:bodyPr>
+          <a:lstStyle>
+            <a:lvl1pPr marL="0" indent="0" algn="ctr">
+              <a:buNone/>
+              <a:defRPr sz="1400"/>
+            </a:lvl1pPr>
+            <a:lvl2pPr marL="457200" indent="0">
+              <a:buNone/>
+              <a:defRPr sz="1200"/>
+            </a:lvl2pPr>
+            <a:lvl3pPr marL="914400" indent="0">
+              <a:buNone/>
+              <a:defRPr sz="1000"/>
+            </a:lvl3pPr>
+            <a:lvl4pPr marL="1371600" indent="0">
+              <a:buNone/>
+              <a:defRPr sz="900"/>
+            </a:lvl4pPr>
+            <a:lvl5pPr marL="1828800" indent="0">
+              <a:buNone/>
+              <a:defRPr sz="900"/>
+            </a:lvl5pPr>
+            <a:lvl6pPr marL="2286000" indent="0">
+              <a:buNone/>
+              <a:defRPr sz="900"/>
+            </a:lvl6pPr>
+            <a:lvl7pPr marL="2743200" indent="0">
+              <a:buNone/>
+              <a:defRPr sz="900"/>
+            </a:lvl7pPr>
+            <a:lvl8pPr marL="3200400" indent="0">
+              <a:buNone/>
+              <a:defRPr sz="900"/>
+            </a:lvl8pPr>
+            <a:lvl9pPr marL="3657600" indent="0">
+              <a:buNone/>
+              <a:defRPr sz="900"/>
+            </a:lvl9pPr>
+          </a:lstStyle>
+          <a:p>
+            <a:pPr lvl="0"/>
+            <a:r>
+              <a:rPr lang="en-US"/>
+              <a:t>Click to edit Master text styles</a:t>
+            </a:r>
+          </a:p>
+        </p:txBody>
+      </p:sp>
+      <p:sp>
+        <p:nvSpPr>
+          <p:cNvPr id="9" name="Text Placeholder 4"/>
+          <p:cNvSpPr>
+            <a:spLocks noGrp="1"/>
+          </p:cNvSpPr>
+          <p:nvPr>
+            <p:ph type="body" sz="quarter" idx="3"/>
+          </p:nvPr>
+        </p:nvSpPr>
+        <p:spPr>
+          <a:xfrm>
+            <a:off x="4444878" y="2088320"/>
+            <a:ext cx="3298558" cy="823304"/>
+          </a:xfrm>
+        </p:spPr>
+        <p:txBody>
+          <a:bodyPr anchor="b">
+            <a:noAutofit/>
+          </a:bodyPr>
+          <a:lstStyle>
+            <a:lvl1pPr marL="0" indent="0" algn="ctr">
+              <a:lnSpc>
+                <a:spcPct val="100000"/>
+              </a:lnSpc>
+              <a:buNone/>
+              <a:defRPr sz="2400" b="0">
+                <a:solidFill>
+                  <a:schemeClr val="tx1"/>
+                </a:solidFill>
+              </a:defRPr>
+            </a:lvl1pPr>
+            <a:lvl2pPr marL="457200" indent="0">
+              <a:buNone/>
+              <a:defRPr sz="2000" b="1"/>
+            </a:lvl2pPr>
+            <a:lvl3pPr marL="914400" indent="0">
+              <a:buNone/>
+              <a:defRPr sz="1800" b="1"/>
+            </a:lvl3pPr>
+            <a:lvl4pPr marL="1371600" indent="0">
+              <a:buNone/>
+              <a:defRPr sz="1600" b="1"/>
+            </a:lvl4pPr>
+            <a:lvl5pPr marL="1828800" indent="0">
+              <a:buNone/>
+              <a:defRPr sz="1600" b="1"/>
+            </a:lvl5pPr>
+            <a:lvl6pPr marL="2286000" indent="0">
+              <a:buNone/>
+              <a:defRPr sz="1600" b="1"/>
+            </a:lvl6pPr>
+            <a:lvl7pPr marL="2743200" indent="0">
+              <a:buNone/>
+              <a:defRPr sz="1600" b="1"/>
+            </a:lvl7pPr>
+            <a:lvl8pPr marL="3200400" indent="0">
+              <a:buNone/>
+              <a:defRPr sz="1600" b="1"/>
+            </a:lvl8pPr>
+            <a:lvl9pPr marL="3657600" indent="0">
+              <a:buNone/>
+              <a:defRPr sz="1600" b="1"/>
+            </a:lvl9pPr>
+          </a:lstStyle>
+          <a:p>
+            <a:pPr lvl="0"/>
+            <a:r>
+              <a:rPr lang="en-US"/>
+              <a:t>Click to edit Master text styles</a:t>
+            </a:r>
+          </a:p>
+        </p:txBody>
+      </p:sp>
+      <p:sp>
+        <p:nvSpPr>
+          <p:cNvPr id="10" name="Text Placeholder 3"/>
+          <p:cNvSpPr>
+            <a:spLocks noGrp="1"/>
+          </p:cNvSpPr>
+          <p:nvPr>
+            <p:ph type="body" sz="half" idx="16"/>
+          </p:nvPr>
+        </p:nvSpPr>
+        <p:spPr>
+          <a:xfrm>
+            <a:off x="4444878" y="2911624"/>
+            <a:ext cx="3299821" cy="2879576"/>
+          </a:xfrm>
+        </p:spPr>
+        <p:txBody>
+          <a:bodyPr anchor="t">
+            <a:normAutofit/>
+          </a:bodyPr>
+          <a:lstStyle>
+            <a:lvl1pPr marL="0" indent="0" algn="ctr">
+              <a:buNone/>
+              <a:defRPr sz="1400"/>
+            </a:lvl1pPr>
+            <a:lvl2pPr marL="457200" indent="0">
+              <a:buNone/>
+              <a:defRPr sz="1200"/>
+            </a:lvl2pPr>
+            <a:lvl3pPr marL="914400" indent="0">
+              <a:buNone/>
+              <a:defRPr sz="1000"/>
+            </a:lvl3pPr>
+            <a:lvl4pPr marL="1371600" indent="0">
+              <a:buNone/>
+              <a:defRPr sz="900"/>
+            </a:lvl4pPr>
+            <a:lvl5pPr marL="1828800" indent="0">
+              <a:buNone/>
+              <a:defRPr sz="900"/>
+            </a:lvl5pPr>
+            <a:lvl6pPr marL="2286000" indent="0">
+              <a:buNone/>
+              <a:defRPr sz="900"/>
+            </a:lvl6pPr>
+            <a:lvl7pPr marL="2743200" indent="0">
+              <a:buNone/>
+              <a:defRPr sz="900"/>
+            </a:lvl7pPr>
+            <a:lvl8pPr marL="3200400" indent="0">
+              <a:buNone/>
+              <a:defRPr sz="900"/>
+            </a:lvl8pPr>
+            <a:lvl9pPr marL="3657600" indent="0">
+              <a:buNone/>
+              <a:defRPr sz="900"/>
+            </a:lvl9pPr>
+          </a:lstStyle>
+          <a:p>
+            <a:pPr lvl="0"/>
+            <a:r>
+              <a:rPr lang="en-US"/>
+              <a:t>Click to edit Master text styles</a:t>
+            </a:r>
+          </a:p>
+        </p:txBody>
+      </p:sp>
+      <p:sp>
+        <p:nvSpPr>
+          <p:cNvPr id="11" name="Text Placeholder 4"/>
+          <p:cNvSpPr>
+            <a:spLocks noGrp="1"/>
+          </p:cNvSpPr>
+          <p:nvPr>
+            <p:ph type="body" sz="quarter" idx="13"/>
+          </p:nvPr>
+        </p:nvSpPr>
+        <p:spPr>
+          <a:xfrm>
+            <a:off x="7973298" y="2088320"/>
+            <a:ext cx="3291211" cy="823304"/>
+          </a:xfrm>
+        </p:spPr>
+        <p:txBody>
+          <a:bodyPr anchor="b">
+            <a:noAutofit/>
+          </a:bodyPr>
+          <a:lstStyle>
+            <a:lvl1pPr marL="0" indent="0" algn="ctr">
+              <a:lnSpc>
+                <a:spcPct val="100000"/>
+              </a:lnSpc>
+              <a:buNone/>
+              <a:defRPr sz="2400" b="0">
+                <a:solidFill>
+                  <a:schemeClr val="tx1"/>
+                </a:solidFill>
+              </a:defRPr>
+            </a:lvl1pPr>
+            <a:lvl2pPr marL="457200" indent="0">
+              <a:buNone/>
+              <a:defRPr sz="2000" b="1"/>
+            </a:lvl2pPr>
+            <a:lvl3pPr marL="914400" indent="0">
+              <a:buNone/>
+              <a:defRPr sz="1800" b="1"/>
+            </a:lvl3pPr>
+            <a:lvl4pPr marL="1371600" indent="0">
+              <a:buNone/>
+              <a:defRPr sz="1600" b="1"/>
+            </a:lvl4pPr>
+            <a:lvl5pPr marL="1828800" indent="0">
+              <a:buNone/>
+              <a:defRPr sz="1600" b="1"/>
+            </a:lvl5pPr>
+            <a:lvl6pPr marL="2286000" indent="0">
+              <a:buNone/>
+              <a:defRPr sz="1600" b="1"/>
+            </a:lvl6pPr>
+            <a:lvl7pPr marL="2743200" indent="0">
+              <a:buNone/>
+              <a:defRPr sz="1600" b="1"/>
+            </a:lvl7pPr>
+            <a:lvl8pPr marL="3200400" indent="0">
+              <a:buNone/>
+              <a:defRPr sz="1600" b="1"/>
+            </a:lvl8pPr>
+            <a:lvl9pPr marL="3657600" indent="0">
+              <a:buNone/>
+              <a:defRPr sz="1600" b="1"/>
+            </a:lvl9pPr>
+          </a:lstStyle>
+          <a:p>
+            <a:pPr lvl="0"/>
+            <a:r>
+              <a:rPr lang="en-US"/>
+              <a:t>Click to edit Master text styles</a:t>
+            </a:r>
+          </a:p>
+        </p:txBody>
+      </p:sp>
+      <p:sp>
+        <p:nvSpPr>
+          <p:cNvPr id="12" name="Text Placeholder 3"/>
+          <p:cNvSpPr>
+            <a:spLocks noGrp="1"/>
+          </p:cNvSpPr>
+          <p:nvPr>
+            <p:ph type="body" sz="half" idx="17"/>
+          </p:nvPr>
+        </p:nvSpPr>
+        <p:spPr>
+          <a:xfrm>
+            <a:off x="7976346" y="2911624"/>
+            <a:ext cx="3291211" cy="2879576"/>
+          </a:xfrm>
+        </p:spPr>
+        <p:txBody>
+          <a:bodyPr anchor="t">
+            <a:normAutofit/>
+          </a:bodyPr>
+          <a:lstStyle>
+            <a:lvl1pPr marL="0" indent="0" algn="ctr">
+              <a:buNone/>
+              <a:defRPr sz="1400"/>
+            </a:lvl1pPr>
+            <a:lvl2pPr marL="457200" indent="0">
+              <a:buNone/>
+              <a:defRPr sz="1200"/>
+            </a:lvl2pPr>
+            <a:lvl3pPr marL="914400" indent="0">
+              <a:buNone/>
+              <a:defRPr sz="1000"/>
+            </a:lvl3pPr>
+            <a:lvl4pPr marL="1371600" indent="0">
+              <a:buNone/>
+              <a:defRPr sz="900"/>
+            </a:lvl4pPr>
+            <a:lvl5pPr marL="1828800" indent="0">
+              <a:buNone/>
+              <a:defRPr sz="900"/>
+            </a:lvl5pPr>
+            <a:lvl6pPr marL="2286000" indent="0">
+              <a:buNone/>
+              <a:defRPr sz="900"/>
+            </a:lvl6pPr>
+            <a:lvl7pPr marL="2743200" indent="0">
+              <a:buNone/>
+              <a:defRPr sz="900"/>
+            </a:lvl7pPr>
+            <a:lvl8pPr marL="3200400" indent="0">
+              <a:buNone/>
+              <a:defRPr sz="900"/>
+            </a:lvl8pPr>
+            <a:lvl9pPr marL="3657600" indent="0">
+              <a:buNone/>
+              <a:defRPr sz="900"/>
+            </a:lvl9pPr>
+          </a:lstStyle>
+          <a:p>
+            <a:pPr lvl="0"/>
+            <a:r>
+              <a:rPr lang="en-US"/>
+              <a:t>Click to edit Master text styles</a:t>
+            </a:r>
+          </a:p>
+        </p:txBody>
+      </p:sp>
+      <p:sp>
+        <p:nvSpPr>
+          <p:cNvPr id="3" name="Date Placeholder 2"/>
+          <p:cNvSpPr>
+            <a:spLocks noGrp="1"/>
+          </p:cNvSpPr>
+          <p:nvPr>
+            <p:ph type="dt" sz="half" idx="10"/>
+          </p:nvPr>
+        </p:nvSpPr>
+        <p:spPr/>
+        <p:txBody>
+          <a:bodyPr/>
+          <a:lstStyle/>
+          <a:p>
+            <a:fld id="{1160EA64-D806-43AC-9DF2-F8C432F32B4C}" type="datetimeFigureOut">
+              <a:rPr lang="en-US" smtClean="0"/>
+              <a:t>10/16/2023</a:t>
+            </a:fld>
+            <a:endParaRPr lang="en-US" dirty="0"/>
+          </a:p>
+        </p:txBody>
+      </p:sp>
+      <p:sp>
+        <p:nvSpPr>
+          <p:cNvPr id="4" name="Footer Placeholder 3"/>
+          <p:cNvSpPr>
+            <a:spLocks noGrp="1"/>
+          </p:cNvSpPr>
+          <p:nvPr>
+            <p:ph type="ftr" sz="quarter" idx="11"/>
+          </p:nvPr>
+        </p:nvSpPr>
+        <p:spPr/>
+        <p:txBody>
+          <a:bodyPr/>
+          <a:lstStyle/>
+          <a:p>
+            <a:endParaRPr lang="en-US" dirty="0"/>
+          </a:p>
+        </p:txBody>
+      </p:sp>
+      <p:sp>
+        <p:nvSpPr>
+          <p:cNvPr id="5" name="Slide Number Placeholder 4"/>
+          <p:cNvSpPr>
+            <a:spLocks noGrp="1"/>
+          </p:cNvSpPr>
+          <p:nvPr>
+            <p:ph type="sldNum" sz="quarter" idx="12"/>
+          </p:nvPr>
+        </p:nvSpPr>
+        <p:spPr/>
+        <p:txBody>
+          <a:bodyPr/>
+          <a:lstStyle/>
+          <a:p>
+            <a:fld id="{8A7A6979-0714-4377-B894-6BE4C2D6E202}" type="slidenum">
+              <a:rPr lang="en-US" smtClean="0"/>
+              <a:pPr/>
+              <a:t>‹#›</a:t>
+            </a:fld>
+            <a:endParaRPr lang="en-US" dirty="0"/>
+          </a:p>
+        </p:txBody>
+      </p:sp>
+    </p:spTree>
+    <p:extLst>
+      <p:ext uri="{BB962C8B-B14F-4D97-AF65-F5344CB8AC3E}">
+        <p14:creationId xmlns:p14="http://schemas.microsoft.com/office/powerpoint/2010/main" val="353204119"/>
+      </p:ext>
+    </p:extLst>
+  </p:cSld>
+  <p:clrMapOvr>
+    <a:masterClrMapping/>
+  </p:clrMapOvr>
+  <p:hf sldNum="0" hdr="0" ftr="0" dt="0"/>
+</p:sldLayout>
+</file>
+
+<file path=ppt/slideLayouts/slideLayout15.xml><?xml version="1.0" encoding="utf-8"?>
+<p:sldLayout xmlns:a="http://schemas.openxmlformats.org/drawingml/2006/main" xmlns:r="http://schemas.openxmlformats.org/officeDocument/2006/relationships" xmlns:p="http://schemas.openxmlformats.org/presentationml/2006/main" preserve="1">
+  <p:cSld name="3 Picture Column">
+    <p:spTree>
+      <p:nvGrpSpPr>
+        <p:cNvPr id="1" name=""/>
+        <p:cNvGrpSpPr/>
+        <p:nvPr/>
+      </p:nvGrpSpPr>
+      <p:grpSpPr>
+        <a:xfrm>
+          <a:off x="0" y="0"/>
+          <a:ext cx="0" cy="0"/>
+          <a:chOff x="0" y="0"/>
+          <a:chExt cx="0" cy="0"/>
+        </a:xfrm>
+      </p:grpSpPr>
+      <p:sp>
+        <p:nvSpPr>
+          <p:cNvPr id="30" name="Title 1"/>
+          <p:cNvSpPr>
+            <a:spLocks noGrp="1"/>
+          </p:cNvSpPr>
+          <p:nvPr>
+            <p:ph type="title"/>
+          </p:nvPr>
+        </p:nvSpPr>
+        <p:spPr>
+          <a:xfrm>
+            <a:off x="913795" y="609600"/>
+            <a:ext cx="10353762" cy="1325563"/>
+          </a:xfrm>
+        </p:spPr>
+        <p:txBody>
+          <a:bodyPr/>
+          <a:lstStyle/>
+          <a:p>
+            <a:r>
+              <a:rPr lang="en-US"/>
+              <a:t>Click to edit Master title style</a:t>
+            </a:r>
+            <a:endParaRPr lang="en-US" dirty="0"/>
+          </a:p>
+        </p:txBody>
+      </p:sp>
+      <p:sp>
+        <p:nvSpPr>
+          <p:cNvPr id="19" name="Text Placeholder 2"/>
+          <p:cNvSpPr>
+            <a:spLocks noGrp="1"/>
+          </p:cNvSpPr>
+          <p:nvPr>
+            <p:ph type="body" idx="1"/>
+          </p:nvPr>
+        </p:nvSpPr>
+        <p:spPr>
+          <a:xfrm>
+            <a:off x="913795" y="4195899"/>
+            <a:ext cx="3298955" cy="576262"/>
+          </a:xfrm>
+        </p:spPr>
+        <p:txBody>
+          <a:bodyPr anchor="b">
+            <a:noAutofit/>
+          </a:bodyPr>
+          <a:lstStyle>
+            <a:lvl1pPr marL="0" indent="0" algn="ctr">
+              <a:lnSpc>
+                <a:spcPct val="100000"/>
+              </a:lnSpc>
+              <a:buNone/>
+              <a:defRPr sz="2000" b="0">
+                <a:solidFill>
+                  <a:schemeClr val="tx1"/>
+                </a:solidFill>
+              </a:defRPr>
+            </a:lvl1pPr>
+            <a:lvl2pPr marL="457200" indent="0">
+              <a:buNone/>
+              <a:defRPr sz="2000" b="1"/>
+            </a:lvl2pPr>
+            <a:lvl3pPr marL="914400" indent="0">
+              <a:buNone/>
+              <a:defRPr sz="1800" b="1"/>
+            </a:lvl3pPr>
+            <a:lvl4pPr marL="1371600" indent="0">
+              <a:buNone/>
+              <a:defRPr sz="1600" b="1"/>
+            </a:lvl4pPr>
+            <a:lvl5pPr marL="1828800" indent="0">
+              <a:buNone/>
+              <a:defRPr sz="1600" b="1"/>
+            </a:lvl5pPr>
+            <a:lvl6pPr marL="2286000" indent="0">
+              <a:buNone/>
+              <a:defRPr sz="1600" b="1"/>
+            </a:lvl6pPr>
+            <a:lvl7pPr marL="2743200" indent="0">
+              <a:buNone/>
+              <a:defRPr sz="1600" b="1"/>
+            </a:lvl7pPr>
+            <a:lvl8pPr marL="3200400" indent="0">
+              <a:buNone/>
+              <a:defRPr sz="1600" b="1"/>
+            </a:lvl8pPr>
+            <a:lvl9pPr marL="3657600" indent="0">
+              <a:buNone/>
+              <a:defRPr sz="1600" b="1"/>
+            </a:lvl9pPr>
+          </a:lstStyle>
+          <a:p>
+            <a:pPr lvl="0"/>
+            <a:r>
+              <a:rPr lang="en-US"/>
+              <a:t>Click to edit Master text styles</a:t>
+            </a:r>
+          </a:p>
+        </p:txBody>
+      </p:sp>
+      <p:sp>
+        <p:nvSpPr>
+          <p:cNvPr id="20" name="Picture Placeholder 2"/>
+          <p:cNvSpPr>
+            <a:spLocks noGrp="1" noChangeAspect="1"/>
+          </p:cNvSpPr>
+          <p:nvPr>
+            <p:ph type="pic" idx="15"/>
+          </p:nvPr>
+        </p:nvSpPr>
+        <p:spPr>
+          <a:xfrm>
+            <a:off x="1092020" y="2298987"/>
+            <a:ext cx="2940050" cy="1524000"/>
+          </a:xfrm>
+          <a:prstGeom prst="roundRect">
+            <a:avLst>
+              <a:gd name="adj" fmla="val 0"/>
+            </a:avLst>
+          </a:prstGeom>
+          <a:noFill/>
+          <a:ln w="146050" cap="sq">
+            <a:solidFill>
+              <a:srgbClr val="FFFFFF"/>
+            </a:solidFill>
+            <a:miter lim="800000"/>
+          </a:ln>
+          <a:effectLst>
+            <a:outerShdw blurRad="55000" dist="18000" dir="5400000" algn="tl" rotWithShape="0">
+              <a:srgbClr val="000000">
+                <a:alpha val="40000"/>
+              </a:srgbClr>
+            </a:outerShdw>
+          </a:effectLst>
+          <a:scene3d>
+            <a:camera prst="orthographicFront"/>
+            <a:lightRig rig="twoPt" dir="t">
+              <a:rot lat="0" lon="0" rev="7200000"/>
+            </a:lightRig>
+          </a:scene3d>
+          <a:sp3d>
+            <a:bevelT w="25400" h="19050"/>
+            <a:contourClr>
+              <a:srgbClr val="FFFFFF"/>
+            </a:contourClr>
+          </a:sp3d>
+        </p:spPr>
+        <p:txBody>
+          <a:bodyPr anchor="t">
+            <a:normAutofit/>
+          </a:bodyPr>
+          <a:lstStyle>
+            <a:lvl1pPr marL="0" indent="0" algn="ctr">
+              <a:buNone/>
+              <a:defRPr sz="1600"/>
+            </a:lvl1pPr>
+            <a:lvl2pPr marL="457200" indent="0">
+              <a:buNone/>
+              <a:defRPr sz="1600"/>
+            </a:lvl2pPr>
+            <a:lvl3pPr marL="914400" indent="0">
+              <a:buNone/>
+              <a:defRPr sz="1600"/>
+            </a:lvl3pPr>
+            <a:lvl4pPr marL="1371600" indent="0">
               <a:buNone/>
               <a:defRPr sz="1600"/>
             </a:lvl4pPr>
-            <a:lvl5pPr marL="1828800" indent="0" algn="ctr">
+            <a:lvl5pPr marL="1828800" indent="0">
               <a:buNone/>
               <a:defRPr sz="1600"/>
             </a:lvl5pPr>
-            <a:lvl6pPr marL="2286000" indent="0" algn="ctr">
+            <a:lvl6pPr marL="2286000" indent="0">
               <a:buNone/>
               <a:defRPr sz="1600"/>
             </a:lvl6pPr>
-            <a:lvl7pPr marL="2743200" indent="0" algn="ctr">
+            <a:lvl7pPr marL="2743200" indent="0">
               <a:buNone/>
               <a:defRPr sz="1600"/>
             </a:lvl7pPr>
-            <a:lvl8pPr marL="3200400" indent="0" algn="ctr">
+            <a:lvl8pPr marL="3200400" indent="0">
               <a:buNone/>
               <a:defRPr sz="1600"/>
             </a:lvl8pPr>
-            <a:lvl9pPr marL="3657600" indent="0" algn="ctr">
+            <a:lvl9pPr marL="3657600" indent="0">
               <a:buNone/>
               <a:defRPr sz="1600"/>
             </a:lvl9pPr>
@@ -267,15 +2254,560 @@
           <a:p>
             <a:r>
               <a:rPr lang="en-US"/>
-              <a:t>Click to edit Master subtitle style</a:t>
-            </a:r>
-            <a:endParaRPr lang="en-US" dirty="0"/>
-          </a:p>
-        </p:txBody>
-      </p:sp>
-      <p:sp>
-        <p:nvSpPr>
-          <p:cNvPr id="7" name="Date Placeholder 6"/>
+              <a:t>Click icon to add picture</a:t>
+            </a:r>
+            <a:endParaRPr lang="en-US" dirty="0"/>
+          </a:p>
+        </p:txBody>
+      </p:sp>
+      <p:sp>
+        <p:nvSpPr>
+          <p:cNvPr id="21" name="Text Placeholder 3"/>
+          <p:cNvSpPr>
+            <a:spLocks noGrp="1"/>
+          </p:cNvSpPr>
+          <p:nvPr>
+            <p:ph type="body" sz="half" idx="18"/>
+          </p:nvPr>
+        </p:nvSpPr>
+        <p:spPr>
+          <a:xfrm>
+            <a:off x="913795" y="4772161"/>
+            <a:ext cx="3298955" cy="1019038"/>
+          </a:xfrm>
+        </p:spPr>
+        <p:txBody>
+          <a:bodyPr anchor="t">
+            <a:normAutofit/>
+          </a:bodyPr>
+          <a:lstStyle>
+            <a:lvl1pPr marL="0" indent="0" algn="ctr">
+              <a:buNone/>
+              <a:defRPr sz="1400"/>
+            </a:lvl1pPr>
+            <a:lvl2pPr marL="457200" indent="0">
+              <a:buNone/>
+              <a:defRPr sz="1200"/>
+            </a:lvl2pPr>
+            <a:lvl3pPr marL="914400" indent="0">
+              <a:buNone/>
+              <a:defRPr sz="1000"/>
+            </a:lvl3pPr>
+            <a:lvl4pPr marL="1371600" indent="0">
+              <a:buNone/>
+              <a:defRPr sz="900"/>
+            </a:lvl4pPr>
+            <a:lvl5pPr marL="1828800" indent="0">
+              <a:buNone/>
+              <a:defRPr sz="900"/>
+            </a:lvl5pPr>
+            <a:lvl6pPr marL="2286000" indent="0">
+              <a:buNone/>
+              <a:defRPr sz="900"/>
+            </a:lvl6pPr>
+            <a:lvl7pPr marL="2743200" indent="0">
+              <a:buNone/>
+              <a:defRPr sz="900"/>
+            </a:lvl7pPr>
+            <a:lvl8pPr marL="3200400" indent="0">
+              <a:buNone/>
+              <a:defRPr sz="900"/>
+            </a:lvl8pPr>
+            <a:lvl9pPr marL="3657600" indent="0">
+              <a:buNone/>
+              <a:defRPr sz="900"/>
+            </a:lvl9pPr>
+          </a:lstStyle>
+          <a:p>
+            <a:pPr lvl="0"/>
+            <a:r>
+              <a:rPr lang="en-US"/>
+              <a:t>Click to edit Master text styles</a:t>
+            </a:r>
+          </a:p>
+        </p:txBody>
+      </p:sp>
+      <p:sp>
+        <p:nvSpPr>
+          <p:cNvPr id="22" name="Text Placeholder 4"/>
+          <p:cNvSpPr>
+            <a:spLocks noGrp="1"/>
+          </p:cNvSpPr>
+          <p:nvPr>
+            <p:ph type="body" sz="quarter" idx="3"/>
+          </p:nvPr>
+        </p:nvSpPr>
+        <p:spPr>
+          <a:xfrm>
+            <a:off x="4442701" y="4195899"/>
+            <a:ext cx="3298983" cy="576262"/>
+          </a:xfrm>
+        </p:spPr>
+        <p:txBody>
+          <a:bodyPr anchor="b">
+            <a:noAutofit/>
+          </a:bodyPr>
+          <a:lstStyle>
+            <a:lvl1pPr marL="0" indent="0" algn="ctr">
+              <a:lnSpc>
+                <a:spcPct val="100000"/>
+              </a:lnSpc>
+              <a:buNone/>
+              <a:defRPr sz="2000" b="0">
+                <a:solidFill>
+                  <a:schemeClr val="tx1"/>
+                </a:solidFill>
+              </a:defRPr>
+            </a:lvl1pPr>
+            <a:lvl2pPr marL="457200" indent="0">
+              <a:buNone/>
+              <a:defRPr sz="2000" b="1"/>
+            </a:lvl2pPr>
+            <a:lvl3pPr marL="914400" indent="0">
+              <a:buNone/>
+              <a:defRPr sz="1800" b="1"/>
+            </a:lvl3pPr>
+            <a:lvl4pPr marL="1371600" indent="0">
+              <a:buNone/>
+              <a:defRPr sz="1600" b="1"/>
+            </a:lvl4pPr>
+            <a:lvl5pPr marL="1828800" indent="0">
+              <a:buNone/>
+              <a:defRPr sz="1600" b="1"/>
+            </a:lvl5pPr>
+            <a:lvl6pPr marL="2286000" indent="0">
+              <a:buNone/>
+              <a:defRPr sz="1600" b="1"/>
+            </a:lvl6pPr>
+            <a:lvl7pPr marL="2743200" indent="0">
+              <a:buNone/>
+              <a:defRPr sz="1600" b="1"/>
+            </a:lvl7pPr>
+            <a:lvl8pPr marL="3200400" indent="0">
+              <a:buNone/>
+              <a:defRPr sz="1600" b="1"/>
+            </a:lvl8pPr>
+            <a:lvl9pPr marL="3657600" indent="0">
+              <a:buNone/>
+              <a:defRPr sz="1600" b="1"/>
+            </a:lvl9pPr>
+          </a:lstStyle>
+          <a:p>
+            <a:pPr lvl="0"/>
+            <a:r>
+              <a:rPr lang="en-US"/>
+              <a:t>Click to edit Master text styles</a:t>
+            </a:r>
+          </a:p>
+        </p:txBody>
+      </p:sp>
+      <p:sp>
+        <p:nvSpPr>
+          <p:cNvPr id="23" name="Picture Placeholder 2"/>
+          <p:cNvSpPr>
+            <a:spLocks noGrp="1" noChangeAspect="1"/>
+          </p:cNvSpPr>
+          <p:nvPr>
+            <p:ph type="pic" idx="21"/>
+          </p:nvPr>
+        </p:nvSpPr>
+        <p:spPr>
+          <a:xfrm>
+            <a:off x="4568996" y="2298987"/>
+            <a:ext cx="2930525" cy="1524000"/>
+          </a:xfrm>
+          <a:prstGeom prst="roundRect">
+            <a:avLst>
+              <a:gd name="adj" fmla="val 0"/>
+            </a:avLst>
+          </a:prstGeom>
+          <a:noFill/>
+          <a:ln w="146050" cap="sq">
+            <a:solidFill>
+              <a:srgbClr val="FFFFFF"/>
+            </a:solidFill>
+            <a:miter lim="800000"/>
+          </a:ln>
+          <a:effectLst>
+            <a:outerShdw blurRad="55000" dist="18000" dir="5400000" algn="tl" rotWithShape="0">
+              <a:srgbClr val="000000">
+                <a:alpha val="40000"/>
+              </a:srgbClr>
+            </a:outerShdw>
+          </a:effectLst>
+          <a:scene3d>
+            <a:camera prst="orthographicFront"/>
+            <a:lightRig rig="twoPt" dir="t">
+              <a:rot lat="0" lon="0" rev="7200000"/>
+            </a:lightRig>
+          </a:scene3d>
+          <a:sp3d>
+            <a:bevelT w="25400" h="19050"/>
+            <a:contourClr>
+              <a:srgbClr val="FFFFFF"/>
+            </a:contourClr>
+          </a:sp3d>
+        </p:spPr>
+        <p:txBody>
+          <a:bodyPr anchor="t">
+            <a:normAutofit/>
+          </a:bodyPr>
+          <a:lstStyle>
+            <a:lvl1pPr marL="0" indent="0" algn="ctr">
+              <a:buNone/>
+              <a:defRPr sz="1600"/>
+            </a:lvl1pPr>
+            <a:lvl2pPr marL="457200" indent="0">
+              <a:buNone/>
+              <a:defRPr sz="1600"/>
+            </a:lvl2pPr>
+            <a:lvl3pPr marL="914400" indent="0">
+              <a:buNone/>
+              <a:defRPr sz="1600"/>
+            </a:lvl3pPr>
+            <a:lvl4pPr marL="1371600" indent="0">
+              <a:buNone/>
+              <a:defRPr sz="1600"/>
+            </a:lvl4pPr>
+            <a:lvl5pPr marL="1828800" indent="0">
+              <a:buNone/>
+              <a:defRPr sz="1600"/>
+            </a:lvl5pPr>
+            <a:lvl6pPr marL="2286000" indent="0">
+              <a:buNone/>
+              <a:defRPr sz="1600"/>
+            </a:lvl6pPr>
+            <a:lvl7pPr marL="2743200" indent="0">
+              <a:buNone/>
+              <a:defRPr sz="1600"/>
+            </a:lvl7pPr>
+            <a:lvl8pPr marL="3200400" indent="0">
+              <a:buNone/>
+              <a:defRPr sz="1600"/>
+            </a:lvl8pPr>
+            <a:lvl9pPr marL="3657600" indent="0">
+              <a:buNone/>
+              <a:defRPr sz="1600"/>
+            </a:lvl9pPr>
+          </a:lstStyle>
+          <a:p>
+            <a:r>
+              <a:rPr lang="en-US"/>
+              <a:t>Click icon to add picture</a:t>
+            </a:r>
+            <a:endParaRPr lang="en-US" dirty="0"/>
+          </a:p>
+        </p:txBody>
+      </p:sp>
+      <p:sp>
+        <p:nvSpPr>
+          <p:cNvPr id="24" name="Text Placeholder 3"/>
+          <p:cNvSpPr>
+            <a:spLocks noGrp="1"/>
+          </p:cNvSpPr>
+          <p:nvPr>
+            <p:ph type="body" sz="half" idx="19"/>
+          </p:nvPr>
+        </p:nvSpPr>
+        <p:spPr>
+          <a:xfrm>
+            <a:off x="4441348" y="4772160"/>
+            <a:ext cx="3300336" cy="1019038"/>
+          </a:xfrm>
+        </p:spPr>
+        <p:txBody>
+          <a:bodyPr anchor="t">
+            <a:normAutofit/>
+          </a:bodyPr>
+          <a:lstStyle>
+            <a:lvl1pPr marL="0" indent="0" algn="ctr">
+              <a:buNone/>
+              <a:defRPr sz="1400"/>
+            </a:lvl1pPr>
+            <a:lvl2pPr marL="457200" indent="0">
+              <a:buNone/>
+              <a:defRPr sz="1200"/>
+            </a:lvl2pPr>
+            <a:lvl3pPr marL="914400" indent="0">
+              <a:buNone/>
+              <a:defRPr sz="1000"/>
+            </a:lvl3pPr>
+            <a:lvl4pPr marL="1371600" indent="0">
+              <a:buNone/>
+              <a:defRPr sz="900"/>
+            </a:lvl4pPr>
+            <a:lvl5pPr marL="1828800" indent="0">
+              <a:buNone/>
+              <a:defRPr sz="900"/>
+            </a:lvl5pPr>
+            <a:lvl6pPr marL="2286000" indent="0">
+              <a:buNone/>
+              <a:defRPr sz="900"/>
+            </a:lvl6pPr>
+            <a:lvl7pPr marL="2743200" indent="0">
+              <a:buNone/>
+              <a:defRPr sz="900"/>
+            </a:lvl7pPr>
+            <a:lvl8pPr marL="3200400" indent="0">
+              <a:buNone/>
+              <a:defRPr sz="900"/>
+            </a:lvl8pPr>
+            <a:lvl9pPr marL="3657600" indent="0">
+              <a:buNone/>
+              <a:defRPr sz="900"/>
+            </a:lvl9pPr>
+          </a:lstStyle>
+          <a:p>
+            <a:pPr lvl="0"/>
+            <a:r>
+              <a:rPr lang="en-US"/>
+              <a:t>Click to edit Master text styles</a:t>
+            </a:r>
+          </a:p>
+        </p:txBody>
+      </p:sp>
+      <p:sp>
+        <p:nvSpPr>
+          <p:cNvPr id="25" name="Text Placeholder 4"/>
+          <p:cNvSpPr>
+            <a:spLocks noGrp="1"/>
+          </p:cNvSpPr>
+          <p:nvPr>
+            <p:ph type="body" sz="quarter" idx="13"/>
+          </p:nvPr>
+        </p:nvSpPr>
+        <p:spPr>
+          <a:xfrm>
+            <a:off x="7973423" y="4195899"/>
+            <a:ext cx="3289900" cy="576262"/>
+          </a:xfrm>
+        </p:spPr>
+        <p:txBody>
+          <a:bodyPr anchor="b">
+            <a:noAutofit/>
+          </a:bodyPr>
+          <a:lstStyle>
+            <a:lvl1pPr marL="0" indent="0" algn="ctr">
+              <a:lnSpc>
+                <a:spcPct val="100000"/>
+              </a:lnSpc>
+              <a:buNone/>
+              <a:defRPr sz="2000" b="0">
+                <a:solidFill>
+                  <a:schemeClr val="tx1"/>
+                </a:solidFill>
+              </a:defRPr>
+            </a:lvl1pPr>
+            <a:lvl2pPr marL="457200" indent="0">
+              <a:buNone/>
+              <a:defRPr sz="2000" b="1"/>
+            </a:lvl2pPr>
+            <a:lvl3pPr marL="914400" indent="0">
+              <a:buNone/>
+              <a:defRPr sz="1800" b="1"/>
+            </a:lvl3pPr>
+            <a:lvl4pPr marL="1371600" indent="0">
+              <a:buNone/>
+              <a:defRPr sz="1600" b="1"/>
+            </a:lvl4pPr>
+            <a:lvl5pPr marL="1828800" indent="0">
+              <a:buNone/>
+              <a:defRPr sz="1600" b="1"/>
+            </a:lvl5pPr>
+            <a:lvl6pPr marL="2286000" indent="0">
+              <a:buNone/>
+              <a:defRPr sz="1600" b="1"/>
+            </a:lvl6pPr>
+            <a:lvl7pPr marL="2743200" indent="0">
+              <a:buNone/>
+              <a:defRPr sz="1600" b="1"/>
+            </a:lvl7pPr>
+            <a:lvl8pPr marL="3200400" indent="0">
+              <a:buNone/>
+              <a:defRPr sz="1600" b="1"/>
+            </a:lvl8pPr>
+            <a:lvl9pPr marL="3657600" indent="0">
+              <a:buNone/>
+              <a:defRPr sz="1600" b="1"/>
+            </a:lvl9pPr>
+          </a:lstStyle>
+          <a:p>
+            <a:pPr lvl="0"/>
+            <a:r>
+              <a:rPr lang="en-US"/>
+              <a:t>Click to edit Master text styles</a:t>
+            </a:r>
+          </a:p>
+        </p:txBody>
+      </p:sp>
+      <p:sp>
+        <p:nvSpPr>
+          <p:cNvPr id="26" name="Picture Placeholder 2"/>
+          <p:cNvSpPr>
+            <a:spLocks noGrp="1" noChangeAspect="1"/>
+          </p:cNvSpPr>
+          <p:nvPr>
+            <p:ph type="pic" idx="22"/>
+          </p:nvPr>
+        </p:nvSpPr>
+        <p:spPr>
+          <a:xfrm>
+            <a:off x="8152803" y="2298987"/>
+            <a:ext cx="2932113" cy="1524000"/>
+          </a:xfrm>
+          <a:prstGeom prst="roundRect">
+            <a:avLst>
+              <a:gd name="adj" fmla="val 0"/>
+            </a:avLst>
+          </a:prstGeom>
+          <a:noFill/>
+          <a:ln w="146050" cap="sq">
+            <a:solidFill>
+              <a:srgbClr val="FFFFFF"/>
+            </a:solidFill>
+            <a:miter lim="800000"/>
+          </a:ln>
+          <a:effectLst>
+            <a:outerShdw blurRad="55000" dist="18000" dir="5400000" algn="tl" rotWithShape="0">
+              <a:srgbClr val="000000">
+                <a:alpha val="40000"/>
+              </a:srgbClr>
+            </a:outerShdw>
+          </a:effectLst>
+          <a:scene3d>
+            <a:camera prst="orthographicFront"/>
+            <a:lightRig rig="twoPt" dir="t">
+              <a:rot lat="0" lon="0" rev="7200000"/>
+            </a:lightRig>
+          </a:scene3d>
+          <a:sp3d>
+            <a:bevelT w="25400" h="19050"/>
+            <a:contourClr>
+              <a:srgbClr val="FFFFFF"/>
+            </a:contourClr>
+          </a:sp3d>
+        </p:spPr>
+        <p:txBody>
+          <a:bodyPr anchor="t">
+            <a:normAutofit/>
+          </a:bodyPr>
+          <a:lstStyle>
+            <a:lvl1pPr marL="0" indent="0" algn="ctr">
+              <a:buNone/>
+              <a:defRPr sz="1600"/>
+            </a:lvl1pPr>
+            <a:lvl2pPr marL="457200" indent="0">
+              <a:buNone/>
+              <a:defRPr sz="1600"/>
+            </a:lvl2pPr>
+            <a:lvl3pPr marL="914400" indent="0">
+              <a:buNone/>
+              <a:defRPr sz="1600"/>
+            </a:lvl3pPr>
+            <a:lvl4pPr marL="1371600" indent="0">
+              <a:buNone/>
+              <a:defRPr sz="1600"/>
+            </a:lvl4pPr>
+            <a:lvl5pPr marL="1828800" indent="0">
+              <a:buNone/>
+              <a:defRPr sz="1600"/>
+            </a:lvl5pPr>
+            <a:lvl6pPr marL="2286000" indent="0">
+              <a:buNone/>
+              <a:defRPr sz="1600"/>
+            </a:lvl6pPr>
+            <a:lvl7pPr marL="2743200" indent="0">
+              <a:buNone/>
+              <a:defRPr sz="1600"/>
+            </a:lvl7pPr>
+            <a:lvl8pPr marL="3200400" indent="0">
+              <a:buNone/>
+              <a:defRPr sz="1600"/>
+            </a:lvl8pPr>
+            <a:lvl9pPr marL="3657600" indent="0">
+              <a:buNone/>
+              <a:defRPr sz="1600"/>
+            </a:lvl9pPr>
+          </a:lstStyle>
+          <a:p>
+            <a:r>
+              <a:rPr lang="en-US"/>
+              <a:t>Click icon to add picture</a:t>
+            </a:r>
+            <a:endParaRPr lang="en-US" dirty="0"/>
+          </a:p>
+        </p:txBody>
+      </p:sp>
+      <p:sp>
+        <p:nvSpPr>
+          <p:cNvPr id="27" name="Text Placeholder 3"/>
+          <p:cNvSpPr>
+            <a:spLocks noGrp="1"/>
+          </p:cNvSpPr>
+          <p:nvPr>
+            <p:ph type="body" sz="half" idx="20"/>
+          </p:nvPr>
+        </p:nvSpPr>
+        <p:spPr>
+          <a:xfrm>
+            <a:off x="7973298" y="4772161"/>
+            <a:ext cx="3294258" cy="1019037"/>
+          </a:xfrm>
+        </p:spPr>
+        <p:txBody>
+          <a:bodyPr anchor="t">
+            <a:normAutofit/>
+          </a:bodyPr>
+          <a:lstStyle>
+            <a:lvl1pPr marL="0" indent="0" algn="ctr">
+              <a:buNone/>
+              <a:defRPr sz="1400"/>
+            </a:lvl1pPr>
+            <a:lvl2pPr marL="457200" indent="0">
+              <a:buNone/>
+              <a:defRPr sz="1200"/>
+            </a:lvl2pPr>
+            <a:lvl3pPr marL="914400" indent="0">
+              <a:buNone/>
+              <a:defRPr sz="1000"/>
+            </a:lvl3pPr>
+            <a:lvl4pPr marL="1371600" indent="0">
+              <a:buNone/>
+              <a:defRPr sz="900"/>
+            </a:lvl4pPr>
+            <a:lvl5pPr marL="1828800" indent="0">
+              <a:buNone/>
+              <a:defRPr sz="900"/>
+            </a:lvl5pPr>
+            <a:lvl6pPr marL="2286000" indent="0">
+              <a:buNone/>
+              <a:defRPr sz="900"/>
+            </a:lvl6pPr>
+            <a:lvl7pPr marL="2743200" indent="0">
+              <a:buNone/>
+              <a:defRPr sz="900"/>
+            </a:lvl7pPr>
+            <a:lvl8pPr marL="3200400" indent="0">
+              <a:buNone/>
+              <a:defRPr sz="900"/>
+            </a:lvl8pPr>
+            <a:lvl9pPr marL="3657600" indent="0">
+              <a:buNone/>
+              <a:defRPr sz="900"/>
+            </a:lvl9pPr>
+          </a:lstStyle>
+          <a:p>
+            <a:pPr lvl="0"/>
+            <a:r>
+              <a:rPr lang="en-US"/>
+              <a:t>Click to edit Master text styles</a:t>
+            </a:r>
+          </a:p>
+        </p:txBody>
+      </p:sp>
+      <p:sp>
+        <p:nvSpPr>
+          <p:cNvPr id="3" name="Date Placeholder 2"/>
           <p:cNvSpPr>
             <a:spLocks noGrp="1"/>
           </p:cNvSpPr>
@@ -289,8 +2821,8 @@
           <a:lstStyle/>
           <a:p>
             <a:fld id="{1160EA64-D806-43AC-9DF2-F8C432F32B4C}" type="datetimeFigureOut">
-              <a:rPr lang="en-US" dirty="0"/>
-              <a:t>10/15/2023</a:t>
+              <a:rPr lang="en-US" smtClean="0"/>
+              <a:t>10/16/2023</a:t>
             </a:fld>
             <a:endParaRPr lang="en-US" dirty="0"/>
           </a:p>
@@ -298,7 +2830,7 @@
       </p:sp>
       <p:sp>
         <p:nvSpPr>
-          <p:cNvPr id="8" name="Footer Placeholder 7"/>
+          <p:cNvPr id="4" name="Footer Placeholder 3"/>
           <p:cNvSpPr>
             <a:spLocks noGrp="1"/>
           </p:cNvSpPr>
@@ -317,7 +2849,7 @@
       </p:sp>
       <p:sp>
         <p:nvSpPr>
-          <p:cNvPr id="9" name="Slide Number Placeholder 8"/>
+          <p:cNvPr id="5" name="Slide Number Placeholder 4"/>
           <p:cNvSpPr>
             <a:spLocks noGrp="1"/>
           </p:cNvSpPr>
@@ -331,7 +2863,7 @@
           <a:lstStyle/>
           <a:p>
             <a:fld id="{8A7A6979-0714-4377-B894-6BE4C2D6E202}" type="slidenum">
-              <a:rPr lang="en-US" dirty="0"/>
+              <a:rPr lang="en-US" smtClean="0"/>
               <a:pPr/>
               <a:t>‹#›</a:t>
             </a:fld>
@@ -340,14 +2872,20 @@
         </p:txBody>
       </p:sp>
     </p:spTree>
+    <p:extLst>
+      <p:ext uri="{BB962C8B-B14F-4D97-AF65-F5344CB8AC3E}">
+        <p14:creationId xmlns:p14="http://schemas.microsoft.com/office/powerpoint/2010/main" val="2651498887"/>
+      </p:ext>
+    </p:extLst>
   </p:cSld>
   <p:clrMapOvr>
-    <a:overrideClrMapping bg1="dk1" tx1="lt1" bg2="dk2" tx2="lt2" accent1="accent1" accent2="accent2" accent3="accent3" accent4="accent4" accent5="accent5" accent6="accent6" hlink="hlink" folHlink="folHlink"/>
+    <a:masterClrMapping/>
   </p:clrMapOvr>
+  <p:hf sldNum="0" hdr="0" ftr="0" dt="0"/>
 </p:sldLayout>
 </file>
 
-<file path=ppt/slideLayouts/slideLayout10.xml><?xml version="1.0" encoding="utf-8"?>
+<file path=ppt/slideLayouts/slideLayout16.xml><?xml version="1.0" encoding="utf-8"?>
 <p:sldLayout xmlns:a="http://schemas.openxmlformats.org/drawingml/2006/main" xmlns:r="http://schemas.openxmlformats.org/officeDocument/2006/relationships" xmlns:p="http://schemas.openxmlformats.org/presentationml/2006/main" type="vertTx" preserve="1">
   <p:cSld name="Title and Vertical Text">
     <p:spTree>
@@ -455,8 +2993,8 @@
           <a:lstStyle/>
           <a:p>
             <a:fld id="{E9F9C37B-1D36-470B-8223-D6C91242EC14}" type="datetimeFigureOut">
-              <a:rPr lang="en-US" dirty="0"/>
-              <a:t>10/15/2023</a:t>
+              <a:rPr lang="en-US" smtClean="0"/>
+              <a:t>10/16/2023</a:t>
             </a:fld>
             <a:endParaRPr lang="en-US" dirty="0"/>
           </a:p>
@@ -497,7 +3035,7 @@
           <a:lstStyle/>
           <a:p>
             <a:fld id="{8A7A6979-0714-4377-B894-6BE4C2D6E202}" type="slidenum">
-              <a:rPr lang="en-US" dirty="0"/>
+              <a:rPr lang="en-US" smtClean="0"/>
               <a:t>‹#›</a:t>
             </a:fld>
             <a:endParaRPr lang="en-US" dirty="0"/>
@@ -505,6 +3043,11 @@
         </p:txBody>
       </p:sp>
     </p:spTree>
+    <p:extLst>
+      <p:ext uri="{BB962C8B-B14F-4D97-AF65-F5344CB8AC3E}">
+        <p14:creationId xmlns:p14="http://schemas.microsoft.com/office/powerpoint/2010/main" val="2821855063"/>
+      </p:ext>
+    </p:extLst>
   </p:cSld>
   <p:clrMapOvr>
     <a:masterClrMapping/>
@@ -512,7 +3055,7 @@
 </p:sldLayout>
 </file>
 
-<file path=ppt/slideLayouts/slideLayout11.xml><?xml version="1.0" encoding="utf-8"?>
+<file path=ppt/slideLayouts/slideLayout17.xml><?xml version="1.0" encoding="utf-8"?>
 <p:sldLayout xmlns:a="http://schemas.openxmlformats.org/drawingml/2006/main" xmlns:r="http://schemas.openxmlformats.org/officeDocument/2006/relationships" xmlns:p="http://schemas.openxmlformats.org/presentationml/2006/main" type="vertTitleAndTx" preserve="1">
   <p:cSld name="Vertical Title and Text">
     <p:spTree>
@@ -541,42 +3084,46 @@
         </p:nvSpPr>
         <p:spPr>
           <a:xfrm>
-            <a:off x="8653112" y="937260"/>
-            <a:ext cx="1298608" cy="4983480"/>
+            <a:off x="8724900" y="609599"/>
+            <a:ext cx="2542657" cy="5181601"/>
+          </a:xfrm>
+        </p:spPr>
+        <p:txBody>
+          <a:bodyPr vert="eaVert"/>
+          <a:lstStyle>
+            <a:lvl1pPr algn="l">
+              <a:defRPr/>
+            </a:lvl1pPr>
+          </a:lstStyle>
+          <a:p>
+            <a:r>
+              <a:rPr lang="en-US"/>
+              <a:t>Click to edit Master title style</a:t>
+            </a:r>
+            <a:endParaRPr lang="en-US" dirty="0"/>
+          </a:p>
+        </p:txBody>
+      </p:sp>
+      <p:sp>
+        <p:nvSpPr>
+          <p:cNvPr id="3" name="Vertical Text Placeholder 2"/>
+          <p:cNvSpPr>
+            <a:spLocks noGrp="1"/>
+          </p:cNvSpPr>
+          <p:nvPr>
+            <p:ph type="body" orient="vert" idx="1"/>
+          </p:nvPr>
+        </p:nvSpPr>
+        <p:spPr>
+          <a:xfrm>
+            <a:off x="913794" y="609599"/>
+            <a:ext cx="7658705" cy="5181601"/>
           </a:xfrm>
         </p:spPr>
         <p:txBody>
           <a:bodyPr vert="eaVert"/>
           <a:lstStyle/>
           <a:p>
-            <a:r>
-              <a:rPr lang="en-US"/>
-              <a:t>Click to edit Master title style</a:t>
-            </a:r>
-            <a:endParaRPr lang="en-US" dirty="0"/>
-          </a:p>
-        </p:txBody>
-      </p:sp>
-      <p:sp>
-        <p:nvSpPr>
-          <p:cNvPr id="3" name="Vertical Text Placeholder 2"/>
-          <p:cNvSpPr>
-            <a:spLocks noGrp="1"/>
-          </p:cNvSpPr>
-          <p:nvPr>
-            <p:ph type="body" orient="vert" idx="1"/>
-          </p:nvPr>
-        </p:nvSpPr>
-        <p:spPr>
-          <a:xfrm>
-            <a:off x="2231136" y="937260"/>
-            <a:ext cx="6198489" cy="4983480"/>
-          </a:xfrm>
-        </p:spPr>
-        <p:txBody>
-          <a:bodyPr vert="eaVert"/>
-          <a:lstStyle/>
-          <a:p>
             <a:pPr lvl="0"/>
             <a:r>
               <a:rPr lang="en-US"/>
@@ -630,8 +3177,8 @@
           <a:lstStyle/>
           <a:p>
             <a:fld id="{67C6F52A-A82B-47A2-A83A-8C4C91F2D59F}" type="datetimeFigureOut">
-              <a:rPr lang="en-US" dirty="0"/>
-              <a:t>10/15/2023</a:t>
+              <a:rPr lang="en-US" smtClean="0"/>
+              <a:t>10/16/2023</a:t>
             </a:fld>
             <a:endParaRPr lang="en-US" dirty="0"/>
           </a:p>
@@ -672,7 +3219,7 @@
           <a:lstStyle/>
           <a:p>
             <a:fld id="{8A7A6979-0714-4377-B894-6BE4C2D6E202}" type="slidenum">
-              <a:rPr lang="en-US" dirty="0"/>
+              <a:rPr lang="en-US" smtClean="0"/>
               <a:t>‹#›</a:t>
             </a:fld>
             <a:endParaRPr lang="en-US" dirty="0"/>
@@ -680,6 +3227,11 @@
         </p:txBody>
       </p:sp>
     </p:spTree>
+    <p:extLst>
+      <p:ext uri="{BB962C8B-B14F-4D97-AF65-F5344CB8AC3E}">
+        <p14:creationId xmlns:p14="http://schemas.microsoft.com/office/powerpoint/2010/main" val="3948027701"/>
+      </p:ext>
+    </p:extLst>
   </p:cSld>
   <p:clrMapOvr>
     <a:masterClrMapping/>
@@ -781,7 +3333,7 @@
       </p:sp>
       <p:sp>
         <p:nvSpPr>
-          <p:cNvPr id="7" name="Date Placeholder 6"/>
+          <p:cNvPr id="4" name="Date Placeholder 3"/>
           <p:cNvSpPr>
             <a:spLocks noGrp="1"/>
           </p:cNvSpPr>
@@ -795,8 +3347,8 @@
           <a:lstStyle/>
           <a:p>
             <a:fld id="{F070A7B3-6521-4DCA-87E5-044747A908C1}" type="datetimeFigureOut">
-              <a:rPr lang="en-US" dirty="0"/>
-              <a:t>10/15/2023</a:t>
+              <a:rPr lang="en-US" smtClean="0"/>
+              <a:t>10/16/2023</a:t>
             </a:fld>
             <a:endParaRPr lang="en-US" dirty="0"/>
           </a:p>
@@ -804,7 +3356,7 @@
       </p:sp>
       <p:sp>
         <p:nvSpPr>
-          <p:cNvPr id="8" name="Footer Placeholder 7"/>
+          <p:cNvPr id="5" name="Footer Placeholder 4"/>
           <p:cNvSpPr>
             <a:spLocks noGrp="1"/>
           </p:cNvSpPr>
@@ -823,7 +3375,7 @@
       </p:sp>
       <p:sp>
         <p:nvSpPr>
-          <p:cNvPr id="9" name="Slide Number Placeholder 8"/>
+          <p:cNvPr id="6" name="Slide Number Placeholder 5"/>
           <p:cNvSpPr>
             <a:spLocks noGrp="1"/>
           </p:cNvSpPr>
@@ -837,7 +3389,7 @@
           <a:lstStyle/>
           <a:p>
             <a:fld id="{8A7A6979-0714-4377-B894-6BE4C2D6E202}" type="slidenum">
-              <a:rPr lang="en-US" dirty="0"/>
+              <a:rPr lang="en-US" smtClean="0"/>
               <a:pPr/>
               <a:t>‹#›</a:t>
             </a:fld>
@@ -846,6 +3398,11 @@
         </p:txBody>
       </p:sp>
     </p:spTree>
+    <p:extLst>
+      <p:ext uri="{BB962C8B-B14F-4D97-AF65-F5344CB8AC3E}">
+        <p14:creationId xmlns:p14="http://schemas.microsoft.com/office/powerpoint/2010/main" val="3707958846"/>
+      </p:ext>
+    </p:extLst>
   </p:cSld>
   <p:clrMapOvr>
     <a:masterClrMapping/>
@@ -856,14 +3413,6 @@
 <file path=ppt/slideLayouts/slideLayout3.xml><?xml version="1.0" encoding="utf-8"?>
 <p:sldLayout xmlns:a="http://schemas.openxmlformats.org/drawingml/2006/main" xmlns:r="http://schemas.openxmlformats.org/officeDocument/2006/relationships" xmlns:p="http://schemas.openxmlformats.org/presentationml/2006/main" type="secHead" preserve="1">
   <p:cSld name="Section Header">
-    <p:bg>
-      <p:bgPr>
-        <a:solidFill>
-          <a:schemeClr val="accent1"/>
-        </a:solidFill>
-        <a:effectLst/>
-      </p:bgPr>
-    </p:bg>
     <p:spTree>
       <p:nvGrpSpPr>
         <p:cNvPr id="1" name=""/>
@@ -888,31 +3437,19 @@
             <p:ph type="title"/>
           </p:nvPr>
         </p:nvSpPr>
-        <p:spPr bwMode="blackWhite">
-          <a:xfrm>
-            <a:off x="1600200" y="2386744"/>
-            <a:ext cx="8991600" cy="1645920"/>
-          </a:xfrm>
-          <a:solidFill>
-            <a:srgbClr val="FFFFFF"/>
-          </a:solidFill>
-          <a:ln w="38100">
-            <a:solidFill>
-              <a:srgbClr val="404040"/>
-            </a:solidFill>
-          </a:ln>
-        </p:spPr>
-        <p:txBody>
-          <a:bodyPr lIns="274320" rIns="274320" anchor="ctr" anchorCtr="1">
+        <p:spPr>
+          <a:xfrm>
+            <a:off x="1229244" y="657226"/>
+            <a:ext cx="9733512" cy="2852737"/>
+          </a:xfrm>
+        </p:spPr>
+        <p:txBody>
+          <a:bodyPr anchor="b">
             <a:normAutofit/>
           </a:bodyPr>
           <a:lstStyle>
             <a:lvl1pPr>
-              <a:defRPr sz="3800">
-                <a:solidFill>
-                  <a:srgbClr val="262626"/>
-                </a:solidFill>
-              </a:defRPr>
+              <a:defRPr sz="3400"/>
             </a:lvl1pPr>
           </a:lstStyle>
           <a:p>
@@ -936,20 +3473,20 @@
         </p:nvSpPr>
         <p:spPr>
           <a:xfrm>
-            <a:off x="2695194" y="4352465"/>
-            <a:ext cx="6801612" cy="1265082"/>
-          </a:xfrm>
-        </p:spPr>
-        <p:txBody>
-          <a:bodyPr anchor="t" anchorCtr="1">
-            <a:normAutofit/>
-          </a:bodyPr>
+            <a:off x="1229244" y="3602038"/>
+            <a:ext cx="9733512" cy="1500187"/>
+          </a:xfrm>
+        </p:spPr>
+        <p:txBody>
+          <a:bodyPr/>
           <a:lstStyle>
-            <a:lvl1pPr marL="0" indent="0">
-              <a:buNone/>
-              <a:defRPr sz="2000">
+            <a:lvl1pPr marL="0" indent="0" algn="ctr">
+              <a:buNone/>
+              <a:defRPr sz="2400">
                 <a:solidFill>
-                  <a:schemeClr val="tx1"/>
+                  <a:schemeClr val="tx1">
+                    <a:tint val="75000"/>
+                  </a:schemeClr>
                 </a:solidFill>
               </a:defRPr>
             </a:lvl1pPr>
@@ -1045,7 +3582,7 @@
       </p:sp>
       <p:sp>
         <p:nvSpPr>
-          <p:cNvPr id="7" name="Date Placeholder 6"/>
+          <p:cNvPr id="4" name="Date Placeholder 3"/>
           <p:cNvSpPr>
             <a:spLocks noGrp="1"/>
           </p:cNvSpPr>
@@ -1059,8 +3596,8 @@
           <a:lstStyle/>
           <a:p>
             <a:fld id="{1160EA64-D806-43AC-9DF2-F8C432F32B4C}" type="datetimeFigureOut">
-              <a:rPr lang="en-US" dirty="0"/>
-              <a:t>10/15/2023</a:t>
+              <a:rPr lang="en-US" smtClean="0"/>
+              <a:t>10/16/2023</a:t>
             </a:fld>
             <a:endParaRPr lang="en-US" dirty="0"/>
           </a:p>
@@ -1068,7 +3605,7 @@
       </p:sp>
       <p:sp>
         <p:nvSpPr>
-          <p:cNvPr id="8" name="Footer Placeholder 7"/>
+          <p:cNvPr id="5" name="Footer Placeholder 4"/>
           <p:cNvSpPr>
             <a:spLocks noGrp="1"/>
           </p:cNvSpPr>
@@ -1087,7 +3624,7 @@
       </p:sp>
       <p:sp>
         <p:nvSpPr>
-          <p:cNvPr id="9" name="Slide Number Placeholder 8"/>
+          <p:cNvPr id="6" name="Slide Number Placeholder 5"/>
           <p:cNvSpPr>
             <a:spLocks noGrp="1"/>
           </p:cNvSpPr>
@@ -1101,7 +3638,7 @@
           <a:lstStyle/>
           <a:p>
             <a:fld id="{8A7A6979-0714-4377-B894-6BE4C2D6E202}" type="slidenum">
-              <a:rPr lang="en-US" dirty="0"/>
+              <a:rPr lang="en-US" smtClean="0"/>
               <a:pPr/>
               <a:t>‹#›</a:t>
             </a:fld>
@@ -1110,9 +3647,14 @@
         </p:txBody>
       </p:sp>
     </p:spTree>
+    <p:extLst>
+      <p:ext uri="{BB962C8B-B14F-4D97-AF65-F5344CB8AC3E}">
+        <p14:creationId xmlns:p14="http://schemas.microsoft.com/office/powerpoint/2010/main" val="2264322993"/>
+      </p:ext>
+    </p:extLst>
   </p:cSld>
   <p:clrMapOvr>
-    <a:overrideClrMapping bg1="dk1" tx1="lt1" bg2="dk2" tx2="lt2" accent1="accent1" accent2="accent2" accent3="accent3" accent4="accent4" accent5="accent5" accent6="accent6" hlink="hlink" folHlink="folHlink"/>
+    <a:masterClrMapping/>
   </p:clrMapOvr>
 </p:sldLayout>
 </file>
@@ -1144,7 +3686,12 @@
             <p:ph type="title"/>
           </p:nvPr>
         </p:nvSpPr>
-        <p:spPr/>
+        <p:spPr>
+          <a:xfrm>
+            <a:off x="913795" y="609600"/>
+            <a:ext cx="10353761" cy="1326321"/>
+          </a:xfrm>
+        </p:spPr>
         <p:txBody>
           <a:bodyPr/>
           <a:lstStyle/>
@@ -1169,8 +3716,8 @@
         </p:nvSpPr>
         <p:spPr>
           <a:xfrm>
-            <a:off x="1581912" y="2638044"/>
-            <a:ext cx="4271771" cy="3101982"/>
+            <a:off x="913795" y="2088319"/>
+            <a:ext cx="5106004" cy="3702881"/>
           </a:xfrm>
         </p:spPr>
         <p:txBody>
@@ -1226,8 +3773,8 @@
         </p:nvSpPr>
         <p:spPr>
           <a:xfrm>
-            <a:off x="6338315" y="2638044"/>
-            <a:ext cx="4270247" cy="3101982"/>
+            <a:off x="6173403" y="2088319"/>
+            <a:ext cx="5094154" cy="3702881"/>
           </a:xfrm>
         </p:spPr>
         <p:txBody>
@@ -1273,7 +3820,7 @@
       </p:sp>
       <p:sp>
         <p:nvSpPr>
-          <p:cNvPr id="8" name="Date Placeholder 7"/>
+          <p:cNvPr id="5" name="Date Placeholder 4"/>
           <p:cNvSpPr>
             <a:spLocks noGrp="1"/>
           </p:cNvSpPr>
@@ -1287,8 +3834,8 @@
           <a:lstStyle/>
           <a:p>
             <a:fld id="{AB134690-1557-4C89-A502-4959FE7FAD70}" type="datetimeFigureOut">
-              <a:rPr lang="en-US" dirty="0"/>
-              <a:t>10/15/2023</a:t>
+              <a:rPr lang="en-US" smtClean="0"/>
+              <a:t>10/16/2023</a:t>
             </a:fld>
             <a:endParaRPr lang="en-US" dirty="0"/>
           </a:p>
@@ -1296,7 +3843,7 @@
       </p:sp>
       <p:sp>
         <p:nvSpPr>
-          <p:cNvPr id="9" name="Footer Placeholder 8"/>
+          <p:cNvPr id="6" name="Footer Placeholder 5"/>
           <p:cNvSpPr>
             <a:spLocks noGrp="1"/>
           </p:cNvSpPr>
@@ -1315,7 +3862,7 @@
       </p:sp>
       <p:sp>
         <p:nvSpPr>
-          <p:cNvPr id="10" name="Slide Number Placeholder 9"/>
+          <p:cNvPr id="7" name="Slide Number Placeholder 6"/>
           <p:cNvSpPr>
             <a:spLocks noGrp="1"/>
           </p:cNvSpPr>
@@ -1329,7 +3876,7 @@
           <a:lstStyle/>
           <a:p>
             <a:fld id="{8A7A6979-0714-4377-B894-6BE4C2D6E202}" type="slidenum">
-              <a:rPr lang="en-US" dirty="0"/>
+              <a:rPr lang="en-US" smtClean="0"/>
               <a:t>‹#›</a:t>
             </a:fld>
             <a:endParaRPr lang="en-US" dirty="0"/>
@@ -1337,6 +3884,11 @@
         </p:txBody>
       </p:sp>
     </p:spTree>
+    <p:extLst>
+      <p:ext uri="{BB962C8B-B14F-4D97-AF65-F5344CB8AC3E}">
+        <p14:creationId xmlns:p14="http://schemas.microsoft.com/office/powerpoint/2010/main" val="891907573"/>
+      </p:ext>
+    </p:extLst>
   </p:cSld>
   <p:clrMapOvr>
     <a:masterClrMapping/>
@@ -1363,6 +3915,34 @@
       </p:grpSpPr>
       <p:sp>
         <p:nvSpPr>
+          <p:cNvPr id="2" name="Title 1"/>
+          <p:cNvSpPr>
+            <a:spLocks noGrp="1"/>
+          </p:cNvSpPr>
+          <p:nvPr>
+            <p:ph type="title"/>
+          </p:nvPr>
+        </p:nvSpPr>
+        <p:spPr>
+          <a:xfrm>
+            <a:off x="913795" y="609600"/>
+            <a:ext cx="10353761" cy="1325563"/>
+          </a:xfrm>
+        </p:spPr>
+        <p:txBody>
+          <a:bodyPr/>
+          <a:lstStyle/>
+          <a:p>
+            <a:r>
+              <a:rPr lang="en-US"/>
+              <a:t>Click to edit Master title style</a:t>
+            </a:r>
+            <a:endParaRPr lang="en-US" dirty="0"/>
+          </a:p>
+        </p:txBody>
+      </p:sp>
+      <p:sp>
+        <p:nvSpPr>
           <p:cNvPr id="3" name="Text Placeholder 2"/>
           <p:cNvSpPr>
             <a:spLocks noGrp="1"/>
@@ -1373,28 +3953,23 @@
         </p:nvSpPr>
         <p:spPr>
           <a:xfrm>
-            <a:off x="1583436" y="2313433"/>
-            <a:ext cx="4270248" cy="704087"/>
-          </a:xfrm>
-        </p:spPr>
-        <p:txBody>
-          <a:bodyPr anchor="b" anchorCtr="1">
-            <a:normAutofit/>
-          </a:bodyPr>
+            <a:off x="1141804" y="2088320"/>
+            <a:ext cx="4879199" cy="823912"/>
+          </a:xfrm>
+        </p:spPr>
+        <p:txBody>
+          <a:bodyPr anchor="b"/>
           <a:lstStyle>
-            <a:lvl1pPr marL="0" indent="0" algn="ctr">
-              <a:buNone/>
-              <a:defRPr sz="1900" b="0" cap="all" spc="100" baseline="0">
-                <a:solidFill>
-                  <a:schemeClr val="accent2">
-                    <a:lumMod val="75000"/>
-                  </a:schemeClr>
-                </a:solidFill>
-              </a:defRPr>
+            <a:lvl1pPr marL="0" indent="0">
+              <a:lnSpc>
+                <a:spcPct val="100000"/>
+              </a:lnSpc>
+              <a:buNone/>
+              <a:defRPr sz="2400" b="1"/>
             </a:lvl1pPr>
             <a:lvl2pPr marL="457200" indent="0">
               <a:buNone/>
-              <a:defRPr sz="1900" b="1"/>
+              <a:defRPr sz="2000" b="1"/>
             </a:lvl2pPr>
             <a:lvl3pPr marL="914400" indent="0">
               <a:buNone/>
@@ -1446,8 +4021,8 @@
         </p:nvSpPr>
         <p:spPr>
           <a:xfrm>
-            <a:off x="1583436" y="3143250"/>
-            <a:ext cx="4270248" cy="2596776"/>
+            <a:off x="913795" y="2912232"/>
+            <a:ext cx="5107208" cy="2878968"/>
           </a:xfrm>
         </p:spPr>
         <p:txBody>
@@ -1493,99 +4068,33 @@
       </p:sp>
       <p:sp>
         <p:nvSpPr>
-          <p:cNvPr id="6" name="Content Placeholder 5"/>
-          <p:cNvSpPr>
-            <a:spLocks noGrp="1"/>
-          </p:cNvSpPr>
-          <p:nvPr>
-            <p:ph sz="quarter" idx="4"/>
-          </p:nvPr>
-        </p:nvSpPr>
-        <p:spPr>
-          <a:xfrm>
-            <a:off x="6338316" y="3143250"/>
-            <a:ext cx="4253484" cy="2596776"/>
-          </a:xfrm>
-        </p:spPr>
-        <p:txBody>
-          <a:bodyPr/>
+          <p:cNvPr id="5" name="Text Placeholder 4"/>
+          <p:cNvSpPr>
+            <a:spLocks noGrp="1"/>
+          </p:cNvSpPr>
+          <p:nvPr>
+            <p:ph type="body" sz="quarter" idx="3"/>
+          </p:nvPr>
+        </p:nvSpPr>
+        <p:spPr>
+          <a:xfrm>
+            <a:off x="6402003" y="2088320"/>
+            <a:ext cx="4865554" cy="823912"/>
+          </a:xfrm>
+        </p:spPr>
+        <p:txBody>
+          <a:bodyPr anchor="b"/>
           <a:lstStyle>
-            <a:lvl5pPr>
-              <a:defRPr/>
-            </a:lvl5pPr>
-          </a:lstStyle>
-          <a:p>
-            <a:pPr lvl="0"/>
-            <a:r>
-              <a:rPr lang="en-US"/>
-              <a:t>Click to edit Master text styles</a:t>
-            </a:r>
-          </a:p>
-          <a:p>
-            <a:pPr lvl="1"/>
-            <a:r>
-              <a:rPr lang="en-US"/>
-              <a:t>Second level</a:t>
-            </a:r>
-          </a:p>
-          <a:p>
-            <a:pPr lvl="2"/>
-            <a:r>
-              <a:rPr lang="en-US"/>
-              <a:t>Third level</a:t>
-            </a:r>
-          </a:p>
-          <a:p>
-            <a:pPr lvl="3"/>
-            <a:r>
-              <a:rPr lang="en-US"/>
-              <a:t>Fourth level</a:t>
-            </a:r>
-          </a:p>
-          <a:p>
-            <a:pPr lvl="4"/>
-            <a:r>
-              <a:rPr lang="en-US"/>
-              <a:t>Fifth level</a:t>
-            </a:r>
-            <a:endParaRPr lang="en-US" dirty="0"/>
-          </a:p>
-        </p:txBody>
-      </p:sp>
-      <p:sp>
-        <p:nvSpPr>
-          <p:cNvPr id="11" name="Text Placeholder 4"/>
-          <p:cNvSpPr>
-            <a:spLocks noGrp="1"/>
-          </p:cNvSpPr>
-          <p:nvPr>
-            <p:ph type="body" sz="quarter" idx="13"/>
-          </p:nvPr>
-        </p:nvSpPr>
-        <p:spPr>
-          <a:xfrm>
-            <a:off x="6338316" y="2313433"/>
-            <a:ext cx="4270248" cy="704087"/>
-          </a:xfrm>
-        </p:spPr>
-        <p:txBody>
-          <a:bodyPr anchor="b" anchorCtr="1">
-            <a:normAutofit/>
-          </a:bodyPr>
-          <a:lstStyle>
-            <a:lvl1pPr marL="0" indent="0" algn="ctr">
-              <a:buNone/>
-              <a:defRPr sz="1900" b="0" cap="all" spc="100" baseline="0">
-                <a:solidFill>
-                  <a:schemeClr val="accent2">
-                    <a:lumMod val="75000"/>
-                  </a:schemeClr>
-                </a:solidFill>
-              </a:defRPr>
+            <a:lvl1pPr marL="0" indent="0">
+              <a:lnSpc>
+                <a:spcPct val="100000"/>
+              </a:lnSpc>
+              <a:buNone/>
+              <a:defRPr sz="2400" b="1"/>
             </a:lvl1pPr>
             <a:lvl2pPr marL="457200" indent="0">
               <a:buNone/>
-              <a:defRPr sz="1900" b="1"/>
+              <a:defRPr sz="2000" b="1"/>
             </a:lvl2pPr>
             <a:lvl3pPr marL="914400" indent="0">
               <a:buNone/>
@@ -1627,35 +4136,69 @@
       </p:sp>
       <p:sp>
         <p:nvSpPr>
-          <p:cNvPr id="7" name="Date Placeholder 6"/>
-          <p:cNvSpPr>
-            <a:spLocks noGrp="1"/>
-          </p:cNvSpPr>
-          <p:nvPr>
-            <p:ph type="dt" sz="half" idx="10"/>
-          </p:nvPr>
-        </p:nvSpPr>
-        <p:spPr/>
+          <p:cNvPr id="6" name="Content Placeholder 5"/>
+          <p:cNvSpPr>
+            <a:spLocks noGrp="1"/>
+          </p:cNvSpPr>
+          <p:nvPr>
+            <p:ph sz="quarter" idx="4"/>
+          </p:nvPr>
+        </p:nvSpPr>
+        <p:spPr>
+          <a:xfrm>
+            <a:off x="6172200" y="2912232"/>
+            <a:ext cx="5095357" cy="2878968"/>
+          </a:xfrm>
+        </p:spPr>
         <p:txBody>
           <a:bodyPr/>
           <a:lstStyle/>
           <a:p>
-            <a:fld id="{4F7D4976-E339-4826-83B7-FBD03F55ECF8}" type="datetimeFigureOut">
-              <a:rPr lang="en-US" dirty="0"/>
-              <a:t>10/15/2023</a:t>
-            </a:fld>
-            <a:endParaRPr lang="en-US" dirty="0"/>
-          </a:p>
-        </p:txBody>
-      </p:sp>
-      <p:sp>
-        <p:nvSpPr>
-          <p:cNvPr id="8" name="Footer Placeholder 7"/>
-          <p:cNvSpPr>
-            <a:spLocks noGrp="1"/>
-          </p:cNvSpPr>
-          <p:nvPr>
-            <p:ph type="ftr" sz="quarter" idx="11"/>
+            <a:pPr lvl="0"/>
+            <a:r>
+              <a:rPr lang="en-US"/>
+              <a:t>Click to edit Master text styles</a:t>
+            </a:r>
+          </a:p>
+          <a:p>
+            <a:pPr lvl="1"/>
+            <a:r>
+              <a:rPr lang="en-US"/>
+              <a:t>Second level</a:t>
+            </a:r>
+          </a:p>
+          <a:p>
+            <a:pPr lvl="2"/>
+            <a:r>
+              <a:rPr lang="en-US"/>
+              <a:t>Third level</a:t>
+            </a:r>
+          </a:p>
+          <a:p>
+            <a:pPr lvl="3"/>
+            <a:r>
+              <a:rPr lang="en-US"/>
+              <a:t>Fourth level</a:t>
+            </a:r>
+          </a:p>
+          <a:p>
+            <a:pPr lvl="4"/>
+            <a:r>
+              <a:rPr lang="en-US"/>
+              <a:t>Fifth level</a:t>
+            </a:r>
+            <a:endParaRPr lang="en-US" dirty="0"/>
+          </a:p>
+        </p:txBody>
+      </p:sp>
+      <p:sp>
+        <p:nvSpPr>
+          <p:cNvPr id="7" name="Date Placeholder 6"/>
+          <p:cNvSpPr>
+            <a:spLocks noGrp="1"/>
+          </p:cNvSpPr>
+          <p:nvPr>
+            <p:ph type="dt" sz="half" idx="10"/>
           </p:nvPr>
         </p:nvSpPr>
         <p:spPr/>
@@ -1663,18 +4206,22 @@
           <a:bodyPr/>
           <a:lstStyle/>
           <a:p>
-            <a:endParaRPr lang="en-US" dirty="0"/>
-          </a:p>
-        </p:txBody>
-      </p:sp>
-      <p:sp>
-        <p:nvSpPr>
-          <p:cNvPr id="9" name="Slide Number Placeholder 8"/>
-          <p:cNvSpPr>
-            <a:spLocks noGrp="1"/>
-          </p:cNvSpPr>
-          <p:nvPr>
-            <p:ph type="sldNum" sz="quarter" idx="12"/>
+            <a:fld id="{1160EA64-D806-43AC-9DF2-F8C432F32B4C}" type="datetimeFigureOut">
+              <a:rPr lang="en-US" smtClean="0"/>
+              <a:t>10/16/2023</a:t>
+            </a:fld>
+            <a:endParaRPr lang="en-US" dirty="0"/>
+          </a:p>
+        </p:txBody>
+      </p:sp>
+      <p:sp>
+        <p:nvSpPr>
+          <p:cNvPr id="8" name="Footer Placeholder 7"/>
+          <p:cNvSpPr>
+            <a:spLocks noGrp="1"/>
+          </p:cNvSpPr>
+          <p:nvPr>
+            <p:ph type="ftr" sz="quarter" idx="11"/>
           </p:nvPr>
         </p:nvSpPr>
         <p:spPr/>
@@ -1682,42 +4229,45 @@
           <a:bodyPr/>
           <a:lstStyle/>
           <a:p>
+            <a:endParaRPr lang="en-US" dirty="0"/>
+          </a:p>
+        </p:txBody>
+      </p:sp>
+      <p:sp>
+        <p:nvSpPr>
+          <p:cNvPr id="9" name="Slide Number Placeholder 8"/>
+          <p:cNvSpPr>
+            <a:spLocks noGrp="1"/>
+          </p:cNvSpPr>
+          <p:nvPr>
+            <p:ph type="sldNum" sz="quarter" idx="12"/>
+          </p:nvPr>
+        </p:nvSpPr>
+        <p:spPr/>
+        <p:txBody>
+          <a:bodyPr/>
+          <a:lstStyle/>
+          <a:p>
             <a:fld id="{8A7A6979-0714-4377-B894-6BE4C2D6E202}" type="slidenum">
-              <a:rPr lang="en-US" dirty="0"/>
+              <a:rPr lang="en-US" smtClean="0"/>
+              <a:pPr/>
               <a:t>‹#›</a:t>
             </a:fld>
             <a:endParaRPr lang="en-US" dirty="0"/>
           </a:p>
         </p:txBody>
       </p:sp>
-      <p:sp>
-        <p:nvSpPr>
-          <p:cNvPr id="10" name="Title 9"/>
-          <p:cNvSpPr>
-            <a:spLocks noGrp="1"/>
-          </p:cNvSpPr>
-          <p:nvPr>
-            <p:ph type="title"/>
-          </p:nvPr>
-        </p:nvSpPr>
-        <p:spPr/>
-        <p:txBody>
-          <a:bodyPr/>
-          <a:lstStyle/>
-          <a:p>
-            <a:r>
-              <a:rPr lang="en-US"/>
-              <a:t>Click to edit Master title style</a:t>
-            </a:r>
-            <a:endParaRPr lang="en-US" dirty="0"/>
-          </a:p>
-        </p:txBody>
-      </p:sp>
     </p:spTree>
+    <p:extLst>
+      <p:ext uri="{BB962C8B-B14F-4D97-AF65-F5344CB8AC3E}">
+        <p14:creationId xmlns:p14="http://schemas.microsoft.com/office/powerpoint/2010/main" val="4005296174"/>
+      </p:ext>
+    </p:extLst>
   </p:cSld>
   <p:clrMapOvr>
     <a:masterClrMapping/>
   </p:clrMapOvr>
+  <p:hf sldNum="0" hdr="0" ftr="0" dt="0"/>
 </p:sldLayout>
 </file>
 
@@ -1777,8 +4327,8 @@
           <a:lstStyle/>
           <a:p>
             <a:fld id="{E1037C31-9E7A-4F99-8774-A0E530DE1A42}" type="datetimeFigureOut">
-              <a:rPr lang="en-US" dirty="0"/>
-              <a:t>10/15/2023</a:t>
+              <a:rPr lang="en-US" smtClean="0"/>
+              <a:t>10/16/2023</a:t>
             </a:fld>
             <a:endParaRPr lang="en-US" dirty="0"/>
           </a:p>
@@ -1819,7 +4369,7 @@
           <a:lstStyle/>
           <a:p>
             <a:fld id="{8A7A6979-0714-4377-B894-6BE4C2D6E202}" type="slidenum">
-              <a:rPr lang="en-US" dirty="0"/>
+              <a:rPr lang="en-US" smtClean="0"/>
               <a:t>‹#›</a:t>
             </a:fld>
             <a:endParaRPr lang="en-US" dirty="0"/>
@@ -1827,6 +4377,11 @@
         </p:txBody>
       </p:sp>
     </p:spTree>
+    <p:extLst>
+      <p:ext uri="{BB962C8B-B14F-4D97-AF65-F5344CB8AC3E}">
+        <p14:creationId xmlns:p14="http://schemas.microsoft.com/office/powerpoint/2010/main" val="2242894574"/>
+      </p:ext>
+    </p:extLst>
   </p:cSld>
   <p:clrMapOvr>
     <a:masterClrMapping/>
@@ -1867,8 +4422,8 @@
           <a:lstStyle/>
           <a:p>
             <a:fld id="{C278504F-A551-4DE0-9316-4DCD1D8CC752}" type="datetimeFigureOut">
-              <a:rPr lang="en-US" dirty="0"/>
-              <a:t>10/15/2023</a:t>
+              <a:rPr lang="en-US" smtClean="0"/>
+              <a:t>10/16/2023</a:t>
             </a:fld>
             <a:endParaRPr lang="en-US" dirty="0"/>
           </a:p>
@@ -1909,7 +4464,7 @@
           <a:lstStyle/>
           <a:p>
             <a:fld id="{8A7A6979-0714-4377-B894-6BE4C2D6E202}" type="slidenum">
-              <a:rPr lang="en-US" dirty="0"/>
+              <a:rPr lang="en-US" smtClean="0"/>
               <a:t>‹#›</a:t>
             </a:fld>
             <a:endParaRPr lang="en-US" dirty="0"/>
@@ -1917,6 +4472,11 @@
         </p:txBody>
       </p:sp>
     </p:spTree>
+    <p:extLst>
+      <p:ext uri="{BB962C8B-B14F-4D97-AF65-F5344CB8AC3E}">
+        <p14:creationId xmlns:p14="http://schemas.microsoft.com/office/powerpoint/2010/main" val="4211338477"/>
+      </p:ext>
+    </p:extLst>
   </p:cSld>
   <p:clrMapOvr>
     <a:masterClrMapping/>
@@ -1943,44 +4503,6 @@
       </p:grpSpPr>
       <p:sp>
         <p:nvSpPr>
-          <p:cNvPr id="26" name="Rectangle 25"/>
-          <p:cNvSpPr/>
-          <p:nvPr/>
-        </p:nvSpPr>
-        <p:spPr>
-          <a:xfrm>
-            <a:off x="0" y="0"/>
-            <a:ext cx="6096000" cy="6858000"/>
-          </a:xfrm>
-          <a:prstGeom prst="rect">
-            <a:avLst/>
-          </a:prstGeom>
-          <a:solidFill>
-            <a:schemeClr val="accent2"/>
-          </a:solidFill>
-          <a:ln>
-            <a:noFill/>
-          </a:ln>
-        </p:spPr>
-        <p:style>
-          <a:lnRef idx="2">
-            <a:schemeClr val="accent1">
-              <a:shade val="50000"/>
-            </a:schemeClr>
-          </a:lnRef>
-          <a:fillRef idx="1">
-            <a:schemeClr val="accent1"/>
-          </a:fillRef>
-          <a:effectRef idx="0">
-            <a:schemeClr val="accent1"/>
-          </a:effectRef>
-          <a:fontRef idx="minor">
-            <a:schemeClr val="lt1"/>
-          </a:fontRef>
-        </p:style>
-      </p:sp>
-      <p:sp>
-        <p:nvSpPr>
           <p:cNvPr id="2" name="Title 1"/>
           <p:cNvSpPr>
             <a:spLocks noGrp="1"/>
@@ -1989,31 +4511,19 @@
             <p:ph type="title"/>
           </p:nvPr>
         </p:nvSpPr>
-        <p:spPr bwMode="blackWhite">
-          <a:xfrm>
-            <a:off x="804672" y="2243828"/>
-            <a:ext cx="4486656" cy="1141497"/>
-          </a:xfrm>
-          <a:solidFill>
-            <a:srgbClr val="FFFFFF"/>
-          </a:solidFill>
-          <a:ln>
-            <a:solidFill>
-              <a:srgbClr val="404040"/>
-            </a:solidFill>
-          </a:ln>
-        </p:spPr>
-        <p:txBody>
-          <a:bodyPr anchor="ctr" anchorCtr="1">
+        <p:spPr>
+          <a:xfrm>
+            <a:off x="917228" y="609600"/>
+            <a:ext cx="3932237" cy="2362200"/>
+          </a:xfrm>
+        </p:spPr>
+        <p:txBody>
+          <a:bodyPr anchor="b">
             <a:normAutofit/>
           </a:bodyPr>
           <a:lstStyle>
             <a:lvl1pPr>
-              <a:defRPr sz="2200">
-                <a:solidFill>
-                  <a:srgbClr val="262626"/>
-                </a:solidFill>
-              </a:defRPr>
+              <a:defRPr sz="2800"/>
             </a:lvl1pPr>
           </a:lstStyle>
           <a:p>
@@ -2037,63 +4547,13 @@
         </p:nvSpPr>
         <p:spPr>
           <a:xfrm>
-            <a:off x="6736080" y="804672"/>
-            <a:ext cx="4815840" cy="5248656"/>
-          </a:xfrm>
-        </p:spPr>
-        <p:txBody>
-          <a:bodyPr>
-            <a:normAutofit/>
-          </a:bodyPr>
-          <a:lstStyle>
-            <a:lvl1pPr>
-              <a:defRPr sz="1900">
-                <a:solidFill>
-                  <a:schemeClr val="tx1"/>
-                </a:solidFill>
-              </a:defRPr>
-            </a:lvl1pPr>
-            <a:lvl2pPr>
-              <a:defRPr sz="1600">
-                <a:solidFill>
-                  <a:schemeClr val="tx1"/>
-                </a:solidFill>
-              </a:defRPr>
-            </a:lvl2pPr>
-            <a:lvl3pPr>
-              <a:defRPr sz="1600">
-                <a:solidFill>
-                  <a:schemeClr val="tx1"/>
-                </a:solidFill>
-              </a:defRPr>
-            </a:lvl3pPr>
-            <a:lvl4pPr>
-              <a:defRPr sz="1600">
-                <a:solidFill>
-                  <a:schemeClr val="tx1"/>
-                </a:solidFill>
-              </a:defRPr>
-            </a:lvl4pPr>
-            <a:lvl5pPr>
-              <a:defRPr sz="1600">
-                <a:solidFill>
-                  <a:schemeClr val="tx1"/>
-                </a:solidFill>
-              </a:defRPr>
-            </a:lvl5pPr>
-            <a:lvl6pPr>
-              <a:defRPr sz="1600"/>
-            </a:lvl6pPr>
-            <a:lvl7pPr>
-              <a:defRPr sz="1600"/>
-            </a:lvl7pPr>
-            <a:lvl8pPr>
-              <a:defRPr sz="1600"/>
-            </a:lvl8pPr>
-            <a:lvl9pPr>
-              <a:defRPr sz="1600"/>
-            </a:lvl9pPr>
-          </a:lstStyle>
+            <a:off x="5078064" y="609600"/>
+            <a:ext cx="6189492" cy="5181600"/>
+          </a:xfrm>
+        </p:spPr>
+        <p:txBody>
+          <a:bodyPr anchor="ctr"/>
+          <a:lstStyle/>
           <a:p>
             <a:pPr lvl="0"/>
             <a:r>
@@ -2144,22 +4604,16 @@
         </p:nvSpPr>
         <p:spPr>
           <a:xfrm>
-            <a:off x="1115568" y="3549918"/>
-            <a:ext cx="3794760" cy="2194036"/>
-          </a:xfrm>
-        </p:spPr>
-        <p:txBody>
-          <a:bodyPr anchor="t" anchorCtr="1">
-            <a:normAutofit/>
-          </a:bodyPr>
+            <a:off x="917228" y="2971800"/>
+            <a:ext cx="3932237" cy="2819399"/>
+          </a:xfrm>
+        </p:spPr>
+        <p:txBody>
+          <a:bodyPr/>
           <a:lstStyle>
             <a:lvl1pPr marL="0" indent="0" algn="ctr">
               <a:buNone/>
-              <a:defRPr sz="1500">
-                <a:solidFill>
-                  <a:srgbClr val="FFFFFF"/>
-                </a:solidFill>
-              </a:defRPr>
+              <a:defRPr sz="1600"/>
             </a:lvl1pPr>
             <a:lvl2pPr marL="457200" indent="0">
               <a:buNone/>
@@ -2205,7 +4659,7 @@
       </p:sp>
       <p:sp>
         <p:nvSpPr>
-          <p:cNvPr id="9" name="Date Placeholder 8"/>
+          <p:cNvPr id="5" name="Date Placeholder 4"/>
           <p:cNvSpPr>
             <a:spLocks noGrp="1"/>
           </p:cNvSpPr>
@@ -2219,8 +4673,8 @@
           <a:lstStyle/>
           <a:p>
             <a:fld id="{D1BE4249-C0D0-4B06-8692-E8BB871AF643}" type="datetimeFigureOut">
-              <a:rPr lang="en-US" dirty="0"/>
-              <a:t>10/15/2023</a:t>
+              <a:rPr lang="en-US" smtClean="0"/>
+              <a:t>10/16/2023</a:t>
             </a:fld>
             <a:endParaRPr lang="en-US" dirty="0"/>
           </a:p>
@@ -2228,46 +4682,12 @@
       </p:sp>
       <p:sp>
         <p:nvSpPr>
-          <p:cNvPr id="10" name="Footer Placeholder 9"/>
+          <p:cNvPr id="6" name="Footer Placeholder 5"/>
           <p:cNvSpPr>
             <a:spLocks noGrp="1"/>
           </p:cNvSpPr>
           <p:nvPr>
             <p:ph type="ftr" sz="quarter" idx="11"/>
-          </p:nvPr>
-        </p:nvSpPr>
-        <p:spPr>
-          <a:xfrm>
-            <a:off x="804672" y="6236208"/>
-            <a:ext cx="5124797" cy="320040"/>
-          </a:xfrm>
-        </p:spPr>
-        <p:txBody>
-          <a:bodyPr/>
-          <a:lstStyle>
-            <a:lvl1pPr>
-              <a:defRPr>
-                <a:solidFill>
-                  <a:srgbClr val="FFFFFF">
-                    <a:alpha val="70000"/>
-                  </a:srgbClr>
-                </a:solidFill>
-              </a:defRPr>
-            </a:lvl1pPr>
-          </a:lstStyle>
-          <a:p>
-            <a:endParaRPr lang="en-US" dirty="0"/>
-          </a:p>
-        </p:txBody>
-      </p:sp>
-      <p:sp>
-        <p:nvSpPr>
-          <p:cNvPr id="11" name="Slide Number Placeholder 10"/>
-          <p:cNvSpPr>
-            <a:spLocks noGrp="1"/>
-          </p:cNvSpPr>
-          <p:nvPr>
-            <p:ph type="sldNum" sz="quarter" idx="12"/>
           </p:nvPr>
         </p:nvSpPr>
         <p:spPr/>
@@ -2275,8 +4695,27 @@
           <a:bodyPr/>
           <a:lstStyle/>
           <a:p>
+            <a:endParaRPr lang="en-US" dirty="0"/>
+          </a:p>
+        </p:txBody>
+      </p:sp>
+      <p:sp>
+        <p:nvSpPr>
+          <p:cNvPr id="7" name="Slide Number Placeholder 6"/>
+          <p:cNvSpPr>
+            <a:spLocks noGrp="1"/>
+          </p:cNvSpPr>
+          <p:nvPr>
+            <p:ph type="sldNum" sz="quarter" idx="12"/>
+          </p:nvPr>
+        </p:nvSpPr>
+        <p:spPr/>
+        <p:txBody>
+          <a:bodyPr/>
+          <a:lstStyle/>
+          <a:p>
             <a:fld id="{8A7A6979-0714-4377-B894-6BE4C2D6E202}" type="slidenum">
-              <a:rPr lang="en-US" dirty="0"/>
+              <a:rPr lang="en-US" smtClean="0"/>
               <a:t>‹#›</a:t>
             </a:fld>
             <a:endParaRPr lang="en-US" dirty="0"/>
@@ -2284,6 +4723,11 @@
         </p:txBody>
       </p:sp>
     </p:spTree>
+    <p:extLst>
+      <p:ext uri="{BB962C8B-B14F-4D97-AF65-F5344CB8AC3E}">
+        <p14:creationId xmlns:p14="http://schemas.microsoft.com/office/powerpoint/2010/main" val="581724110"/>
+      </p:ext>
+    </p:extLst>
   </p:cSld>
   <p:clrMapOvr>
     <a:masterClrMapping/>
@@ -2310,44 +4754,6 @@
       </p:grpSpPr>
       <p:sp>
         <p:nvSpPr>
-          <p:cNvPr id="18" name="Rectangle 17"/>
-          <p:cNvSpPr/>
-          <p:nvPr/>
-        </p:nvSpPr>
-        <p:spPr>
-          <a:xfrm>
-            <a:off x="0" y="0"/>
-            <a:ext cx="6095999" cy="6858000"/>
-          </a:xfrm>
-          <a:prstGeom prst="rect">
-            <a:avLst/>
-          </a:prstGeom>
-          <a:solidFill>
-            <a:schemeClr val="accent2"/>
-          </a:solidFill>
-          <a:ln>
-            <a:noFill/>
-          </a:ln>
-        </p:spPr>
-        <p:style>
-          <a:lnRef idx="2">
-            <a:schemeClr val="accent1">
-              <a:shade val="50000"/>
-            </a:schemeClr>
-          </a:lnRef>
-          <a:fillRef idx="1">
-            <a:schemeClr val="accent1"/>
-          </a:fillRef>
-          <a:effectRef idx="0">
-            <a:schemeClr val="accent1"/>
-          </a:effectRef>
-          <a:fontRef idx="minor">
-            <a:schemeClr val="lt1"/>
-          </a:fontRef>
-        </p:style>
-      </p:sp>
-      <p:sp>
-        <p:nvSpPr>
           <p:cNvPr id="2" name="Title 1"/>
           <p:cNvSpPr>
             <a:spLocks noGrp="1"/>
@@ -2356,31 +4762,19 @@
             <p:ph type="title"/>
           </p:nvPr>
         </p:nvSpPr>
-        <p:spPr bwMode="blackWhite">
-          <a:xfrm>
-            <a:off x="808523" y="2243828"/>
-            <a:ext cx="4494998" cy="1134640"/>
-          </a:xfrm>
-          <a:solidFill>
-            <a:srgbClr val="FFFFFF"/>
-          </a:solidFill>
-          <a:ln>
-            <a:solidFill>
-              <a:srgbClr val="404040"/>
-            </a:solidFill>
-          </a:ln>
-        </p:spPr>
-        <p:txBody>
-          <a:bodyPr anchor="ctr" anchorCtr="1">
-            <a:noAutofit/>
+        <p:spPr>
+          <a:xfrm>
+            <a:off x="917227" y="609600"/>
+            <a:ext cx="5929773" cy="2362200"/>
+          </a:xfrm>
+        </p:spPr>
+        <p:txBody>
+          <a:bodyPr anchor="b">
+            <a:normAutofit/>
           </a:bodyPr>
           <a:lstStyle>
             <a:lvl1pPr>
-              <a:defRPr sz="2200">
-                <a:solidFill>
-                  <a:srgbClr val="262626"/>
-                </a:solidFill>
-              </a:defRPr>
+              <a:defRPr sz="3200"/>
             </a:lvl1pPr>
           </a:lstStyle>
           <a:p>
@@ -2404,28 +4798,42 @@
         </p:nvSpPr>
         <p:spPr>
           <a:xfrm>
-            <a:off x="6095999" y="0"/>
-            <a:ext cx="6102097" cy="6858000"/>
-          </a:xfrm>
-          <a:solidFill>
-            <a:schemeClr val="bg1">
-              <a:lumMod val="75000"/>
-            </a:schemeClr>
-          </a:solidFill>
+            <a:off x="7424804" y="758881"/>
+            <a:ext cx="3255356" cy="4883038"/>
+          </a:xfrm>
+          <a:noFill/>
+          <a:ln w="190500" cap="sq">
+            <a:solidFill>
+              <a:srgbClr val="FFFFFF"/>
+            </a:solidFill>
+            <a:miter lim="800000"/>
+          </a:ln>
+          <a:effectLst>
+            <a:outerShdw blurRad="55000" dist="18000" dir="5400000" algn="tl" rotWithShape="0">
+              <a:srgbClr val="000000">
+                <a:alpha val="40000"/>
+              </a:srgbClr>
+            </a:outerShdw>
+          </a:effectLst>
+          <a:scene3d>
+            <a:camera prst="orthographicFront"/>
+            <a:lightRig rig="twoPt" dir="t">
+              <a:rot lat="0" lon="0" rev="7200000"/>
+            </a:lightRig>
+          </a:scene3d>
+          <a:sp3d>
+            <a:bevelT w="25400" h="19050"/>
+            <a:contourClr>
+              <a:srgbClr val="FFFFFF"/>
+            </a:contourClr>
+          </a:sp3d>
         </p:spPr>
         <p:txBody>
           <a:bodyPr anchor="t"/>
           <a:lstStyle>
-            <a:lvl1pPr marL="0" indent="0">
-              <a:buNone/>
-              <a:defRPr sz="3200">
-                <a:solidFill>
-                  <a:schemeClr val="bg1">
-                    <a:lumMod val="85000"/>
-                    <a:lumOff val="15000"/>
-                  </a:schemeClr>
-                </a:solidFill>
-              </a:defRPr>
+            <a:lvl1pPr marL="0" indent="0" algn="ctr">
+              <a:buNone/>
+              <a:defRPr sz="3200"/>
             </a:lvl1pPr>
             <a:lvl2pPr marL="457200" indent="0">
               <a:buNone/>
@@ -2481,22 +4889,18 @@
         </p:nvSpPr>
         <p:spPr>
           <a:xfrm>
-            <a:off x="1115568" y="3549918"/>
-            <a:ext cx="3794760" cy="2194037"/>
-          </a:xfrm>
-        </p:spPr>
-        <p:txBody>
-          <a:bodyPr anchor="t" anchorCtr="1">
+            <a:off x="913794" y="2971800"/>
+            <a:ext cx="5934950" cy="2819400"/>
+          </a:xfrm>
+        </p:spPr>
+        <p:txBody>
+          <a:bodyPr>
             <a:normAutofit/>
           </a:bodyPr>
           <a:lstStyle>
             <a:lvl1pPr marL="0" indent="0" algn="ctr">
               <a:buNone/>
-              <a:defRPr sz="1500">
-                <a:solidFill>
-                  <a:srgbClr val="FFFFFF"/>
-                </a:solidFill>
-              </a:defRPr>
+              <a:defRPr sz="1800"/>
             </a:lvl1pPr>
             <a:lvl2pPr marL="457200" indent="0">
               <a:buNone/>
@@ -2542,84 +4946,12 @@
       </p:sp>
       <p:sp>
         <p:nvSpPr>
-          <p:cNvPr id="8" name="Date Placeholder 7"/>
+          <p:cNvPr id="5" name="Date Placeholder 4"/>
           <p:cNvSpPr>
             <a:spLocks noGrp="1"/>
           </p:cNvSpPr>
           <p:nvPr>
             <p:ph type="dt" sz="half" idx="10"/>
-          </p:nvPr>
-        </p:nvSpPr>
-        <p:spPr/>
-        <p:txBody>
-          <a:bodyPr/>
-          <a:lstStyle>
-            <a:lvl1pPr>
-              <a:defRPr>
-                <a:solidFill>
-                  <a:srgbClr val="FFFFFF"/>
-                </a:solidFill>
-                <a:effectLst>
-                  <a:outerShdw blurRad="50800" dist="38100" dir="2700000" algn="tl" rotWithShape="0">
-                    <a:prstClr val="black">
-                      <a:alpha val="43000"/>
-                    </a:prstClr>
-                  </a:outerShdw>
-                </a:effectLst>
-              </a:defRPr>
-            </a:lvl1pPr>
-          </a:lstStyle>
-          <a:p>
-            <a:fld id="{042B0DB6-F5C7-45FB-8CF3-31B45F9C2DAC}" type="datetimeFigureOut">
-              <a:rPr lang="en-US" dirty="0"/>
-              <a:t>10/15/2023</a:t>
-            </a:fld>
-            <a:endParaRPr lang="en-US" dirty="0"/>
-          </a:p>
-        </p:txBody>
-      </p:sp>
-      <p:sp>
-        <p:nvSpPr>
-          <p:cNvPr id="9" name="Footer Placeholder 8"/>
-          <p:cNvSpPr>
-            <a:spLocks noGrp="1"/>
-          </p:cNvSpPr>
-          <p:nvPr>
-            <p:ph type="ftr" sz="quarter" idx="11"/>
-          </p:nvPr>
-        </p:nvSpPr>
-        <p:spPr>
-          <a:xfrm>
-            <a:off x="804672" y="6236208"/>
-            <a:ext cx="5124797" cy="320040"/>
-          </a:xfrm>
-        </p:spPr>
-        <p:txBody>
-          <a:bodyPr/>
-          <a:lstStyle>
-            <a:lvl1pPr>
-              <a:defRPr>
-                <a:solidFill>
-                  <a:srgbClr val="FFFFFF">
-                    <a:alpha val="70000"/>
-                  </a:srgbClr>
-                </a:solidFill>
-              </a:defRPr>
-            </a:lvl1pPr>
-          </a:lstStyle>
-          <a:p>
-            <a:endParaRPr lang="en-US" dirty="0"/>
-          </a:p>
-        </p:txBody>
-      </p:sp>
-      <p:sp>
-        <p:nvSpPr>
-          <p:cNvPr id="10" name="Slide Number Placeholder 9"/>
-          <p:cNvSpPr>
-            <a:spLocks noGrp="1"/>
-          </p:cNvSpPr>
-          <p:nvPr>
-            <p:ph type="sldNum" sz="quarter" idx="12"/>
           </p:nvPr>
         </p:nvSpPr>
         <p:spPr/>
@@ -2627,8 +4959,50 @@
           <a:bodyPr/>
           <a:lstStyle/>
           <a:p>
+            <a:fld id="{042B0DB6-F5C7-45FB-8CF3-31B45F9C2DAC}" type="datetimeFigureOut">
+              <a:rPr lang="en-US" smtClean="0"/>
+              <a:t>10/16/2023</a:t>
+            </a:fld>
+            <a:endParaRPr lang="en-US" dirty="0"/>
+          </a:p>
+        </p:txBody>
+      </p:sp>
+      <p:sp>
+        <p:nvSpPr>
+          <p:cNvPr id="6" name="Footer Placeholder 5"/>
+          <p:cNvSpPr>
+            <a:spLocks noGrp="1"/>
+          </p:cNvSpPr>
+          <p:nvPr>
+            <p:ph type="ftr" sz="quarter" idx="11"/>
+          </p:nvPr>
+        </p:nvSpPr>
+        <p:spPr/>
+        <p:txBody>
+          <a:bodyPr/>
+          <a:lstStyle/>
+          <a:p>
+            <a:endParaRPr lang="en-US" dirty="0"/>
+          </a:p>
+        </p:txBody>
+      </p:sp>
+      <p:sp>
+        <p:nvSpPr>
+          <p:cNvPr id="7" name="Slide Number Placeholder 6"/>
+          <p:cNvSpPr>
+            <a:spLocks noGrp="1"/>
+          </p:cNvSpPr>
+          <p:nvPr>
+            <p:ph type="sldNum" sz="quarter" idx="12"/>
+          </p:nvPr>
+        </p:nvSpPr>
+        <p:spPr/>
+        <p:txBody>
+          <a:bodyPr/>
+          <a:lstStyle/>
+          <a:p>
             <a:fld id="{8A7A6979-0714-4377-B894-6BE4C2D6E202}" type="slidenum">
-              <a:rPr lang="en-US" dirty="0"/>
+              <a:rPr lang="en-US" smtClean="0"/>
               <a:t>‹#›</a:t>
             </a:fld>
             <a:endParaRPr lang="en-US" dirty="0"/>
@@ -2636,6 +5010,11 @@
         </p:txBody>
       </p:sp>
     </p:spTree>
+    <p:extLst>
+      <p:ext uri="{BB962C8B-B14F-4D97-AF65-F5344CB8AC3E}">
+        <p14:creationId xmlns:p14="http://schemas.microsoft.com/office/powerpoint/2010/main" val="1220806905"/>
+      </p:ext>
+    </p:extLst>
   </p:cSld>
   <p:clrMapOvr>
     <a:masterClrMapping/>
@@ -2647,14 +5026,9 @@
 <p:sldMaster xmlns:a="http://schemas.openxmlformats.org/drawingml/2006/main" xmlns:r="http://schemas.openxmlformats.org/officeDocument/2006/relationships" xmlns:p="http://schemas.openxmlformats.org/presentationml/2006/main">
   <p:cSld>
     <p:bg>
-      <p:bgPr>
-        <a:solidFill>
-          <a:schemeClr val="bg1">
-            <a:lumMod val="95000"/>
-          </a:schemeClr>
-        </a:solidFill>
-        <a:effectLst/>
-      </p:bgPr>
+      <p:bgRef idx="1003">
+        <a:schemeClr val="bg2"/>
+      </p:bgRef>
     </p:bg>
     <p:spTree>
       <p:nvGrpSpPr>
@@ -2680,26 +5054,17 @@
             <p:ph type="title"/>
           </p:nvPr>
         </p:nvSpPr>
-        <p:spPr bwMode="black">
-          <a:xfrm>
-            <a:off x="2231136" y="964692"/>
-            <a:ext cx="7729728" cy="1188720"/>
+        <p:spPr>
+          <a:xfrm>
+            <a:off x="913795" y="609600"/>
+            <a:ext cx="10353761" cy="1326321"/>
           </a:xfrm>
           <a:prstGeom prst="rect">
             <a:avLst/>
           </a:prstGeom>
-          <a:solidFill>
-            <a:srgbClr val="FFFFFF"/>
-          </a:solidFill>
-          <a:ln w="31750" cap="sq">
-            <a:solidFill>
-              <a:srgbClr val="404040"/>
-            </a:solidFill>
-            <a:miter lim="800000"/>
-          </a:ln>
-        </p:spPr>
-        <p:txBody>
-          <a:bodyPr vert="horz" lIns="182880" tIns="182880" rIns="182880" bIns="182880" rtlCol="0" anchor="ctr">
+        </p:spPr>
+        <p:txBody>
+          <a:bodyPr vert="horz" lIns="91440" tIns="45720" rIns="91440" bIns="45720" rtlCol="0" anchor="ctr">
             <a:normAutofit/>
           </a:bodyPr>
           <a:lstStyle/>
@@ -2724,8 +5089,8 @@
         </p:nvSpPr>
         <p:spPr>
           <a:xfrm>
-            <a:off x="2231136" y="2638044"/>
-            <a:ext cx="7729728" cy="3101983"/>
+            <a:off x="913795" y="2096064"/>
+            <a:ext cx="10353762" cy="3695136"/>
           </a:xfrm>
           <a:prstGeom prst="rect">
             <a:avLst/>
@@ -2786,8 +5151,8 @@
         </p:nvSpPr>
         <p:spPr>
           <a:xfrm>
-            <a:off x="7821429" y="6238816"/>
-            <a:ext cx="2753746" cy="323968"/>
+            <a:off x="7678736" y="5883275"/>
+            <a:ext cx="2743200" cy="365125"/>
           </a:xfrm>
           <a:prstGeom prst="rect">
             <a:avLst/>
@@ -2797,10 +5162,10 @@
           <a:bodyPr vert="horz" lIns="91440" tIns="45720" rIns="91440" bIns="45720" rtlCol="0" anchor="ctr"/>
           <a:lstStyle>
             <a:lvl1pPr algn="r">
-              <a:defRPr sz="1050">
+              <a:defRPr sz="1000">
                 <a:solidFill>
                   <a:schemeClr val="tx1">
-                    <a:alpha val="70000"/>
+                    <a:tint val="75000"/>
                   </a:schemeClr>
                 </a:solidFill>
               </a:defRPr>
@@ -2808,8 +5173,8 @@
           </a:lstStyle>
           <a:p>
             <a:fld id="{1160EA64-D806-43AC-9DF2-F8C432F32B4C}" type="datetimeFigureOut">
-              <a:rPr lang="en-US" dirty="0"/>
-              <a:t>10/15/2023</a:t>
+              <a:rPr lang="en-US" smtClean="0"/>
+              <a:t>10/16/2023</a:t>
             </a:fld>
             <a:endParaRPr lang="en-US" dirty="0"/>
           </a:p>
@@ -2827,8 +5192,8 @@
         </p:nvSpPr>
         <p:spPr>
           <a:xfrm>
-            <a:off x="1600200" y="6236208"/>
-            <a:ext cx="5901189" cy="320040"/>
+            <a:off x="913794" y="5883275"/>
+            <a:ext cx="6672865" cy="365125"/>
           </a:xfrm>
           <a:prstGeom prst="rect">
             <a:avLst/>
@@ -2838,10 +5203,10 @@
           <a:bodyPr vert="horz" lIns="91440" tIns="45720" rIns="91440" bIns="45720" rtlCol="0" anchor="ctr"/>
           <a:lstStyle>
             <a:lvl1pPr algn="l">
-              <a:defRPr sz="1050">
+              <a:defRPr sz="1000">
                 <a:solidFill>
                   <a:schemeClr val="tx1">
-                    <a:alpha val="70000"/>
+                    <a:tint val="75000"/>
                   </a:schemeClr>
                 </a:solidFill>
               </a:defRPr>
@@ -2864,34 +5229,29 @@
         </p:nvSpPr>
         <p:spPr>
           <a:xfrm>
-            <a:off x="10758922" y="6217920"/>
-            <a:ext cx="365760" cy="365760"/>
-          </a:xfrm>
-          <a:prstGeom prst="ellipse">
+            <a:off x="10514011" y="5883275"/>
+            <a:ext cx="753545" cy="365125"/>
+          </a:xfrm>
+          <a:prstGeom prst="rect">
             <a:avLst/>
           </a:prstGeom>
-          <a:solidFill>
-            <a:srgbClr val="1D1D1D">
-              <a:alpha val="70000"/>
-            </a:srgbClr>
-          </a:solidFill>
-        </p:spPr>
-        <p:txBody>
-          <a:bodyPr vert="horz" lIns="18288" tIns="45720" rIns="18288" bIns="45720" rtlCol="0" anchor="ctr">
-            <a:noAutofit/>
-          </a:bodyPr>
+        </p:spPr>
+        <p:txBody>
+          <a:bodyPr vert="horz" lIns="91440" tIns="45720" rIns="91440" bIns="45720" rtlCol="0" anchor="ctr"/>
           <a:lstStyle>
-            <a:lvl1pPr algn="ctr">
-              <a:defRPr sz="1100" spc="0" baseline="0">
+            <a:lvl1pPr algn="r">
+              <a:defRPr sz="1000">
                 <a:solidFill>
-                  <a:srgbClr val="FFFFFF"/>
+                  <a:schemeClr val="tx1">
+                    <a:tint val="75000"/>
+                  </a:schemeClr>
                 </a:solidFill>
               </a:defRPr>
             </a:lvl1pPr>
           </a:lstStyle>
           <a:p>
             <a:fld id="{8A7A6979-0714-4377-B894-6BE4C2D6E202}" type="slidenum">
-              <a:rPr lang="en-US" dirty="0"/>
+              <a:rPr lang="en-US" smtClean="0"/>
               <a:pPr/>
               <a:t>‹#›</a:t>
             </a:fld>
@@ -2900,20 +5260,31 @@
         </p:txBody>
       </p:sp>
     </p:spTree>
+    <p:extLst>
+      <p:ext uri="{BB962C8B-B14F-4D97-AF65-F5344CB8AC3E}">
+        <p14:creationId xmlns:p14="http://schemas.microsoft.com/office/powerpoint/2010/main" val="3140698011"/>
+      </p:ext>
+    </p:extLst>
   </p:cSld>
-  <p:clrMap bg1="lt1" tx1="dk1" bg2="lt2" tx2="dk2" accent1="accent1" accent2="accent2" accent3="accent3" accent4="accent4" accent5="accent5" accent6="accent6" hlink="hlink" folHlink="folHlink"/>
+  <p:clrMap bg1="dk1" tx1="lt1" bg2="dk2" tx2="lt2" accent1="accent1" accent2="accent2" accent3="accent3" accent4="accent4" accent5="accent5" accent6="accent6" hlink="hlink" folHlink="folHlink"/>
   <p:sldLayoutIdLst>
-    <p:sldLayoutId id="2147483697" r:id="rId1"/>
-    <p:sldLayoutId id="2147483698" r:id="rId2"/>
-    <p:sldLayoutId id="2147483699" r:id="rId3"/>
-    <p:sldLayoutId id="2147483700" r:id="rId4"/>
-    <p:sldLayoutId id="2147483701" r:id="rId5"/>
-    <p:sldLayoutId id="2147483702" r:id="rId6"/>
-    <p:sldLayoutId id="2147483703" r:id="rId7"/>
-    <p:sldLayoutId id="2147483704" r:id="rId8"/>
-    <p:sldLayoutId id="2147483705" r:id="rId9"/>
-    <p:sldLayoutId id="2147483706" r:id="rId10"/>
-    <p:sldLayoutId id="2147483707" r:id="rId11"/>
+    <p:sldLayoutId id="2147483721" r:id="rId1"/>
+    <p:sldLayoutId id="2147483722" r:id="rId2"/>
+    <p:sldLayoutId id="2147483723" r:id="rId3"/>
+    <p:sldLayoutId id="2147483724" r:id="rId4"/>
+    <p:sldLayoutId id="2147483725" r:id="rId5"/>
+    <p:sldLayoutId id="2147483726" r:id="rId6"/>
+    <p:sldLayoutId id="2147483727" r:id="rId7"/>
+    <p:sldLayoutId id="2147483728" r:id="rId8"/>
+    <p:sldLayoutId id="2147483729" r:id="rId9"/>
+    <p:sldLayoutId id="2147483730" r:id="rId10"/>
+    <p:sldLayoutId id="2147483731" r:id="rId11"/>
+    <p:sldLayoutId id="2147483732" r:id="rId12"/>
+    <p:sldLayoutId id="2147483733" r:id="rId13"/>
+    <p:sldLayoutId id="2147483734" r:id="rId14"/>
+    <p:sldLayoutId id="2147483735" r:id="rId15"/>
+    <p:sldLayoutId id="2147483736" r:id="rId16"/>
+    <p:sldLayoutId id="2147483737" r:id="rId17"/>
   </p:sldLayoutIdLst>
   <p:hf sldNum="0" hdr="0" ftr="0" dt="0"/>
   <p:txStyles>
@@ -2926,10 +5297,17 @@
           <a:spcPct val="0"/>
         </a:spcBef>
         <a:buNone/>
-        <a:defRPr sz="2800" kern="1200" cap="all" spc="200" baseline="0">
+        <a:defRPr sz="3400" b="1" i="0" kern="1200" cap="all">
           <a:solidFill>
-            <a:srgbClr val="262626"/>
+            <a:schemeClr val="tx1"/>
           </a:solidFill>
+          <a:effectLst>
+            <a:outerShdw blurRad="50800" dist="63500" dir="2700000" algn="tl" rotWithShape="0">
+              <a:srgbClr val="000000">
+                <a:alpha val="48000"/>
+              </a:srgbClr>
+            </a:outerShdw>
+          </a:effectLst>
           <a:latin typeface="+mj-lt"/>
           <a:ea typeface="+mj-ea"/>
           <a:cs typeface="+mj-cs"/>
@@ -2939,203 +5317,224 @@
     <p:bodyStyle>
       <a:lvl1pPr marL="228600" indent="-228600" algn="l" defTabSz="914400" rtl="0" eaLnBrk="1" latinLnBrk="0" hangingPunct="1">
         <a:lnSpc>
-          <a:spcPct val="100000"/>
+          <a:spcPct val="120000"/>
         </a:lnSpc>
         <a:spcBef>
           <a:spcPts val="1000"/>
         </a:spcBef>
-        <a:buClr>
-          <a:schemeClr val="accent2"/>
-        </a:buClr>
         <a:buFont typeface="Arial" panose="020B0604020202020204" pitchFamily="34" charset="0"/>
         <a:buChar char="•"/>
-        <a:defRPr sz="1800" kern="1200">
+        <a:defRPr sz="2000" kern="1200">
           <a:solidFill>
-            <a:schemeClr val="tx1">
-              <a:lumMod val="85000"/>
-              <a:lumOff val="15000"/>
-            </a:schemeClr>
+            <a:schemeClr val="tx1"/>
           </a:solidFill>
+          <a:effectLst>
+            <a:outerShdw blurRad="50800" dist="38100" dir="2700000" algn="tl" rotWithShape="0">
+              <a:srgbClr val="000000">
+                <a:alpha val="48000"/>
+              </a:srgbClr>
+            </a:outerShdw>
+          </a:effectLst>
           <a:latin typeface="+mn-lt"/>
           <a:ea typeface="+mn-ea"/>
           <a:cs typeface="+mn-cs"/>
         </a:defRPr>
       </a:lvl1pPr>
-      <a:lvl2pPr marL="457200" indent="-228600" algn="l" defTabSz="914400" rtl="0" eaLnBrk="1" latinLnBrk="0" hangingPunct="1">
+      <a:lvl2pPr marL="685800" indent="-228600" algn="l" defTabSz="914400" rtl="0" eaLnBrk="1" latinLnBrk="0" hangingPunct="1">
         <a:lnSpc>
-          <a:spcPct val="100000"/>
+          <a:spcPct val="120000"/>
         </a:lnSpc>
         <a:spcBef>
-          <a:spcPts val="1000"/>
+          <a:spcPts val="500"/>
         </a:spcBef>
-        <a:buClr>
-          <a:schemeClr val="accent2"/>
-        </a:buClr>
         <a:buFont typeface="Arial" panose="020B0604020202020204" pitchFamily="34" charset="0"/>
         <a:buChar char="•"/>
-        <a:defRPr sz="1600" kern="1200">
+        <a:defRPr sz="1800" kern="1200">
           <a:solidFill>
-            <a:schemeClr val="tx1">
-              <a:lumMod val="85000"/>
-              <a:lumOff val="15000"/>
-            </a:schemeClr>
+            <a:schemeClr val="tx1"/>
           </a:solidFill>
+          <a:effectLst>
+            <a:outerShdw blurRad="50800" dist="38100" dir="2700000" algn="tl" rotWithShape="0">
+              <a:srgbClr val="000000">
+                <a:alpha val="48000"/>
+              </a:srgbClr>
+            </a:outerShdw>
+          </a:effectLst>
           <a:latin typeface="+mn-lt"/>
           <a:ea typeface="+mn-ea"/>
           <a:cs typeface="+mn-cs"/>
         </a:defRPr>
       </a:lvl2pPr>
-      <a:lvl3pPr marL="685800" indent="-228600" algn="l" defTabSz="914400" rtl="0" eaLnBrk="1" latinLnBrk="0" hangingPunct="1">
+      <a:lvl3pPr marL="1143000" indent="-228600" algn="l" defTabSz="914400" rtl="0" eaLnBrk="1" latinLnBrk="0" hangingPunct="1">
         <a:lnSpc>
-          <a:spcPct val="100000"/>
+          <a:spcPct val="120000"/>
         </a:lnSpc>
         <a:spcBef>
-          <a:spcPts val="1000"/>
+          <a:spcPts val="500"/>
         </a:spcBef>
-        <a:buClr>
-          <a:schemeClr val="accent2"/>
-        </a:buClr>
-        <a:buFont typeface="Arial" panose="020B0604020202020204" pitchFamily="34" charset="0"/>
-        <a:buChar char="•"/>
-        <a:defRPr sz="1600" kern="1200">
-          <a:solidFill>
-            <a:schemeClr val="tx1">
-              <a:lumMod val="85000"/>
-              <a:lumOff val="15000"/>
-            </a:schemeClr>
-          </a:solidFill>
-          <a:latin typeface="+mn-lt"/>
-          <a:ea typeface="+mn-ea"/>
-          <a:cs typeface="+mn-cs"/>
-        </a:defRPr>
-      </a:lvl3pPr>
-      <a:lvl4pPr marL="914400" indent="-228600" algn="l" defTabSz="914400" rtl="0" eaLnBrk="1" latinLnBrk="0" hangingPunct="1">
-        <a:lnSpc>
-          <a:spcPct val="100000"/>
-        </a:lnSpc>
-        <a:spcBef>
-          <a:spcPts val="1000"/>
-        </a:spcBef>
-        <a:buClr>
-          <a:schemeClr val="accent2"/>
-        </a:buClr>
-        <a:buFont typeface="Arial" panose="020B0604020202020204" pitchFamily="34" charset="0"/>
-        <a:buChar char="•"/>
-        <a:defRPr sz="1600" kern="1200">
-          <a:solidFill>
-            <a:schemeClr val="tx1">
-              <a:lumMod val="85000"/>
-              <a:lumOff val="15000"/>
-            </a:schemeClr>
-          </a:solidFill>
-          <a:latin typeface="+mn-lt"/>
-          <a:ea typeface="+mn-ea"/>
-          <a:cs typeface="+mn-cs"/>
-        </a:defRPr>
-      </a:lvl4pPr>
-      <a:lvl5pPr marL="1143000" indent="-228600" algn="l" defTabSz="914400" rtl="0" eaLnBrk="1" latinLnBrk="0" hangingPunct="1">
-        <a:lnSpc>
-          <a:spcPct val="100000"/>
-        </a:lnSpc>
-        <a:spcBef>
-          <a:spcPts val="1000"/>
-        </a:spcBef>
-        <a:buClr>
-          <a:schemeClr val="accent2"/>
-        </a:buClr>
-        <a:buFont typeface="Arial" panose="020B0604020202020204" pitchFamily="34" charset="0"/>
-        <a:buChar char="•"/>
-        <a:defRPr sz="1600" kern="1200">
-          <a:solidFill>
-            <a:schemeClr val="tx1">
-              <a:lumMod val="85000"/>
-              <a:lumOff val="15000"/>
-            </a:schemeClr>
-          </a:solidFill>
-          <a:latin typeface="+mn-lt"/>
-          <a:ea typeface="+mn-ea"/>
-          <a:cs typeface="+mn-cs"/>
-        </a:defRPr>
-      </a:lvl5pPr>
-      <a:lvl6pPr marL="1312863" indent="-228600" algn="l" defTabSz="914400" rtl="0" eaLnBrk="1" latinLnBrk="0" hangingPunct="1">
-        <a:lnSpc>
-          <a:spcPct val="100000"/>
-        </a:lnSpc>
-        <a:spcBef>
-          <a:spcPts val="1000"/>
-        </a:spcBef>
-        <a:buClr>
-          <a:schemeClr val="accent2"/>
-        </a:buClr>
         <a:buFont typeface="Arial" panose="020B0604020202020204" pitchFamily="34" charset="0"/>
         <a:buChar char="•"/>
         <a:defRPr sz="1600" kern="1200">
           <a:solidFill>
             <a:schemeClr val="tx1"/>
           </a:solidFill>
+          <a:effectLst>
+            <a:outerShdw blurRad="50800" dist="38100" dir="2700000" algn="tl" rotWithShape="0">
+              <a:srgbClr val="000000">
+                <a:alpha val="48000"/>
+              </a:srgbClr>
+            </a:outerShdw>
+          </a:effectLst>
+          <a:latin typeface="+mn-lt"/>
+          <a:ea typeface="+mn-ea"/>
+          <a:cs typeface="+mn-cs"/>
+        </a:defRPr>
+      </a:lvl3pPr>
+      <a:lvl4pPr marL="1600200" indent="-228600" algn="l" defTabSz="914400" rtl="0" eaLnBrk="1" latinLnBrk="0" hangingPunct="1">
+        <a:lnSpc>
+          <a:spcPct val="120000"/>
+        </a:lnSpc>
+        <a:spcBef>
+          <a:spcPts val="500"/>
+        </a:spcBef>
+        <a:buFont typeface="Arial" panose="020B0604020202020204" pitchFamily="34" charset="0"/>
+        <a:buChar char="•"/>
+        <a:defRPr sz="1400" kern="1200">
+          <a:solidFill>
+            <a:schemeClr val="tx1"/>
+          </a:solidFill>
+          <a:effectLst>
+            <a:outerShdw blurRad="50800" dist="38100" dir="2700000" algn="tl" rotWithShape="0">
+              <a:srgbClr val="000000">
+                <a:alpha val="48000"/>
+              </a:srgbClr>
+            </a:outerShdw>
+          </a:effectLst>
+          <a:latin typeface="+mn-lt"/>
+          <a:ea typeface="+mn-ea"/>
+          <a:cs typeface="+mn-cs"/>
+        </a:defRPr>
+      </a:lvl4pPr>
+      <a:lvl5pPr marL="2057400" indent="-228600" algn="l" defTabSz="914400" rtl="0" eaLnBrk="1" latinLnBrk="0" hangingPunct="1">
+        <a:lnSpc>
+          <a:spcPct val="120000"/>
+        </a:lnSpc>
+        <a:spcBef>
+          <a:spcPts val="500"/>
+        </a:spcBef>
+        <a:buFont typeface="Arial" panose="020B0604020202020204" pitchFamily="34" charset="0"/>
+        <a:buChar char="•"/>
+        <a:defRPr sz="1200" kern="1200">
+          <a:solidFill>
+            <a:schemeClr val="tx1"/>
+          </a:solidFill>
+          <a:effectLst>
+            <a:outerShdw blurRad="50800" dist="38100" dir="2700000" algn="tl" rotWithShape="0">
+              <a:srgbClr val="000000">
+                <a:alpha val="48000"/>
+              </a:srgbClr>
+            </a:outerShdw>
+          </a:effectLst>
+          <a:latin typeface="+mn-lt"/>
+          <a:ea typeface="+mn-ea"/>
+          <a:cs typeface="+mn-cs"/>
+        </a:defRPr>
+      </a:lvl5pPr>
+      <a:lvl6pPr marL="2514600" indent="-228600" algn="l" defTabSz="914400" rtl="0" eaLnBrk="1" latinLnBrk="0" hangingPunct="1">
+        <a:lnSpc>
+          <a:spcPct val="120000"/>
+        </a:lnSpc>
+        <a:spcBef>
+          <a:spcPts val="500"/>
+        </a:spcBef>
+        <a:buFont typeface="Arial" panose="020B0604020202020204" pitchFamily="34" charset="0"/>
+        <a:buChar char="•"/>
+        <a:defRPr sz="1200" kern="1200">
+          <a:solidFill>
+            <a:schemeClr val="tx1"/>
+          </a:solidFill>
+          <a:effectLst>
+            <a:outerShdw blurRad="50800" dist="38100" dir="2700000" algn="tl" rotWithShape="0">
+              <a:srgbClr val="000000">
+                <a:alpha val="48000"/>
+              </a:srgbClr>
+            </a:outerShdw>
+          </a:effectLst>
           <a:latin typeface="+mn-lt"/>
           <a:ea typeface="+mn-ea"/>
           <a:cs typeface="+mn-cs"/>
         </a:defRPr>
       </a:lvl6pPr>
-      <a:lvl7pPr marL="1484313" indent="-228600" algn="l" defTabSz="914400" rtl="0" eaLnBrk="1" latinLnBrk="0" hangingPunct="1">
+      <a:lvl7pPr marL="2971800" indent="-228600" algn="l" defTabSz="914400" rtl="0" eaLnBrk="1" latinLnBrk="0" hangingPunct="1">
         <a:lnSpc>
-          <a:spcPct val="100000"/>
+          <a:spcPct val="120000"/>
         </a:lnSpc>
         <a:spcBef>
-          <a:spcPts val="1000"/>
+          <a:spcPts val="500"/>
         </a:spcBef>
-        <a:buClr>
-          <a:schemeClr val="accent2"/>
-        </a:buClr>
         <a:buFont typeface="Arial" panose="020B0604020202020204" pitchFamily="34" charset="0"/>
         <a:buChar char="•"/>
-        <a:defRPr sz="1600" kern="1200">
+        <a:defRPr sz="1200" kern="1200">
           <a:solidFill>
             <a:schemeClr val="tx1"/>
           </a:solidFill>
+          <a:effectLst>
+            <a:outerShdw blurRad="50800" dist="38100" dir="2700000" algn="tl" rotWithShape="0">
+              <a:srgbClr val="000000">
+                <a:alpha val="48000"/>
+              </a:srgbClr>
+            </a:outerShdw>
+          </a:effectLst>
           <a:latin typeface="+mn-lt"/>
           <a:ea typeface="+mn-ea"/>
           <a:cs typeface="+mn-cs"/>
         </a:defRPr>
       </a:lvl7pPr>
-      <a:lvl8pPr marL="1657350" indent="-228600" algn="l" defTabSz="914400" rtl="0" eaLnBrk="1" latinLnBrk="0" hangingPunct="1">
+      <a:lvl8pPr marL="3429000" indent="-228600" algn="l" defTabSz="914400" rtl="0" eaLnBrk="1" latinLnBrk="0" hangingPunct="1">
         <a:lnSpc>
-          <a:spcPct val="100000"/>
+          <a:spcPct val="120000"/>
         </a:lnSpc>
         <a:spcBef>
-          <a:spcPts val="1000"/>
+          <a:spcPts val="500"/>
         </a:spcBef>
-        <a:buClr>
-          <a:schemeClr val="accent2"/>
-        </a:buClr>
         <a:buFont typeface="Arial" panose="020B0604020202020204" pitchFamily="34" charset="0"/>
         <a:buChar char="•"/>
-        <a:defRPr sz="1600" kern="1200" baseline="0">
+        <a:defRPr sz="1200" kern="1200">
           <a:solidFill>
             <a:schemeClr val="tx1"/>
           </a:solidFill>
+          <a:effectLst>
+            <a:outerShdw blurRad="50800" dist="38100" dir="2700000" algn="tl" rotWithShape="0">
+              <a:srgbClr val="000000">
+                <a:alpha val="48000"/>
+              </a:srgbClr>
+            </a:outerShdw>
+          </a:effectLst>
           <a:latin typeface="+mn-lt"/>
           <a:ea typeface="+mn-ea"/>
           <a:cs typeface="+mn-cs"/>
         </a:defRPr>
       </a:lvl8pPr>
-      <a:lvl9pPr marL="1882775" indent="-228600" algn="l" defTabSz="914400" rtl="0" eaLnBrk="1" latinLnBrk="0" hangingPunct="1">
+      <a:lvl9pPr marL="3886200" indent="-228600" algn="l" defTabSz="914400" rtl="0" eaLnBrk="1" latinLnBrk="0" hangingPunct="1">
         <a:lnSpc>
-          <a:spcPct val="100000"/>
+          <a:spcPct val="120000"/>
         </a:lnSpc>
         <a:spcBef>
-          <a:spcPts val="1000"/>
+          <a:spcPts val="500"/>
         </a:spcBef>
-        <a:buClr>
-          <a:schemeClr val="accent2"/>
-        </a:buClr>
         <a:buFont typeface="Arial" panose="020B0604020202020204" pitchFamily="34" charset="0"/>
         <a:buChar char="•"/>
-        <a:defRPr sz="1600" kern="1200" baseline="0">
+        <a:defRPr sz="1200" kern="1200">
           <a:solidFill>
             <a:schemeClr val="tx1"/>
           </a:solidFill>
+          <a:effectLst>
+            <a:outerShdw blurRad="50800" dist="38100" dir="2700000" algn="tl" rotWithShape="0">
+              <a:srgbClr val="000000">
+                <a:alpha val="48000"/>
+              </a:srgbClr>
+            </a:outerShdw>
+          </a:effectLst>
           <a:latin typeface="+mn-lt"/>
           <a:ea typeface="+mn-ea"/>
           <a:cs typeface="+mn-cs"/>
@@ -3276,19 +5675,21 @@
         </p:nvSpPr>
         <p:spPr>
           <a:xfrm>
-            <a:off x="1600200" y="1240453"/>
-            <a:ext cx="8991600" cy="1645920"/>
-          </a:xfrm>
-        </p:spPr>
-        <p:txBody>
-          <a:bodyPr/>
+            <a:off x="1689845" y="476666"/>
+            <a:ext cx="8991600" cy="1204445"/>
+          </a:xfrm>
+        </p:spPr>
+        <p:txBody>
+          <a:bodyPr>
+            <a:normAutofit/>
+          </a:bodyPr>
           <a:lstStyle/>
           <a:p>
             <a:r>
-              <a:rPr lang="en-US" dirty="0"/>
+              <a:rPr lang="en-US" sz="4000" dirty="0"/>
               <a:t>DIGITAL MARKETING PHASE 2 </a:t>
             </a:r>
-            <a:endParaRPr lang="en-IN" dirty="0"/>
+            <a:endParaRPr lang="en-IN" sz="4000" dirty="0"/>
           </a:p>
         </p:txBody>
       </p:sp>
@@ -3310,10 +5711,24 @@
         </p:nvSpPr>
         <p:spPr>
           <a:xfrm>
-            <a:off x="2508763" y="2956465"/>
-            <a:ext cx="6801612" cy="1265082"/>
-          </a:xfrm>
-        </p:spPr>
+            <a:off x="2859740" y="2151317"/>
+            <a:ext cx="6651811" cy="1265082"/>
+          </a:xfrm>
+        </p:spPr>
+        <p:style>
+          <a:lnRef idx="1">
+            <a:schemeClr val="accent2"/>
+          </a:lnRef>
+          <a:fillRef idx="2">
+            <a:schemeClr val="accent2"/>
+          </a:fillRef>
+          <a:effectRef idx="1">
+            <a:schemeClr val="accent2"/>
+          </a:effectRef>
+          <a:fontRef idx="minor">
+            <a:schemeClr val="dk1"/>
+          </a:fontRef>
+        </p:style>
         <p:txBody>
           <a:bodyPr>
             <a:normAutofit/>
@@ -3321,12 +5736,9 @@
           <a:lstStyle/>
           <a:p>
             <a:r>
-              <a:rPr lang="en-US" sz="6600" b="1" u="sng" dirty="0">
+              <a:rPr lang="en-US" sz="6600" b="1" i="1" u="sng" dirty="0">
                 <a:solidFill>
-                  <a:schemeClr val="bg1">
-                    <a:lumMod val="75000"/>
-                    <a:lumOff val="25000"/>
-                  </a:schemeClr>
+                  <a:srgbClr val="00B0F0"/>
                 </a:solidFill>
                 <a:effectLst>
                   <a:outerShdw blurRad="38100" dist="38100" dir="2700000" algn="tl">
@@ -3338,12 +5750,9 @@
               </a:rPr>
               <a:t>BRITANNIA</a:t>
             </a:r>
-            <a:endParaRPr lang="en-IN" sz="6600" b="1" u="sng" dirty="0">
+            <a:endParaRPr lang="en-IN" sz="6600" b="1" i="1" u="sng" dirty="0">
               <a:solidFill>
-                <a:schemeClr val="bg1">
-                  <a:lumMod val="75000"/>
-                  <a:lumOff val="25000"/>
-                </a:schemeClr>
+                <a:srgbClr val="00B0F0"/>
               </a:solidFill>
               <a:effectLst>
                 <a:outerShdw blurRad="38100" dist="38100" dir="2700000" algn="tl">
@@ -3370,8 +5779,8 @@
         </p:nvSpPr>
         <p:spPr>
           <a:xfrm>
-            <a:off x="8653639" y="4927977"/>
-            <a:ext cx="2570173" cy="1225119"/>
+            <a:off x="8474345" y="4838329"/>
+            <a:ext cx="2686714" cy="1200329"/>
           </a:xfrm>
           <a:prstGeom prst="rect">
             <a:avLst/>
@@ -3443,6 +5852,66 @@
           </a:p>
         </p:txBody>
       </p:sp>
+      <p:pic>
+        <p:nvPicPr>
+          <p:cNvPr id="10" name="Picture 9">
+            <a:extLst>
+              <a:ext uri="{FF2B5EF4-FFF2-40B4-BE49-F238E27FC236}">
+                <a16:creationId xmlns:a16="http://schemas.microsoft.com/office/drawing/2014/main" id="{2AED87C1-2F67-4544-1E25-FDB2C60ADB49}"/>
+              </a:ext>
+            </a:extLst>
+          </p:cNvPr>
+          <p:cNvPicPr>
+            <a:picLocks noChangeAspect="1"/>
+          </p:cNvPicPr>
+          <p:nvPr/>
+        </p:nvPicPr>
+        <p:blipFill>
+          <a:blip r:embed="rId2"/>
+          <a:stretch>
+            <a:fillRect/>
+          </a:stretch>
+        </p:blipFill>
+        <p:spPr>
+          <a:xfrm>
+            <a:off x="34963" y="38772"/>
+            <a:ext cx="2255453" cy="851367"/>
+          </a:xfrm>
+          <a:prstGeom prst="rect">
+            <a:avLst/>
+          </a:prstGeom>
+        </p:spPr>
+      </p:pic>
+      <p:pic>
+        <p:nvPicPr>
+          <p:cNvPr id="25" name="Picture 24">
+            <a:extLst>
+              <a:ext uri="{FF2B5EF4-FFF2-40B4-BE49-F238E27FC236}">
+                <a16:creationId xmlns:a16="http://schemas.microsoft.com/office/drawing/2014/main" id="{6DE6B864-40DE-2234-7D04-B56BAFBA6F97}"/>
+              </a:ext>
+            </a:extLst>
+          </p:cNvPr>
+          <p:cNvPicPr>
+            <a:picLocks noChangeAspect="1"/>
+          </p:cNvPicPr>
+          <p:nvPr/>
+        </p:nvPicPr>
+        <p:blipFill>
+          <a:blip r:embed="rId3"/>
+          <a:stretch>
+            <a:fillRect/>
+          </a:stretch>
+        </p:blipFill>
+        <p:spPr>
+          <a:xfrm>
+            <a:off x="254980" y="4215579"/>
+            <a:ext cx="4070872" cy="2445827"/>
+          </a:xfrm>
+          <a:prstGeom prst="rect">
+            <a:avLst/>
+          </a:prstGeom>
+        </p:spPr>
+      </p:pic>
     </p:spTree>
     <p:extLst>
       <p:ext uri="{BB962C8B-B14F-4D97-AF65-F5344CB8AC3E}">
@@ -3489,21 +5958,26 @@
             <p:ph type="title"/>
           </p:nvPr>
         </p:nvSpPr>
-        <p:spPr/>
+        <p:spPr>
+          <a:xfrm>
+            <a:off x="2069771" y="876662"/>
+            <a:ext cx="7729728" cy="1188720"/>
+          </a:xfrm>
+        </p:spPr>
         <p:txBody>
           <a:bodyPr/>
           <a:lstStyle/>
           <a:p>
             <a:r>
-              <a:rPr lang="en-US" sz="4800" dirty="0"/>
+              <a:rPr lang="en-US" sz="4800" u="sng" dirty="0"/>
               <a:t>SEO</a:t>
             </a:r>
             <a:r>
-              <a:rPr lang="en-US" dirty="0"/>
+              <a:rPr lang="en-US" u="sng" dirty="0"/>
               <a:t> </a:t>
             </a:r>
             <a:r>
-              <a:rPr lang="en-US" sz="4800" dirty="0"/>
+              <a:rPr lang="en-US" sz="4800" u="sng" dirty="0"/>
               <a:t>audit</a:t>
             </a:r>
           </a:p>
@@ -3562,6 +6036,36 @@
           <a:xfrm>
             <a:off x="6428793" y="2346918"/>
             <a:ext cx="5250896" cy="4211574"/>
+          </a:xfrm>
+          <a:prstGeom prst="rect">
+            <a:avLst/>
+          </a:prstGeom>
+        </p:spPr>
+      </p:pic>
+      <p:pic>
+        <p:nvPicPr>
+          <p:cNvPr id="4" name="Picture 3">
+            <a:extLst>
+              <a:ext uri="{FF2B5EF4-FFF2-40B4-BE49-F238E27FC236}">
+                <a16:creationId xmlns:a16="http://schemas.microsoft.com/office/drawing/2014/main" id="{7654630B-00DC-00F1-257E-778BB48DF19D}"/>
+              </a:ext>
+            </a:extLst>
+          </p:cNvPr>
+          <p:cNvPicPr>
+            <a:picLocks noChangeAspect="1"/>
+          </p:cNvPicPr>
+          <p:nvPr/>
+        </p:nvPicPr>
+        <p:blipFill>
+          <a:blip r:embed="rId4"/>
+          <a:stretch>
+            <a:fillRect/>
+          </a:stretch>
+        </p:blipFill>
+        <p:spPr>
+          <a:xfrm>
+            <a:off x="24765" y="20956"/>
+            <a:ext cx="2266950" cy="855706"/>
           </a:xfrm>
           <a:prstGeom prst="rect">
             <a:avLst/>
@@ -3614,7 +6118,12 @@
             <p:ph type="title"/>
           </p:nvPr>
         </p:nvSpPr>
-        <p:spPr/>
+        <p:spPr>
+          <a:xfrm>
+            <a:off x="2231136" y="1132832"/>
+            <a:ext cx="7729728" cy="1188720"/>
+          </a:xfrm>
+        </p:spPr>
         <p:txBody>
           <a:bodyPr>
             <a:normAutofit/>
@@ -3622,7 +6131,7 @@
           <a:lstStyle/>
           <a:p>
             <a:r>
-              <a:rPr lang="en-US" sz="4400" dirty="0"/>
+              <a:rPr lang="en-US" sz="4400" u="sng" dirty="0"/>
               <a:t>Keyword research</a:t>
             </a:r>
           </a:p>
@@ -3655,6 +6164,36 @@
             <a:off x="1250303" y="2435291"/>
             <a:ext cx="9422460" cy="3993502"/>
           </a:xfrm>
+        </p:spPr>
+      </p:pic>
+      <p:pic>
+        <p:nvPicPr>
+          <p:cNvPr id="4" name="Picture 3">
+            <a:extLst>
+              <a:ext uri="{FF2B5EF4-FFF2-40B4-BE49-F238E27FC236}">
+                <a16:creationId xmlns:a16="http://schemas.microsoft.com/office/drawing/2014/main" id="{379A8B24-EF2A-74C5-83AB-F3342D220F81}"/>
+              </a:ext>
+            </a:extLst>
+          </p:cNvPr>
+          <p:cNvPicPr>
+            <a:picLocks noChangeAspect="1"/>
+          </p:cNvPicPr>
+          <p:nvPr/>
+        </p:nvPicPr>
+        <p:blipFill>
+          <a:blip r:embed="rId3"/>
+          <a:stretch>
+            <a:fillRect/>
+          </a:stretch>
+        </p:blipFill>
+        <p:spPr>
+          <a:xfrm>
+            <a:off x="24767" y="24226"/>
+            <a:ext cx="2346958" cy="885908"/>
+          </a:xfrm>
+          <a:prstGeom prst="rect">
+            <a:avLst/>
+          </a:prstGeom>
         </p:spPr>
       </p:pic>
     </p:spTree>
@@ -3703,9 +6242,16 @@
             <p:ph type="title"/>
           </p:nvPr>
         </p:nvSpPr>
-        <p:spPr/>
-        <p:txBody>
-          <a:bodyPr/>
+        <p:spPr>
+          <a:xfrm>
+            <a:off x="2294964" y="1063303"/>
+            <a:ext cx="7665899" cy="1188720"/>
+          </a:xfrm>
+        </p:spPr>
+        <p:txBody>
+          <a:bodyPr>
+            <a:normAutofit fontScale="90000"/>
+          </a:bodyPr>
           <a:lstStyle/>
           <a:p>
             <a:r>
@@ -3780,6 +6326,36 @@
           <a:xfrm>
             <a:off x="6096000" y="2346158"/>
             <a:ext cx="4943475" cy="4078705"/>
+          </a:xfrm>
+          <a:prstGeom prst="rect">
+            <a:avLst/>
+          </a:prstGeom>
+        </p:spPr>
+      </p:pic>
+      <p:pic>
+        <p:nvPicPr>
+          <p:cNvPr id="4" name="Picture 3">
+            <a:extLst>
+              <a:ext uri="{FF2B5EF4-FFF2-40B4-BE49-F238E27FC236}">
+                <a16:creationId xmlns:a16="http://schemas.microsoft.com/office/drawing/2014/main" id="{1B402E17-3BB5-E58D-25DB-9CDC313C61C5}"/>
+              </a:ext>
+            </a:extLst>
+          </p:cNvPr>
+          <p:cNvPicPr>
+            <a:picLocks noChangeAspect="1"/>
+          </p:cNvPicPr>
+          <p:nvPr/>
+        </p:nvPicPr>
+        <p:blipFill>
+          <a:blip r:embed="rId4"/>
+          <a:stretch>
+            <a:fillRect/>
+          </a:stretch>
+        </p:blipFill>
+        <p:spPr>
+          <a:xfrm>
+            <a:off x="24766" y="28576"/>
+            <a:ext cx="2361878" cy="891539"/>
           </a:xfrm>
           <a:prstGeom prst="rect">
             <a:avLst/>
@@ -3832,10 +6408,15 @@
             <p:ph type="title"/>
           </p:nvPr>
         </p:nvSpPr>
-        <p:spPr/>
+        <p:spPr>
+          <a:xfrm>
+            <a:off x="2231136" y="1070067"/>
+            <a:ext cx="7729728" cy="1188720"/>
+          </a:xfrm>
+        </p:spPr>
         <p:txBody>
           <a:bodyPr>
-            <a:normAutofit fontScale="90000"/>
+            <a:normAutofit/>
           </a:bodyPr>
           <a:lstStyle/>
           <a:p>
@@ -3937,7 +6518,7 @@
         </p:nvGraphicFramePr>
         <p:xfrm>
           <a:off x="656948" y="3258105"/>
-          <a:ext cx="11168105" cy="2969975"/>
+          <a:ext cx="11168105" cy="3207139"/>
         </p:xfrm>
         <a:graphic>
           <a:graphicData uri="http://schemas.openxmlformats.org/drawingml/2006/table">
@@ -4706,6 +7287,36 @@
           </a:graphicData>
         </a:graphic>
       </p:graphicFrame>
+      <p:pic>
+        <p:nvPicPr>
+          <p:cNvPr id="6" name="Picture 5">
+            <a:extLst>
+              <a:ext uri="{FF2B5EF4-FFF2-40B4-BE49-F238E27FC236}">
+                <a16:creationId xmlns:a16="http://schemas.microsoft.com/office/drawing/2014/main" id="{0D68D49A-2424-57FA-C73B-DEF6749A1D27}"/>
+              </a:ext>
+            </a:extLst>
+          </p:cNvPr>
+          <p:cNvPicPr>
+            <a:picLocks noChangeAspect="1"/>
+          </p:cNvPicPr>
+          <p:nvPr/>
+        </p:nvPicPr>
+        <p:blipFill>
+          <a:blip r:embed="rId2"/>
+          <a:stretch>
+            <a:fillRect/>
+          </a:stretch>
+        </p:blipFill>
+        <p:spPr>
+          <a:xfrm>
+            <a:off x="28575" y="28575"/>
+            <a:ext cx="2296273" cy="866775"/>
+          </a:xfrm>
+          <a:prstGeom prst="rect">
+            <a:avLst/>
+          </a:prstGeom>
+        </p:spPr>
+      </p:pic>
     </p:spTree>
     <p:extLst>
       <p:ext uri="{BB962C8B-B14F-4D97-AF65-F5344CB8AC3E}">
@@ -4752,15 +7363,20 @@
             <p:ph type="title"/>
           </p:nvPr>
         </p:nvSpPr>
-        <p:spPr/>
+        <p:spPr>
+          <a:xfrm>
+            <a:off x="2231136" y="1117973"/>
+            <a:ext cx="7729728" cy="1188720"/>
+          </a:xfrm>
+        </p:spPr>
         <p:txBody>
           <a:bodyPr>
-            <a:normAutofit fontScale="90000"/>
+            <a:normAutofit/>
           </a:bodyPr>
           <a:lstStyle/>
           <a:p>
             <a:r>
-              <a:rPr lang="en-US" sz="4000" dirty="0"/>
+              <a:rPr lang="en-US" sz="4000" u="sng" dirty="0"/>
               <a:t>CONTENT CREATION AND CURATION</a:t>
             </a:r>
           </a:p>
@@ -4785,7 +7401,7 @@
         <p:spPr/>
         <p:txBody>
           <a:bodyPr>
-            <a:normAutofit fontScale="92500" lnSpcReduction="10000"/>
+            <a:normAutofit lnSpcReduction="10000"/>
           </a:bodyPr>
           <a:lstStyle/>
           <a:p>
@@ -4878,6 +7494,36 @@
           </a:p>
         </p:txBody>
       </p:sp>
+      <p:pic>
+        <p:nvPicPr>
+          <p:cNvPr id="5" name="Picture 4">
+            <a:extLst>
+              <a:ext uri="{FF2B5EF4-FFF2-40B4-BE49-F238E27FC236}">
+                <a16:creationId xmlns:a16="http://schemas.microsoft.com/office/drawing/2014/main" id="{A9FD5230-6C7D-E4CC-F32A-0C3A5069614C}"/>
+              </a:ext>
+            </a:extLst>
+          </p:cNvPr>
+          <p:cNvPicPr>
+            <a:picLocks noChangeAspect="1"/>
+          </p:cNvPicPr>
+          <p:nvPr/>
+        </p:nvPicPr>
+        <p:blipFill>
+          <a:blip r:embed="rId6"/>
+          <a:stretch>
+            <a:fillRect/>
+          </a:stretch>
+        </p:blipFill>
+        <p:spPr>
+          <a:xfrm>
+            <a:off x="26672" y="27566"/>
+            <a:ext cx="2381248" cy="898851"/>
+          </a:xfrm>
+          <a:prstGeom prst="rect">
+            <a:avLst/>
+          </a:prstGeom>
+        </p:spPr>
+      </p:pic>
     </p:spTree>
     <p:extLst>
       <p:ext uri="{BB962C8B-B14F-4D97-AF65-F5344CB8AC3E}">
@@ -4924,7 +7570,12 @@
             <p:ph type="title"/>
           </p:nvPr>
         </p:nvSpPr>
-        <p:spPr/>
+        <p:spPr>
+          <a:xfrm>
+            <a:off x="2231136" y="1115039"/>
+            <a:ext cx="7729728" cy="1188720"/>
+          </a:xfrm>
+        </p:spPr>
         <p:txBody>
           <a:bodyPr>
             <a:normAutofit/>
@@ -4932,7 +7583,7 @@
           <a:lstStyle/>
           <a:p>
             <a:r>
-              <a:rPr lang="en-US" sz="4400" dirty="0"/>
+              <a:rPr lang="en-US" sz="4400" u="sng" dirty="0"/>
               <a:t>INSTAGRAM STORY</a:t>
             </a:r>
           </a:p>
@@ -4962,7 +7613,7 @@
         </p:spPr>
         <p:txBody>
           <a:bodyPr>
-            <a:normAutofit/>
+            <a:normAutofit fontScale="85000" lnSpcReduction="20000"/>
           </a:bodyPr>
           <a:lstStyle/>
           <a:p>
@@ -5031,6 +7682,36 @@
           </a:p>
         </p:txBody>
       </p:sp>
+      <p:pic>
+        <p:nvPicPr>
+          <p:cNvPr id="5" name="Picture 4">
+            <a:extLst>
+              <a:ext uri="{FF2B5EF4-FFF2-40B4-BE49-F238E27FC236}">
+                <a16:creationId xmlns:a16="http://schemas.microsoft.com/office/drawing/2014/main" id="{7609A574-2517-5822-5EAB-0171225B03D2}"/>
+              </a:ext>
+            </a:extLst>
+          </p:cNvPr>
+          <p:cNvPicPr>
+            <a:picLocks noChangeAspect="1"/>
+          </p:cNvPicPr>
+          <p:nvPr/>
+        </p:nvPicPr>
+        <p:blipFill>
+          <a:blip r:embed="rId6"/>
+          <a:stretch>
+            <a:fillRect/>
+          </a:stretch>
+        </p:blipFill>
+        <p:spPr>
+          <a:xfrm>
+            <a:off x="30084" y="26670"/>
+            <a:ext cx="2383551" cy="899720"/>
+          </a:xfrm>
+          <a:prstGeom prst="rect">
+            <a:avLst/>
+          </a:prstGeom>
+        </p:spPr>
+      </p:pic>
     </p:spTree>
     <p:extLst>
       <p:ext uri="{BB962C8B-B14F-4D97-AF65-F5344CB8AC3E}">
@@ -5045,6 +7726,406 @@
 </file>
 
 <file path=ppt/slides/slide16.xml><?xml version="1.0" encoding="utf-8"?>
+<p:sld xmlns:a="http://schemas.openxmlformats.org/drawingml/2006/main" xmlns:r="http://schemas.openxmlformats.org/officeDocument/2006/relationships" xmlns:p="http://schemas.openxmlformats.org/presentationml/2006/main">
+  <p:cSld>
+    <p:spTree>
+      <p:nvGrpSpPr>
+        <p:cNvPr id="1" name=""/>
+        <p:cNvGrpSpPr/>
+        <p:nvPr/>
+      </p:nvGrpSpPr>
+      <p:grpSpPr>
+        <a:xfrm>
+          <a:off x="0" y="0"/>
+          <a:ext cx="0" cy="0"/>
+          <a:chOff x="0" y="0"/>
+          <a:chExt cx="0" cy="0"/>
+        </a:xfrm>
+      </p:grpSpPr>
+      <p:sp>
+        <p:nvSpPr>
+          <p:cNvPr id="2" name="Title 1">
+            <a:extLst>
+              <a:ext uri="{FF2B5EF4-FFF2-40B4-BE49-F238E27FC236}">
+                <a16:creationId xmlns:a16="http://schemas.microsoft.com/office/drawing/2014/main" id="{1765BDC0-0CB1-423E-CC06-AD111C0CD1C3}"/>
+              </a:ext>
+            </a:extLst>
+          </p:cNvPr>
+          <p:cNvSpPr>
+            <a:spLocks noGrp="1"/>
+          </p:cNvSpPr>
+          <p:nvPr>
+            <p:ph type="title"/>
+          </p:nvPr>
+        </p:nvSpPr>
+        <p:spPr>
+          <a:xfrm>
+            <a:off x="2132524" y="822062"/>
+            <a:ext cx="7729728" cy="1188720"/>
+          </a:xfrm>
+        </p:spPr>
+        <p:txBody>
+          <a:bodyPr>
+            <a:normAutofit/>
+          </a:bodyPr>
+          <a:lstStyle/>
+          <a:p>
+            <a:r>
+              <a:rPr lang="en-IN" sz="4000" u="sng" dirty="0"/>
+              <a:t>Team members &amp; roles</a:t>
+            </a:r>
+          </a:p>
+        </p:txBody>
+      </p:sp>
+      <p:pic>
+        <p:nvPicPr>
+          <p:cNvPr id="5" name="Picture 4">
+            <a:extLst>
+              <a:ext uri="{FF2B5EF4-FFF2-40B4-BE49-F238E27FC236}">
+                <a16:creationId xmlns:a16="http://schemas.microsoft.com/office/drawing/2014/main" id="{B7D8F0DD-7516-D73A-CF15-FF699E573142}"/>
+              </a:ext>
+            </a:extLst>
+          </p:cNvPr>
+          <p:cNvPicPr>
+            <a:picLocks noChangeAspect="1"/>
+          </p:cNvPicPr>
+          <p:nvPr/>
+        </p:nvPicPr>
+        <p:blipFill>
+          <a:blip r:embed="rId2"/>
+          <a:stretch>
+            <a:fillRect/>
+          </a:stretch>
+        </p:blipFill>
+        <p:spPr>
+          <a:xfrm>
+            <a:off x="22860" y="24765"/>
+            <a:ext cx="2447925" cy="924019"/>
+          </a:xfrm>
+          <a:prstGeom prst="rect">
+            <a:avLst/>
+          </a:prstGeom>
+        </p:spPr>
+      </p:pic>
+      <p:sp>
+        <p:nvSpPr>
+          <p:cNvPr id="3" name="Content Placeholder 2">
+            <a:extLst>
+              <a:ext uri="{FF2B5EF4-FFF2-40B4-BE49-F238E27FC236}">
+                <a16:creationId xmlns:a16="http://schemas.microsoft.com/office/drawing/2014/main" id="{5F52FAE0-423A-C48E-5C9F-B9E4FB1FB006}"/>
+              </a:ext>
+            </a:extLst>
+          </p:cNvPr>
+          <p:cNvSpPr>
+            <a:spLocks noGrp="1"/>
+          </p:cNvSpPr>
+          <p:nvPr>
+            <p:ph idx="1"/>
+          </p:nvPr>
+        </p:nvSpPr>
+        <p:spPr>
+          <a:xfrm>
+            <a:off x="1972236" y="2181112"/>
+            <a:ext cx="8462682" cy="4025152"/>
+          </a:xfrm>
+        </p:spPr>
+        <p:style>
+          <a:lnRef idx="1">
+            <a:schemeClr val="accent2"/>
+          </a:lnRef>
+          <a:fillRef idx="2">
+            <a:schemeClr val="accent2"/>
+          </a:fillRef>
+          <a:effectRef idx="1">
+            <a:schemeClr val="accent2"/>
+          </a:effectRef>
+          <a:fontRef idx="minor">
+            <a:schemeClr val="dk1"/>
+          </a:fontRef>
+        </p:style>
+        <p:txBody>
+          <a:bodyPr>
+            <a:normAutofit fontScale="55000" lnSpcReduction="20000"/>
+          </a:bodyPr>
+          <a:lstStyle/>
+          <a:p>
+            <a:r>
+              <a:rPr lang="en-US" b="1" i="1" dirty="0">
+                <a:solidFill>
+                  <a:srgbClr val="00B0F0"/>
+                </a:solidFill>
+                <a:effectLst/>
+              </a:rPr>
+              <a:t>S.HYDERBASHA (TL) </a:t>
+            </a:r>
+            <a:r>
+              <a:rPr lang="en-US" b="1" i="1" dirty="0">
+                <a:solidFill>
+                  <a:srgbClr val="7030A0"/>
+                </a:solidFill>
+                <a:effectLst/>
+              </a:rPr>
+              <a:t>- </a:t>
+            </a:r>
+            <a:r>
+              <a:rPr lang="en-US" b="1" i="1" u="sng" dirty="0">
+                <a:solidFill>
+                  <a:srgbClr val="C00000"/>
+                </a:solidFill>
+                <a:effectLst/>
+              </a:rPr>
+              <a:t>ROLES: </a:t>
+            </a:r>
+            <a:r>
+              <a:rPr lang="en-US" b="1" i="1" dirty="0">
+                <a:solidFill>
+                  <a:srgbClr val="C00000"/>
+                </a:solidFill>
+                <a:effectLst/>
+              </a:rPr>
+              <a:t> </a:t>
+            </a:r>
+            <a:r>
+              <a:rPr lang="en-US" b="1" i="1" dirty="0">
+                <a:solidFill>
+                  <a:srgbClr val="3C948C"/>
+                </a:solidFill>
+                <a:effectLst/>
+              </a:rPr>
+              <a:t>Brand study , competitor analysis , Instagram stories , post creation.</a:t>
+            </a:r>
+          </a:p>
+          <a:p>
+            <a:r>
+              <a:rPr lang="en-US" b="1" i="1" dirty="0">
+                <a:solidFill>
+                  <a:srgbClr val="7030A0"/>
+                </a:solidFill>
+                <a:effectLst/>
+              </a:rPr>
+              <a:t> I Have done brand analysis and competitor analysis with the help of  Google and other websites and I helped for creating Instagram account and I had lost account because of using brand assets and logos. We created an account again.</a:t>
+            </a:r>
+          </a:p>
+          <a:p>
+            <a:r>
+              <a:rPr lang="en-US" b="1" i="1" dirty="0">
+                <a:solidFill>
+                  <a:srgbClr val="00B0F0"/>
+                </a:solidFill>
+                <a:effectLst/>
+              </a:rPr>
+              <a:t>T. URMIKADEVI  </a:t>
+            </a:r>
+            <a:r>
+              <a:rPr lang="en-US" b="1" i="1" dirty="0">
+                <a:solidFill>
+                  <a:srgbClr val="7030A0"/>
+                </a:solidFill>
+                <a:effectLst/>
+              </a:rPr>
+              <a:t>- </a:t>
+            </a:r>
+            <a:r>
+              <a:rPr lang="en-US" b="1" i="1" u="sng" dirty="0">
+                <a:solidFill>
+                  <a:srgbClr val="C00000"/>
+                </a:solidFill>
+                <a:effectLst/>
+              </a:rPr>
+              <a:t>ROLES:  </a:t>
+            </a:r>
+            <a:r>
+              <a:rPr lang="en-US" b="1" i="1" dirty="0">
+                <a:solidFill>
+                  <a:srgbClr val="3C948C"/>
+                </a:solidFill>
+                <a:effectLst/>
+              </a:rPr>
+              <a:t>SEO Audit &amp;Keyword Research , brand study , on page optimization.</a:t>
+            </a:r>
+          </a:p>
+          <a:p>
+            <a:r>
+              <a:rPr lang="en-US" b="1" i="1" dirty="0">
+                <a:solidFill>
+                  <a:srgbClr val="7030A0"/>
+                </a:solidFill>
+                <a:effectLst/>
+              </a:rPr>
+              <a:t>I Have done work on SEO Audit &amp; Keyword Research . I have faced difficulties while doing this both are in SEO Audit while doing in </a:t>
+            </a:r>
+            <a:r>
+              <a:rPr lang="en-US" b="1" i="1" dirty="0" err="1">
+                <a:solidFill>
+                  <a:srgbClr val="7030A0"/>
+                </a:solidFill>
+                <a:effectLst/>
+              </a:rPr>
+              <a:t>SEOoptimer</a:t>
+            </a:r>
+            <a:r>
+              <a:rPr lang="en-US" b="1" i="1" dirty="0">
+                <a:solidFill>
+                  <a:srgbClr val="7030A0"/>
+                </a:solidFill>
+                <a:effectLst/>
+              </a:rPr>
+              <a:t> the information is not visible for sometime ,while in keyword research the keywords what I am searching in SEMrush the keywords are not visible properly . I Have also helped in brand study and on page optimization .</a:t>
+            </a:r>
+          </a:p>
+          <a:p>
+            <a:r>
+              <a:rPr lang="en-US" b="1" i="1" dirty="0">
+                <a:solidFill>
+                  <a:srgbClr val="00B0F0"/>
+                </a:solidFill>
+                <a:effectLst/>
+              </a:rPr>
+              <a:t>ANKITHA YADAV </a:t>
+            </a:r>
+            <a:r>
+              <a:rPr lang="en-US" b="1" i="1" dirty="0">
+                <a:solidFill>
+                  <a:srgbClr val="7030A0"/>
+                </a:solidFill>
+                <a:effectLst/>
+              </a:rPr>
+              <a:t>-</a:t>
+            </a:r>
+            <a:r>
+              <a:rPr lang="en-US" b="1" i="1" dirty="0">
+                <a:solidFill>
+                  <a:srgbClr val="FF0000"/>
+                </a:solidFill>
+                <a:effectLst/>
+              </a:rPr>
+              <a:t> </a:t>
+            </a:r>
+            <a:r>
+              <a:rPr lang="en-US" b="1" i="1" u="sng" dirty="0">
+                <a:solidFill>
+                  <a:srgbClr val="C00000"/>
+                </a:solidFill>
+                <a:effectLst/>
+              </a:rPr>
+              <a:t>ROLES: </a:t>
+            </a:r>
+            <a:r>
+              <a:rPr lang="en-US" b="1" i="1" dirty="0">
+                <a:solidFill>
+                  <a:srgbClr val="C00000"/>
+                </a:solidFill>
+                <a:effectLst/>
+              </a:rPr>
+              <a:t> </a:t>
+            </a:r>
+            <a:r>
+              <a:rPr lang="en-US" b="1" i="1" dirty="0">
+                <a:solidFill>
+                  <a:srgbClr val="3C948C"/>
+                </a:solidFill>
+                <a:effectLst/>
+              </a:rPr>
+              <a:t>ON Page optimization , Content idea and Marketing Strategies.</a:t>
+            </a:r>
+          </a:p>
+          <a:p>
+            <a:r>
+              <a:rPr lang="en-US" b="1" i="1" dirty="0">
+                <a:solidFill>
+                  <a:srgbClr val="7030A0"/>
+                </a:solidFill>
+                <a:effectLst/>
+              </a:rPr>
+              <a:t>I Have done work on ONPAGE Optimization and Content Idea &amp; Marketing Strategies . I have done with the help of google.</a:t>
+            </a:r>
+          </a:p>
+          <a:p>
+            <a:r>
+              <a:rPr lang="en-US" b="1" i="1" dirty="0">
+                <a:solidFill>
+                  <a:srgbClr val="00B0F0"/>
+                </a:solidFill>
+                <a:effectLst/>
+              </a:rPr>
+              <a:t>B.SAMYUKTHA </a:t>
+            </a:r>
+            <a:r>
+              <a:rPr lang="en-US" b="1" i="1" dirty="0">
+                <a:solidFill>
+                  <a:srgbClr val="7030A0"/>
+                </a:solidFill>
+                <a:effectLst/>
+              </a:rPr>
+              <a:t>- </a:t>
+            </a:r>
+            <a:r>
+              <a:rPr lang="en-US" b="1" i="1" u="sng" dirty="0">
+                <a:solidFill>
+                  <a:srgbClr val="C00000"/>
+                </a:solidFill>
+                <a:effectLst/>
+              </a:rPr>
+              <a:t>ROLES:</a:t>
+            </a:r>
+            <a:r>
+              <a:rPr lang="en-US" b="1" i="1" u="sng" dirty="0">
+                <a:solidFill>
+                  <a:srgbClr val="3C948C"/>
+                </a:solidFill>
+                <a:effectLst/>
+              </a:rPr>
+              <a:t>  </a:t>
+            </a:r>
+            <a:r>
+              <a:rPr lang="en-US" b="1" i="1" dirty="0">
+                <a:solidFill>
+                  <a:srgbClr val="3C948C"/>
+                </a:solidFill>
+                <a:effectLst/>
+              </a:rPr>
+              <a:t>Content Creation &amp;Curation , Post Creation, Instagram stories</a:t>
+            </a:r>
+          </a:p>
+          <a:p>
+            <a:r>
+              <a:rPr lang="en-US" b="1" i="1" dirty="0">
+                <a:solidFill>
+                  <a:srgbClr val="7030A0"/>
+                </a:solidFill>
+                <a:effectLst/>
+              </a:rPr>
+              <a:t>We have created a account it was deleted because of it is related to business so we created another account. In that account I posted a brand products &amp; the post was given above. And the post added to story and link was given above . And that story added to highlights.</a:t>
+            </a:r>
+            <a:endParaRPr lang="en-IN" b="1" i="1" dirty="0">
+              <a:solidFill>
+                <a:srgbClr val="7030A0"/>
+              </a:solidFill>
+              <a:effectLst/>
+            </a:endParaRPr>
+          </a:p>
+          <a:p>
+            <a:pPr marL="0" indent="0">
+              <a:buNone/>
+            </a:pPr>
+            <a:endParaRPr lang="en-IN" dirty="0"/>
+          </a:p>
+        </p:txBody>
+      </p:sp>
+    </p:spTree>
+    <p:extLst>
+      <p:ext uri="{BB962C8B-B14F-4D97-AF65-F5344CB8AC3E}">
+        <p14:creationId xmlns:p14="http://schemas.microsoft.com/office/powerpoint/2010/main" val="1313471438"/>
+      </p:ext>
+    </p:extLst>
+  </p:cSld>
+  <p:clrMapOvr>
+    <a:masterClrMapping/>
+  </p:clrMapOvr>
+</p:sld>
+</file>
+
+<file path=ppt/slides/slide17.xml><?xml version="1.0" encoding="utf-8"?>
 <p:sld xmlns:a="http://schemas.openxmlformats.org/drawingml/2006/main" xmlns:r="http://schemas.openxmlformats.org/officeDocument/2006/relationships" xmlns:p="http://schemas.openxmlformats.org/presentationml/2006/main">
   <p:cSld>
     <p:spTree>
@@ -5137,7 +8218,12 @@
             <p:ph type="title"/>
           </p:nvPr>
         </p:nvSpPr>
-        <p:spPr/>
+        <p:spPr>
+          <a:xfrm>
+            <a:off x="2374010" y="1097692"/>
+            <a:ext cx="7729728" cy="1188720"/>
+          </a:xfrm>
+        </p:spPr>
         <p:txBody>
           <a:bodyPr/>
           <a:lstStyle/>
@@ -5397,6 +8483,36 @@
           </a:p>
         </p:txBody>
       </p:sp>
+      <p:pic>
+        <p:nvPicPr>
+          <p:cNvPr id="5" name="Picture 4">
+            <a:extLst>
+              <a:ext uri="{FF2B5EF4-FFF2-40B4-BE49-F238E27FC236}">
+                <a16:creationId xmlns:a16="http://schemas.microsoft.com/office/drawing/2014/main" id="{7041999C-751B-7BC9-9646-CF7A458E26F6}"/>
+              </a:ext>
+            </a:extLst>
+          </p:cNvPr>
+          <p:cNvPicPr>
+            <a:picLocks noChangeAspect="1"/>
+          </p:cNvPicPr>
+          <p:nvPr/>
+        </p:nvPicPr>
+        <p:blipFill>
+          <a:blip r:embed="rId2"/>
+          <a:stretch>
+            <a:fillRect/>
+          </a:stretch>
+        </p:blipFill>
+        <p:spPr>
+          <a:xfrm>
+            <a:off x="37316" y="27343"/>
+            <a:ext cx="2303696" cy="869577"/>
+          </a:xfrm>
+          <a:prstGeom prst="rect">
+            <a:avLst/>
+          </a:prstGeom>
+        </p:spPr>
+      </p:pic>
     </p:spTree>
     <p:extLst>
       <p:ext uri="{BB962C8B-B14F-4D97-AF65-F5344CB8AC3E}">
@@ -5450,19 +8566,21 @@
           </a:xfrm>
         </p:spPr>
         <p:txBody>
-          <a:bodyPr/>
+          <a:bodyPr>
+            <a:normAutofit fontScale="90000"/>
+          </a:bodyPr>
           <a:lstStyle/>
           <a:p>
             <a:r>
-              <a:rPr lang="en-US" sz="4800" dirty="0"/>
+              <a:rPr lang="en-US" sz="4800" u="sng" dirty="0"/>
               <a:t>COMPETITOR</a:t>
             </a:r>
             <a:r>
-              <a:rPr lang="en-US" dirty="0"/>
+              <a:rPr lang="en-US" u="sng" dirty="0"/>
               <a:t> </a:t>
             </a:r>
             <a:r>
-              <a:rPr lang="en-US" sz="4800" dirty="0"/>
+              <a:rPr lang="en-US" sz="4800" u="sng" dirty="0"/>
               <a:t>ANALYSIS</a:t>
             </a:r>
           </a:p>
@@ -5484,7 +8602,12 @@
             <p:ph idx="1"/>
           </p:nvPr>
         </p:nvSpPr>
-        <p:spPr/>
+        <p:spPr>
+          <a:xfrm>
+            <a:off x="2066601" y="2367108"/>
+            <a:ext cx="10353762" cy="3695136"/>
+          </a:xfrm>
+        </p:spPr>
         <p:txBody>
           <a:bodyPr/>
           <a:lstStyle/>
@@ -5551,6 +8674,36 @@
           </a:p>
         </p:txBody>
       </p:sp>
+      <p:pic>
+        <p:nvPicPr>
+          <p:cNvPr id="5" name="Picture 4">
+            <a:extLst>
+              <a:ext uri="{FF2B5EF4-FFF2-40B4-BE49-F238E27FC236}">
+                <a16:creationId xmlns:a16="http://schemas.microsoft.com/office/drawing/2014/main" id="{A5F41B4E-6E5E-DF04-4D53-2B648D53C7B0}"/>
+              </a:ext>
+            </a:extLst>
+          </p:cNvPr>
+          <p:cNvPicPr>
+            <a:picLocks noChangeAspect="1"/>
+          </p:cNvPicPr>
+          <p:nvPr/>
+        </p:nvPicPr>
+        <p:blipFill>
+          <a:blip r:embed="rId2"/>
+          <a:stretch>
+            <a:fillRect/>
+          </a:stretch>
+        </p:blipFill>
+        <p:spPr>
+          <a:xfrm>
+            <a:off x="29023" y="32833"/>
+            <a:ext cx="2199195" cy="830131"/>
+          </a:xfrm>
+          <a:prstGeom prst="rect">
+            <a:avLst/>
+          </a:prstGeom>
+        </p:spPr>
+      </p:pic>
     </p:spTree>
     <p:extLst>
       <p:ext uri="{BB962C8B-B14F-4D97-AF65-F5344CB8AC3E}">
@@ -5672,6 +8825,36 @@
           <a:xfrm>
             <a:off x="3331028" y="1884784"/>
             <a:ext cx="7604449" cy="4170784"/>
+          </a:xfrm>
+          <a:prstGeom prst="rect">
+            <a:avLst/>
+          </a:prstGeom>
+        </p:spPr>
+      </p:pic>
+      <p:pic>
+        <p:nvPicPr>
+          <p:cNvPr id="5" name="Picture 4">
+            <a:extLst>
+              <a:ext uri="{FF2B5EF4-FFF2-40B4-BE49-F238E27FC236}">
+                <a16:creationId xmlns:a16="http://schemas.microsoft.com/office/drawing/2014/main" id="{242D18D0-06C7-5D1A-3919-D06F1F544B26}"/>
+              </a:ext>
+            </a:extLst>
+          </p:cNvPr>
+          <p:cNvPicPr>
+            <a:picLocks noChangeAspect="1"/>
+          </p:cNvPicPr>
+          <p:nvPr/>
+        </p:nvPicPr>
+        <p:blipFill>
+          <a:blip r:embed="rId3"/>
+          <a:stretch>
+            <a:fillRect/>
+          </a:stretch>
+        </p:blipFill>
+        <p:spPr>
+          <a:xfrm>
+            <a:off x="28275" y="28127"/>
+            <a:ext cx="2189150" cy="844363"/>
           </a:xfrm>
           <a:prstGeom prst="rect">
             <a:avLst/>
@@ -5726,24 +8909,26 @@
         </p:nvSpPr>
         <p:spPr>
           <a:xfrm>
-            <a:off x="1969199" y="1971294"/>
+            <a:off x="2274298" y="1944399"/>
             <a:ext cx="7729728" cy="3101983"/>
           </a:xfrm>
         </p:spPr>
         <p:txBody>
-          <a:bodyPr/>
+          <a:bodyPr>
+            <a:normAutofit fontScale="92500" lnSpcReduction="10000"/>
+          </a:bodyPr>
           <a:lstStyle/>
           <a:p>
             <a:r>
-              <a:rPr lang="en-US" sz="2000" dirty="0"/>
+              <a:rPr lang="en-US" sz="2000" b="1" u="sng" dirty="0"/>
               <a:t>COMPETITOR</a:t>
             </a:r>
             <a:r>
-              <a:rPr lang="en-US" dirty="0"/>
+              <a:rPr lang="en-US" b="1" u="sng" dirty="0"/>
               <a:t> -</a:t>
             </a:r>
             <a:r>
-              <a:rPr lang="en-US" sz="2000" dirty="0"/>
+              <a:rPr lang="en-US" sz="2000" b="1" u="sng" dirty="0"/>
               <a:t>2</a:t>
             </a:r>
             <a:r>
@@ -5803,6 +8988,36 @@
           </a:p>
         </p:txBody>
       </p:sp>
+      <p:pic>
+        <p:nvPicPr>
+          <p:cNvPr id="4" name="Picture 3">
+            <a:extLst>
+              <a:ext uri="{FF2B5EF4-FFF2-40B4-BE49-F238E27FC236}">
+                <a16:creationId xmlns:a16="http://schemas.microsoft.com/office/drawing/2014/main" id="{DCF576C2-4875-F253-AA97-352B2761D87A}"/>
+              </a:ext>
+            </a:extLst>
+          </p:cNvPr>
+          <p:cNvPicPr>
+            <a:picLocks noChangeAspect="1"/>
+          </p:cNvPicPr>
+          <p:nvPr/>
+        </p:nvPicPr>
+        <p:blipFill>
+          <a:blip r:embed="rId2"/>
+          <a:stretch>
+            <a:fillRect/>
+          </a:stretch>
+        </p:blipFill>
+        <p:spPr>
+          <a:xfrm>
+            <a:off x="21966" y="26112"/>
+            <a:ext cx="2252332" cy="850188"/>
+          </a:xfrm>
+          <a:prstGeom prst="rect">
+            <a:avLst/>
+          </a:prstGeom>
+        </p:spPr>
+      </p:pic>
     </p:spTree>
     <p:extLst>
       <p:ext uri="{BB962C8B-B14F-4D97-AF65-F5344CB8AC3E}">
@@ -5927,6 +9142,36 @@
           <a:xfrm>
             <a:off x="4241006" y="2091757"/>
             <a:ext cx="6741125" cy="4206406"/>
+          </a:xfrm>
+          <a:prstGeom prst="rect">
+            <a:avLst/>
+          </a:prstGeom>
+        </p:spPr>
+      </p:pic>
+      <p:pic>
+        <p:nvPicPr>
+          <p:cNvPr id="5" name="Picture 4">
+            <a:extLst>
+              <a:ext uri="{FF2B5EF4-FFF2-40B4-BE49-F238E27FC236}">
+                <a16:creationId xmlns:a16="http://schemas.microsoft.com/office/drawing/2014/main" id="{4BAA3A6F-737D-23F8-4CE6-71969BB18153}"/>
+              </a:ext>
+            </a:extLst>
+          </p:cNvPr>
+          <p:cNvPicPr>
+            <a:picLocks noChangeAspect="1"/>
+          </p:cNvPicPr>
+          <p:nvPr/>
+        </p:nvPicPr>
+        <p:blipFill>
+          <a:blip r:embed="rId3"/>
+          <a:stretch>
+            <a:fillRect/>
+          </a:stretch>
+        </p:blipFill>
+        <p:spPr>
+          <a:xfrm>
+            <a:off x="18603" y="20956"/>
+            <a:ext cx="2202628" cy="831427"/>
           </a:xfrm>
           <a:prstGeom prst="rect">
             <a:avLst/>
@@ -5981,7 +9226,7 @@
         </p:nvSpPr>
         <p:spPr>
           <a:xfrm>
-            <a:off x="1666876" y="1610118"/>
+            <a:off x="2384052" y="1995600"/>
             <a:ext cx="8203406" cy="3200007"/>
           </a:xfrm>
         </p:spPr>
@@ -5992,7 +9237,7 @@
           <a:lstStyle/>
           <a:p>
             <a:r>
-              <a:rPr lang="en-US" sz="2000" dirty="0"/>
+              <a:rPr lang="en-US" sz="2000" b="1" u="sng" dirty="0"/>
               <a:t>COMPETITOR-3</a:t>
             </a:r>
             <a:r>
@@ -6045,6 +9290,36 @@
           </a:p>
         </p:txBody>
       </p:sp>
+      <p:pic>
+        <p:nvPicPr>
+          <p:cNvPr id="4" name="Picture 3">
+            <a:extLst>
+              <a:ext uri="{FF2B5EF4-FFF2-40B4-BE49-F238E27FC236}">
+                <a16:creationId xmlns:a16="http://schemas.microsoft.com/office/drawing/2014/main" id="{48967810-253C-732F-BA5F-BF29AA80770C}"/>
+              </a:ext>
+            </a:extLst>
+          </p:cNvPr>
+          <p:cNvPicPr>
+            <a:picLocks noChangeAspect="1"/>
+          </p:cNvPicPr>
+          <p:nvPr/>
+        </p:nvPicPr>
+        <p:blipFill>
+          <a:blip r:embed="rId2"/>
+          <a:stretch>
+            <a:fillRect/>
+          </a:stretch>
+        </p:blipFill>
+        <p:spPr>
+          <a:xfrm>
+            <a:off x="26333" y="17145"/>
+            <a:ext cx="2210479" cy="834390"/>
+          </a:xfrm>
+          <a:prstGeom prst="rect">
+            <a:avLst/>
+          </a:prstGeom>
+        </p:spPr>
+      </p:pic>
     </p:spTree>
     <p:extLst>
       <p:ext uri="{BB962C8B-B14F-4D97-AF65-F5344CB8AC3E}">
@@ -6187,6 +9462,36 @@
           </a:p>
         </p:txBody>
       </p:sp>
+      <p:pic>
+        <p:nvPicPr>
+          <p:cNvPr id="3" name="Picture 2">
+            <a:extLst>
+              <a:ext uri="{FF2B5EF4-FFF2-40B4-BE49-F238E27FC236}">
+                <a16:creationId xmlns:a16="http://schemas.microsoft.com/office/drawing/2014/main" id="{C0B440C4-1220-F72E-A314-3BB6F5980D57}"/>
+              </a:ext>
+            </a:extLst>
+          </p:cNvPr>
+          <p:cNvPicPr>
+            <a:picLocks noChangeAspect="1"/>
+          </p:cNvPicPr>
+          <p:nvPr/>
+        </p:nvPicPr>
+        <p:blipFill>
+          <a:blip r:embed="rId3"/>
+          <a:stretch>
+            <a:fillRect/>
+          </a:stretch>
+        </p:blipFill>
+        <p:spPr>
+          <a:xfrm>
+            <a:off x="31152" y="21562"/>
+            <a:ext cx="2252943" cy="850420"/>
+          </a:xfrm>
+          <a:prstGeom prst="rect">
+            <a:avLst/>
+          </a:prstGeom>
+        </p:spPr>
+      </p:pic>
     </p:spTree>
     <p:extLst>
       <p:ext uri="{BB962C8B-B14F-4D97-AF65-F5344CB8AC3E}">
@@ -6233,7 +9538,12 @@
             <p:ph type="title"/>
           </p:nvPr>
         </p:nvSpPr>
-        <p:spPr/>
+        <p:spPr>
+          <a:xfrm>
+            <a:off x="2123559" y="874668"/>
+            <a:ext cx="7729728" cy="1188720"/>
+          </a:xfrm>
+        </p:spPr>
         <p:txBody>
           <a:bodyPr>
             <a:normAutofit/>
@@ -6241,7 +9551,7 @@
           <a:lstStyle/>
           <a:p>
             <a:r>
-              <a:rPr lang="en-US" sz="4400" dirty="0"/>
+              <a:rPr lang="en-US" sz="4400" u="sng" dirty="0"/>
               <a:t>SEO AUDIT</a:t>
             </a:r>
           </a:p>
@@ -6306,6 +9616,36 @@
           </a:prstGeom>
         </p:spPr>
       </p:pic>
+      <p:pic>
+        <p:nvPicPr>
+          <p:cNvPr id="4" name="Picture 3">
+            <a:extLst>
+              <a:ext uri="{FF2B5EF4-FFF2-40B4-BE49-F238E27FC236}">
+                <a16:creationId xmlns:a16="http://schemas.microsoft.com/office/drawing/2014/main" id="{CD9CD350-60F2-CA30-103B-D21B511FF91E}"/>
+              </a:ext>
+            </a:extLst>
+          </p:cNvPr>
+          <p:cNvPicPr>
+            <a:picLocks noChangeAspect="1"/>
+          </p:cNvPicPr>
+          <p:nvPr/>
+        </p:nvPicPr>
+        <p:blipFill>
+          <a:blip r:embed="rId4"/>
+          <a:stretch>
+            <a:fillRect/>
+          </a:stretch>
+        </p:blipFill>
+        <p:spPr>
+          <a:xfrm>
+            <a:off x="16809" y="15240"/>
+            <a:ext cx="2276811" cy="859428"/>
+          </a:xfrm>
+          <a:prstGeom prst="rect">
+            <a:avLst/>
+          </a:prstGeom>
+        </p:spPr>
+      </p:pic>
     </p:spTree>
     <p:extLst>
       <p:ext uri="{BB962C8B-B14F-4D97-AF65-F5344CB8AC3E}">
@@ -6320,58 +9660,91 @@
 </file>
 
 <file path=ppt/theme/theme1.xml><?xml version="1.0" encoding="utf-8"?>
-<a:theme xmlns:a="http://schemas.openxmlformats.org/drawingml/2006/main" name="Parcel">
+<a:theme xmlns:a="http://schemas.openxmlformats.org/drawingml/2006/main" name="Damask">
   <a:themeElements>
-    <a:clrScheme name="Parcel">
+    <a:clrScheme name="Damask">
       <a:dk1>
-        <a:srgbClr val="000000"/>
+        <a:sysClr val="windowText" lastClr="000000"/>
       </a:dk1>
       <a:lt1>
-        <a:srgbClr val="FFFFFF"/>
+        <a:sysClr val="window" lastClr="FFFFFF"/>
       </a:lt1>
       <a:dk2>
-        <a:srgbClr val="4A5356"/>
+        <a:srgbClr val="2A5B7F"/>
       </a:dk2>
       <a:lt2>
-        <a:srgbClr val="E8E3CE"/>
+        <a:srgbClr val="ABDAFC"/>
       </a:lt2>
       <a:accent1>
-        <a:srgbClr val="F6A21D"/>
+        <a:srgbClr val="9EC544"/>
       </a:accent1>
       <a:accent2>
-        <a:srgbClr val="9BAFB5"/>
+        <a:srgbClr val="50BEA3"/>
       </a:accent2>
       <a:accent3>
-        <a:srgbClr val="C96731"/>
+        <a:srgbClr val="4A9CCC"/>
       </a:accent3>
       <a:accent4>
-        <a:srgbClr val="9CA383"/>
+        <a:srgbClr val="9A66CA"/>
       </a:accent4>
       <a:accent5>
-        <a:srgbClr val="87795D"/>
+        <a:srgbClr val="C54F71"/>
       </a:accent5>
       <a:accent6>
-        <a:srgbClr val="A0988C"/>
+        <a:srgbClr val="DE9C3C"/>
       </a:accent6>
       <a:hlink>
-        <a:srgbClr val="00B0F0"/>
+        <a:srgbClr val="6BA9DA"/>
       </a:hlink>
       <a:folHlink>
-        <a:srgbClr val="738F97"/>
+        <a:srgbClr val="A0BCD3"/>
       </a:folHlink>
     </a:clrScheme>
-    <a:fontScheme name="Parcel">
+    <a:fontScheme name="Damask">
       <a:majorFont>
-        <a:latin typeface="Gill Sans MT" panose="020B0502020104020203"/>
+        <a:latin typeface="Bookman Old Style" panose="02050604050505020204"/>
         <a:ea typeface=""/>
         <a:cs typeface=""/>
-        <a:font script="Grek" typeface="Corbel"/>
-        <a:font script="Cyrl" typeface="Corbel"/>
-        <a:font script="Jpan" typeface="HGｺﾞｼｯｸE"/>
-        <a:font script="Hang" typeface="휴먼매직체"/>
-        <a:font script="Hans" typeface="华文中宋"/>
-        <a:font script="Hant" typeface="微軟正黑體"/>
-        <a:font script="Arab" typeface="Majalla UI"/>
+        <a:font script="Jpan" typeface="ＭＳ Ｐゴシック"/>
+        <a:font script="Hang" typeface="맑은 고딕"/>
+        <a:font script="Hans" typeface="宋体"/>
+        <a:font script="Hant" typeface="新細明體"/>
+        <a:font script="Arab" typeface="Times New Roman"/>
+        <a:font script="Hebr" typeface="Times New Roman"/>
+        <a:font script="Thai" typeface="Angsana New"/>
+        <a:font script="Ethi" typeface="Nyala"/>
+        <a:font script="Beng" typeface="Vrinda"/>
+        <a:font script="Gujr" typeface="Shruti"/>
+        <a:font script="Khmr" typeface="MoolBoran"/>
+        <a:font script="Knda" typeface="Tunga"/>
+        <a:font script="Guru" typeface="Raavi"/>
+        <a:font script="Cans" typeface="Euphemia"/>
+        <a:font script="Cher" typeface="Plantagenet Cherokee"/>
+        <a:font script="Yiii" typeface="Microsoft Yi Baiti"/>
+        <a:font script="Tibt" typeface="Microsoft Himalaya"/>
+        <a:font script="Thaa" typeface="MV Boli"/>
+        <a:font script="Deva" typeface="Mangal"/>
+        <a:font script="Telu" typeface="Gautami"/>
+        <a:font script="Taml" typeface="Latha"/>
+        <a:font script="Syrc" typeface="Estrangelo Edessa"/>
+        <a:font script="Orya" typeface="Kalinga"/>
+        <a:font script="Mlym" typeface="Kartika"/>
+        <a:font script="Laoo" typeface="DokChampa"/>
+        <a:font script="Sinh" typeface="Iskoola Pota"/>
+        <a:font script="Mong" typeface="Mongolian Baiti"/>
+        <a:font script="Viet" typeface="Times New Roman"/>
+        <a:font script="Uigh" typeface="Microsoft Uighur"/>
+        <a:font script="Geor" typeface="Sylfaen"/>
+      </a:majorFont>
+      <a:minorFont>
+        <a:latin typeface="Rockwell" panose="02060603020205020403"/>
+        <a:ea typeface=""/>
+        <a:cs typeface=""/>
+        <a:font script="Jpan" typeface="ＭＳ Ｐゴシック"/>
+        <a:font script="Hang" typeface="맑은 고딕"/>
+        <a:font script="Hans" typeface="宋体"/>
+        <a:font script="Hant" typeface="新細明體"/>
+        <a:font script="Arab" typeface="Arial"/>
         <a:font script="Hebr" typeface="Arial"/>
         <a:font script="Thai" typeface="Cordia New"/>
         <a:font script="Ethi" typeface="Nyala"/>
@@ -6394,49 +9767,12 @@
         <a:font script="Laoo" typeface="DokChampa"/>
         <a:font script="Sinh" typeface="Iskoola Pota"/>
         <a:font script="Mong" typeface="Mongolian Baiti"/>
-        <a:font script="Viet" typeface="Tahoma"/>
-        <a:font script="Uigh" typeface="Microsoft Uighur"/>
-        <a:font script="Geor" typeface="Sylfaen"/>
-      </a:majorFont>
-      <a:minorFont>
-        <a:latin typeface="Gill Sans MT" panose="020B0502020104020203"/>
-        <a:ea typeface=""/>
-        <a:cs typeface=""/>
-        <a:font script="Grek" typeface="Corbel"/>
-        <a:font script="Cyrl" typeface="Corbel"/>
-        <a:font script="Jpan" typeface="HGｺﾞｼｯｸE"/>
-        <a:font script="Hang" typeface="휴먼매직체"/>
-        <a:font script="Hans" typeface="华文中宋"/>
-        <a:font script="Hant" typeface="微軟正黑體"/>
-        <a:font script="Arab" typeface="Majalla UI"/>
-        <a:font script="Hebr" typeface="Arial"/>
-        <a:font script="Thai" typeface="Cordia New"/>
-        <a:font script="Ethi" typeface="Nyala"/>
-        <a:font script="Beng" typeface="Vrinda"/>
-        <a:font script="Gujr" typeface="Shruti"/>
-        <a:font script="Khmr" typeface="DaunPenh"/>
-        <a:font script="Knda" typeface="Tunga"/>
-        <a:font script="Guru" typeface="Raavi"/>
-        <a:font script="Cans" typeface="Euphemia"/>
-        <a:font script="Cher" typeface="Plantagenet Cherokee"/>
-        <a:font script="Yiii" typeface="Microsoft Yi Baiti"/>
-        <a:font script="Tibt" typeface="Microsoft Himalaya"/>
-        <a:font script="Thaa" typeface="MV Boli"/>
-        <a:font script="Deva" typeface="Mangal"/>
-        <a:font script="Telu" typeface="Gautami"/>
-        <a:font script="Taml" typeface="Latha"/>
-        <a:font script="Syrc" typeface="Estrangelo Edessa"/>
-        <a:font script="Orya" typeface="Kalinga"/>
-        <a:font script="Mlym" typeface="Kartika"/>
-        <a:font script="Laoo" typeface="DokChampa"/>
-        <a:font script="Sinh" typeface="Iskoola Pota"/>
-        <a:font script="Mong" typeface="Mongolian Baiti"/>
-        <a:font script="Viet" typeface="Tahoma"/>
+        <a:font script="Viet" typeface="Arial"/>
         <a:font script="Uigh" typeface="Microsoft Uighur"/>
         <a:font script="Geor" typeface="Sylfaen"/>
       </a:minorFont>
     </a:fontScheme>
-    <a:fmtScheme name="Parcel">
+    <a:fmtScheme name="Damask">
       <a:fillStyleLst>
         <a:solidFill>
           <a:schemeClr val="phClr"/>
@@ -6445,16 +9781,16 @@
           <a:gsLst>
             <a:gs pos="0">
               <a:schemeClr val="phClr">
-                <a:tint val="80000"/>
-                <a:satMod val="107000"/>
-                <a:lumMod val="103000"/>
+                <a:tint val="48000"/>
+                <a:satMod val="105000"/>
+                <a:lumMod val="110000"/>
               </a:schemeClr>
             </a:gs>
             <a:gs pos="100000">
               <a:schemeClr val="phClr">
-                <a:tint val="82000"/>
+                <a:tint val="78000"/>
                 <a:satMod val="109000"/>
-                <a:lumMod val="103000"/>
+                <a:lumMod val="100000"/>
               </a:schemeClr>
             </a:gs>
           </a:gsLst>
@@ -6464,23 +9800,23 @@
           <a:gsLst>
             <a:gs pos="0">
               <a:schemeClr val="phClr">
-                <a:tint val="97000"/>
+                <a:tint val="94000"/>
                 <a:satMod val="100000"/>
-                <a:lumMod val="102000"/>
+                <a:lumMod val="104000"/>
               </a:schemeClr>
             </a:gs>
-            <a:gs pos="50000">
+            <a:gs pos="69000">
               <a:schemeClr val="phClr">
-                <a:shade val="100000"/>
-                <a:satMod val="103000"/>
-                <a:lumMod val="100000"/>
+                <a:shade val="86000"/>
+                <a:satMod val="130000"/>
+                <a:lumMod val="102000"/>
               </a:schemeClr>
             </a:gs>
             <a:gs pos="100000">
               <a:schemeClr val="phClr">
-                <a:shade val="93000"/>
-                <a:satMod val="110000"/>
-                <a:lumMod val="99000"/>
+                <a:shade val="72000"/>
+                <a:satMod val="130000"/>
+                <a:lumMod val="100000"/>
               </a:schemeClr>
             </a:gs>
           </a:gsLst>
@@ -6488,19 +9824,19 @@
         </a:gradFill>
       </a:fillStyleLst>
       <a:lnStyleLst>
-        <a:ln w="6350" cap="flat" cmpd="sng" algn="ctr">
-          <a:solidFill>
-            <a:schemeClr val="phClr"/>
-          </a:solidFill>
-          <a:prstDash val="solid"/>
-        </a:ln>
         <a:ln w="12700" cap="flat" cmpd="sng" algn="ctr">
           <a:solidFill>
             <a:schemeClr val="phClr"/>
           </a:solidFill>
           <a:prstDash val="solid"/>
         </a:ln>
-        <a:ln w="31750" cap="flat" cmpd="sng" algn="ctr">
+        <a:ln w="19050" cap="flat" cmpd="sng" algn="ctr">
+          <a:solidFill>
+            <a:schemeClr val="phClr"/>
+          </a:solidFill>
+          <a:prstDash val="solid"/>
+        </a:ln>
+        <a:ln w="25400" cap="flat" cmpd="sng" algn="ctr">
           <a:solidFill>
             <a:schemeClr val="phClr"/>
           </a:solidFill>
@@ -6512,13 +9848,19 @@
           <a:effectLst/>
         </a:effectStyle>
         <a:effectStyle>
-          <a:effectLst/>
+          <a:effectLst>
+            <a:outerShdw blurRad="50800" dist="38100" dir="5400000" sy="96000" rotWithShape="0">
+              <a:srgbClr val="000000">
+                <a:alpha val="54000"/>
+              </a:srgbClr>
+            </a:outerShdw>
+          </a:effectLst>
         </a:effectStyle>
         <a:effectStyle>
           <a:effectLst>
-            <a:outerShdw blurRad="55880" dist="15240" dir="5400000" algn="ctr" rotWithShape="0">
+            <a:outerShdw blurRad="76200" dist="38100" dir="5400000" algn="ctr" rotWithShape="0">
               <a:srgbClr val="000000">
-                <a:alpha val="45000"/>
+                <a:alpha val="76000"/>
               </a:srgbClr>
             </a:outerShdw>
           </a:effectLst>
@@ -6526,10 +9868,10 @@
             <a:camera prst="orthographicFront">
               <a:rot lat="0" lon="0" rev="0"/>
             </a:camera>
-            <a:lightRig rig="brightRoom" dir="tl"/>
+            <a:lightRig rig="balanced" dir="t"/>
           </a:scene3d>
-          <a:sp3d prstMaterial="dkEdge">
-            <a:bevelT w="0" h="0"/>
+          <a:sp3d prstMaterial="matte">
+            <a:bevelT w="25400" h="25400" prst="relaxedInset"/>
           </a:sp3d>
         </a:effectStyle>
       </a:effectStyleLst>
@@ -6543,29 +9885,23 @@
             <a:satMod val="170000"/>
           </a:schemeClr>
         </a:solidFill>
-        <a:gradFill rotWithShape="1">
-          <a:gsLst>
-            <a:gs pos="0">
+        <a:blipFill rotWithShape="1">
+          <a:blip xmlns:r="http://schemas.openxmlformats.org/officeDocument/2006/relationships" r:embed="rId1">
+            <a:duotone>
               <a:schemeClr val="phClr">
-                <a:tint val="97000"/>
-                <a:shade val="100000"/>
-                <a:satMod val="185000"/>
-                <a:lumMod val="120000"/>
+                <a:shade val="18000"/>
+                <a:satMod val="160000"/>
+                <a:lumMod val="28000"/>
               </a:schemeClr>
-            </a:gs>
-            <a:gs pos="100000">
               <a:schemeClr val="phClr">
-                <a:tint val="96000"/>
-                <a:shade val="95000"/>
-                <a:satMod val="215000"/>
-                <a:lumMod val="80000"/>
+                <a:tint val="95000"/>
+                <a:satMod val="160000"/>
+                <a:lumMod val="116000"/>
               </a:schemeClr>
-            </a:gs>
-          </a:gsLst>
-          <a:path path="circle">
-            <a:fillToRect l="50000" t="55000" r="125000" b="100000"/>
-          </a:path>
-        </a:gradFill>
+            </a:duotone>
+          </a:blip>
+          <a:stretch/>
+        </a:blipFill>
       </a:bgFillStyleLst>
     </a:fmtScheme>
   </a:themeElements>
@@ -6573,7 +9909,7 @@
   <a:extraClrSchemeLst/>
   <a:extLst>
     <a:ext uri="{05A4C25C-085E-4340-85A3-A5531E510DB2}">
-      <thm15:themeFamily xmlns:thm15="http://schemas.microsoft.com/office/thememl/2012/main" name="Parcel" id="{8BEC4385-4EB9-4D53-BFB5-0EA123736B6D}" vid="{4DB32801-28C0-48B0-8C1D-A9A58613615A}"/>
+      <thm15:themeFamily xmlns:thm15="http://schemas.microsoft.com/office/thememl/2012/main" name="Damask" id="{F9A299A0-33D0-4E0F-9F3F-7163E3744208}" vid="{746EEEEA-FB6A-406B-B510-531588D54811}"/>
     </a:ext>
   </a:extLst>
 </a:theme>
